--- a/Powerpoints/Projectmanagement.pptx
+++ b/Powerpoints/Projectmanagement.pptx
@@ -6,18 +6,25 @@
     <p:sldMasterId id="2147483687" r:id="rId4"/>
   </p:sldMasterIdLst>
   <p:notesMasterIdLst>
-    <p:notesMasterId r:id="rId14"/>
+    <p:notesMasterId r:id="rId21"/>
   </p:notesMasterIdLst>
   <p:sldIdLst>
     <p:sldId id="291" r:id="rId5"/>
     <p:sldId id="375" r:id="rId6"/>
     <p:sldId id="386" r:id="rId7"/>
-    <p:sldId id="387" r:id="rId8"/>
-    <p:sldId id="472" r:id="rId9"/>
-    <p:sldId id="395" r:id="rId10"/>
-    <p:sldId id="416" r:id="rId11"/>
-    <p:sldId id="415" r:id="rId12"/>
-    <p:sldId id="451" r:id="rId13"/>
+    <p:sldId id="473" r:id="rId8"/>
+    <p:sldId id="475" r:id="rId9"/>
+    <p:sldId id="474" r:id="rId10"/>
+    <p:sldId id="476" r:id="rId11"/>
+    <p:sldId id="477" r:id="rId12"/>
+    <p:sldId id="387" r:id="rId13"/>
+    <p:sldId id="479" r:id="rId14"/>
+    <p:sldId id="478" r:id="rId15"/>
+    <p:sldId id="472" r:id="rId16"/>
+    <p:sldId id="395" r:id="rId17"/>
+    <p:sldId id="416" r:id="rId18"/>
+    <p:sldId id="415" r:id="rId19"/>
+    <p:sldId id="451" r:id="rId20"/>
   </p:sldIdLst>
   <p:sldSz cx="12192000" cy="6858000"/>
   <p:notesSz cx="6858000" cy="9144000"/>
@@ -2290,7 +2297,7 @@
           <a:p>
             <a:fld id="{1FDE1A83-D039-40AF-9C1A-7135D898E477}" type="datetimeFigureOut">
               <a:rPr lang="nl-BE" smtClean="0"/>
-              <a:t>8/01/2024</a:t>
+              <a:t>9/01/2024</a:t>
             </a:fld>
             <a:endParaRPr lang="nl-BE"/>
           </a:p>
@@ -2705,7 +2712,7 @@
           <a:p>
             <a:fld id="{262E79CE-4871-481B-959F-0CE64C7F4163}" type="datetime1">
               <a:rPr lang="en-US" smtClean="0"/>
-              <a:t>1/8/2024</a:t>
+              <a:t>1/9/2024</a:t>
             </a:fld>
             <a:endParaRPr lang="en-US"/>
           </a:p>
@@ -2903,7 +2910,7 @@
           <a:p>
             <a:fld id="{721AD1AB-9871-4EE5-845E-F783367F963A}" type="datetime1">
               <a:rPr lang="en-US" smtClean="0"/>
-              <a:t>1/8/2024</a:t>
+              <a:t>1/9/2024</a:t>
             </a:fld>
             <a:endParaRPr lang="en-US"/>
           </a:p>
@@ -3111,7 +3118,7 @@
           <a:p>
             <a:fld id="{9F17F528-2B6D-40DF-83F9-81F2B1126364}" type="datetime1">
               <a:rPr lang="en-US" smtClean="0"/>
-              <a:t>1/8/2024</a:t>
+              <a:t>1/9/2024</a:t>
             </a:fld>
             <a:endParaRPr lang="en-US"/>
           </a:p>
@@ -3331,7 +3338,7 @@
           <a:p>
             <a:fld id="{A0E91A94-F19F-40CA-AA51-DB498FD38CEA}" type="datetimeFigureOut">
               <a:rPr lang="en-US" smtClean="0"/>
-              <a:t>1/8/2024</a:t>
+              <a:t>1/9/2024</a:t>
             </a:fld>
             <a:endParaRPr lang="en-US"/>
           </a:p>
@@ -3597,7 +3604,7 @@
           <a:p>
             <a:fld id="{A0E91A94-F19F-40CA-AA51-DB498FD38CEA}" type="datetimeFigureOut">
               <a:rPr lang="en-US" smtClean="0"/>
-              <a:t>1/8/2024</a:t>
+              <a:t>1/9/2024</a:t>
             </a:fld>
             <a:endParaRPr lang="en-US"/>
           </a:p>
@@ -3872,7 +3879,7 @@
           <a:p>
             <a:fld id="{A0E91A94-F19F-40CA-AA51-DB498FD38CEA}" type="datetimeFigureOut">
               <a:rPr lang="en-US" smtClean="0"/>
-              <a:t>1/8/2024</a:t>
+              <a:t>1/9/2024</a:t>
             </a:fld>
             <a:endParaRPr lang="en-US"/>
           </a:p>
@@ -4137,7 +4144,7 @@
           <a:p>
             <a:fld id="{A0E91A94-F19F-40CA-AA51-DB498FD38CEA}" type="datetimeFigureOut">
               <a:rPr lang="en-US" smtClean="0"/>
-              <a:t>1/8/2024</a:t>
+              <a:t>1/9/2024</a:t>
             </a:fld>
             <a:endParaRPr lang="en-US"/>
           </a:p>
@@ -4549,7 +4556,7 @@
           <a:p>
             <a:fld id="{A0E91A94-F19F-40CA-AA51-DB498FD38CEA}" type="datetimeFigureOut">
               <a:rPr lang="en-US" smtClean="0"/>
-              <a:t>1/8/2024</a:t>
+              <a:t>1/9/2024</a:t>
             </a:fld>
             <a:endParaRPr lang="en-US"/>
           </a:p>
@@ -4690,7 +4697,7 @@
           <a:p>
             <a:fld id="{A0E91A94-F19F-40CA-AA51-DB498FD38CEA}" type="datetimeFigureOut">
               <a:rPr lang="en-US" smtClean="0"/>
-              <a:t>1/8/2024</a:t>
+              <a:t>1/9/2024</a:t>
             </a:fld>
             <a:endParaRPr lang="en-US"/>
           </a:p>
@@ -4803,7 +4810,7 @@
           <a:p>
             <a:fld id="{A0E91A94-F19F-40CA-AA51-DB498FD38CEA}" type="datetimeFigureOut">
               <a:rPr lang="en-US" smtClean="0"/>
-              <a:t>1/8/2024</a:t>
+              <a:t>1/9/2024</a:t>
             </a:fld>
             <a:endParaRPr lang="en-US"/>
           </a:p>
@@ -5114,7 +5121,7 @@
           <a:p>
             <a:fld id="{A0E91A94-F19F-40CA-AA51-DB498FD38CEA}" type="datetimeFigureOut">
               <a:rPr lang="en-US" smtClean="0"/>
-              <a:t>1/8/2024</a:t>
+              <a:t>1/9/2024</a:t>
             </a:fld>
             <a:endParaRPr lang="en-US"/>
           </a:p>
@@ -5380,7 +5387,7 @@
           <a:p>
             <a:fld id="{D5FFE133-A67C-49D0-8944-709C79D0987B}" type="datetime1">
               <a:rPr lang="en-US" smtClean="0"/>
-              <a:t>1/8/2024</a:t>
+              <a:t>1/9/2024</a:t>
             </a:fld>
             <a:endParaRPr lang="en-US"/>
           </a:p>
@@ -5668,7 +5675,7 @@
           <a:p>
             <a:fld id="{A0E91A94-F19F-40CA-AA51-DB498FD38CEA}" type="datetimeFigureOut">
               <a:rPr lang="en-US" smtClean="0"/>
-              <a:t>1/8/2024</a:t>
+              <a:t>1/9/2024</a:t>
             </a:fld>
             <a:endParaRPr lang="en-US"/>
           </a:p>
@@ -5866,7 +5873,7 @@
           <a:p>
             <a:fld id="{A0E91A94-F19F-40CA-AA51-DB498FD38CEA}" type="datetimeFigureOut">
               <a:rPr lang="en-US" smtClean="0"/>
-              <a:t>1/8/2024</a:t>
+              <a:t>1/9/2024</a:t>
             </a:fld>
             <a:endParaRPr lang="en-US"/>
           </a:p>
@@ -6074,7 +6081,7 @@
           <a:p>
             <a:fld id="{A0E91A94-F19F-40CA-AA51-DB498FD38CEA}" type="datetimeFigureOut">
               <a:rPr lang="en-US" smtClean="0"/>
-              <a:t>1/8/2024</a:t>
+              <a:t>1/9/2024</a:t>
             </a:fld>
             <a:endParaRPr lang="en-US"/>
           </a:p>
@@ -6349,7 +6356,7 @@
           <a:p>
             <a:fld id="{3F65B13C-25B5-4CCF-B064-8BE3F758B447}" type="datetime1">
               <a:rPr lang="en-US" smtClean="0"/>
-              <a:t>1/8/2024</a:t>
+              <a:t>1/9/2024</a:t>
             </a:fld>
             <a:endParaRPr lang="en-US"/>
           </a:p>
@@ -6614,7 +6621,7 @@
           <a:p>
             <a:fld id="{B41CB9F3-6579-4B44-87EA-C70617A33485}" type="datetime1">
               <a:rPr lang="en-US" smtClean="0"/>
-              <a:t>1/8/2024</a:t>
+              <a:t>1/9/2024</a:t>
             </a:fld>
             <a:endParaRPr lang="en-US"/>
           </a:p>
@@ -7026,7 +7033,7 @@
           <a:p>
             <a:fld id="{C5CB3E34-8C6C-45BC-B8FD-9B4B40EE9A12}" type="datetime1">
               <a:rPr lang="en-US" smtClean="0"/>
-              <a:t>1/8/2024</a:t>
+              <a:t>1/9/2024</a:t>
             </a:fld>
             <a:endParaRPr lang="en-US"/>
           </a:p>
@@ -7167,7 +7174,7 @@
           <a:p>
             <a:fld id="{31E05399-7D6B-4514-8D9F-14024E6E2804}" type="datetime1">
               <a:rPr lang="en-US" smtClean="0"/>
-              <a:t>1/8/2024</a:t>
+              <a:t>1/9/2024</a:t>
             </a:fld>
             <a:endParaRPr lang="en-US"/>
           </a:p>
@@ -7280,7 +7287,7 @@
           <a:p>
             <a:fld id="{618685C9-0ACA-49A9-A0AB-A5A0B40BCBC8}" type="datetime1">
               <a:rPr lang="en-US" smtClean="0"/>
-              <a:t>1/8/2024</a:t>
+              <a:t>1/9/2024</a:t>
             </a:fld>
             <a:endParaRPr lang="en-US"/>
           </a:p>
@@ -7591,7 +7598,7 @@
           <a:p>
             <a:fld id="{DB743911-7AAB-4DB3-8C84-BAFEF492EA68}" type="datetime1">
               <a:rPr lang="en-US" smtClean="0"/>
-              <a:t>1/8/2024</a:t>
+              <a:t>1/9/2024</a:t>
             </a:fld>
             <a:endParaRPr lang="en-US"/>
           </a:p>
@@ -7879,7 +7886,7 @@
           <a:p>
             <a:fld id="{01137EA2-BE57-419A-8BAA-C33F6F39AB4C}" type="datetime1">
               <a:rPr lang="en-US" smtClean="0"/>
-              <a:t>1/8/2024</a:t>
+              <a:t>1/9/2024</a:t>
             </a:fld>
             <a:endParaRPr lang="en-US"/>
           </a:p>
@@ -8120,7 +8127,7 @@
           <a:p>
             <a:fld id="{190A1F1F-C7CA-4092-B992-BFDB9E8C0ED6}" type="datetime1">
               <a:rPr lang="en-US" smtClean="0"/>
-              <a:t>1/8/2024</a:t>
+              <a:t>1/9/2024</a:t>
             </a:fld>
             <a:endParaRPr lang="en-US"/>
           </a:p>
@@ -8689,7 +8696,7 @@
           <a:p>
             <a:fld id="{A0E91A94-F19F-40CA-AA51-DB498FD38CEA}" type="datetimeFigureOut">
               <a:rPr lang="en-US" smtClean="0"/>
-              <a:t>1/8/2024</a:t>
+              <a:t>1/9/2024</a:t>
             </a:fld>
             <a:endParaRPr lang="en-US"/>
           </a:p>
@@ -9628,510 +9635,7 @@
 </p:sld>
 </file>
 
-<file path=ppt/slides/slide2.xml><?xml version="1.0" encoding="utf-8"?>
-<p:sld xmlns:a="http://schemas.openxmlformats.org/drawingml/2006/main" xmlns:r="http://schemas.openxmlformats.org/officeDocument/2006/relationships" xmlns:p="http://schemas.openxmlformats.org/presentationml/2006/main">
-  <p:cSld>
-    <p:bg>
-      <p:bgPr>
-        <a:solidFill>
-          <a:schemeClr val="bg1"/>
-        </a:solidFill>
-        <a:effectLst/>
-      </p:bgPr>
-    </p:bg>
-    <p:spTree>
-      <p:nvGrpSpPr>
-        <p:cNvPr id="1" name=""/>
-        <p:cNvGrpSpPr/>
-        <p:nvPr/>
-      </p:nvGrpSpPr>
-      <p:grpSpPr>
-        <a:xfrm>
-          <a:off x="0" y="0"/>
-          <a:ext cx="0" cy="0"/>
-          <a:chOff x="0" y="0"/>
-          <a:chExt cx="0" cy="0"/>
-        </a:xfrm>
-      </p:grpSpPr>
-      <p:sp useBgFill="1">
-        <p:nvSpPr>
-          <p:cNvPr id="23" name="Rectangle 22">
-            <a:extLst>
-              <a:ext uri="{FF2B5EF4-FFF2-40B4-BE49-F238E27FC236}">
-                <a16:creationId xmlns:a16="http://schemas.microsoft.com/office/drawing/2014/main" id="{0671A8AE-40A1-4631-A6B8-581AFF065482}"/>
-              </a:ext>
-              <a:ext uri="{C183D7F6-B498-43B3-948B-1728B52AA6E4}">
-                <adec:decorative xmlns:adec="http://schemas.microsoft.com/office/drawing/2017/decorative" val="1"/>
-              </a:ext>
-            </a:extLst>
-          </p:cNvPr>
-          <p:cNvSpPr>
-            <a:spLocks noGrp="1" noRot="1" noChangeAspect="1" noMove="1" noResize="1" noEditPoints="1" noAdjustHandles="1" noChangeArrowheads="1" noChangeShapeType="1" noTextEdit="1"/>
-          </p:cNvSpPr>
-          <p:nvPr>
-            <p:extLst>
-              <p:ext uri="{386F3935-93C4-4BCD-93E2-E3B085C9AB24}">
-                <p16:designElem xmlns:p16="http://schemas.microsoft.com/office/powerpoint/2015/main" val="1"/>
-              </p:ext>
-            </p:extLst>
-          </p:nvPr>
-        </p:nvSpPr>
-        <p:spPr>
-          <a:xfrm>
-            <a:off x="0" y="0"/>
-            <a:ext cx="12192000" cy="6858000"/>
-          </a:xfrm>
-          <a:prstGeom prst="rect">
-            <a:avLst/>
-          </a:prstGeom>
-          <a:ln>
-            <a:noFill/>
-          </a:ln>
-        </p:spPr>
-        <p:style>
-          <a:lnRef idx="2">
-            <a:schemeClr val="accent1">
-              <a:shade val="50000"/>
-            </a:schemeClr>
-          </a:lnRef>
-          <a:fillRef idx="1">
-            <a:schemeClr val="accent1"/>
-          </a:fillRef>
-          <a:effectRef idx="0">
-            <a:schemeClr val="accent1"/>
-          </a:effectRef>
-          <a:fontRef idx="minor">
-            <a:schemeClr val="lt1"/>
-          </a:fontRef>
-        </p:style>
-        <p:txBody>
-          <a:bodyPr rtlCol="0" anchor="ctr"/>
-          <a:lstStyle/>
-          <a:p>
-            <a:pPr marL="0" marR="0" lvl="0" indent="0" algn="ctr" defTabSz="914400" rtl="0" eaLnBrk="1" fontAlgn="auto" latinLnBrk="0" hangingPunct="1">
-              <a:lnSpc>
-                <a:spcPct val="100000"/>
-              </a:lnSpc>
-              <a:spcBef>
-                <a:spcPts val="0"/>
-              </a:spcBef>
-              <a:spcAft>
-                <a:spcPts val="0"/>
-              </a:spcAft>
-              <a:buClrTx/>
-              <a:buSzTx/>
-              <a:buFontTx/>
-              <a:buNone/>
-              <a:tabLst/>
-              <a:defRPr/>
-            </a:pPr>
-            <a:endParaRPr kumimoji="0" lang="en-US" sz="1800" b="0" i="0" u="none" strike="noStrike" kern="1200" cap="none" spc="0" normalizeH="0" baseline="0" noProof="0">
-              <a:ln>
-                <a:noFill/>
-              </a:ln>
-              <a:solidFill>
-                <a:prstClr val="white"/>
-              </a:solidFill>
-              <a:effectLst/>
-              <a:uLnTx/>
-              <a:uFillTx/>
-              <a:latin typeface="Calibri" panose="020F0502020204030204"/>
-              <a:ea typeface="+mn-ea"/>
-              <a:cs typeface="+mn-cs"/>
-            </a:endParaRPr>
-          </a:p>
-        </p:txBody>
-      </p:sp>
-      <p:pic>
-        <p:nvPicPr>
-          <p:cNvPr id="13" name="Content Placeholder 12">
-            <a:extLst>
-              <a:ext uri="{FF2B5EF4-FFF2-40B4-BE49-F238E27FC236}">
-                <a16:creationId xmlns:a16="http://schemas.microsoft.com/office/drawing/2014/main" id="{E8BF60F7-15FC-45E3-8604-D310A778D8CD}"/>
-              </a:ext>
-            </a:extLst>
-          </p:cNvPr>
-          <p:cNvPicPr>
-            <a:picLocks noGrp="1" noChangeAspect="1"/>
-          </p:cNvPicPr>
-          <p:nvPr>
-            <p:ph idx="1"/>
-          </p:nvPr>
-        </p:nvPicPr>
-        <p:blipFill>
-          <a:blip r:embed="rId2">
-            <a:extLst>
-              <a:ext uri="{28A0092B-C50C-407E-A947-70E740481C1C}">
-                <a14:useLocalDpi xmlns:a14="http://schemas.microsoft.com/office/drawing/2010/main" val="0"/>
-              </a:ext>
-            </a:extLst>
-          </a:blip>
-          <a:srcRect t="19484" b="19484"/>
-          <a:stretch/>
-        </p:blipFill>
-        <p:spPr>
-          <a:xfrm>
-            <a:off x="3523488" y="10"/>
-            <a:ext cx="8668512" cy="6857990"/>
-          </a:xfrm>
-          <a:prstGeom prst="rect">
-            <a:avLst/>
-          </a:prstGeom>
-        </p:spPr>
-      </p:pic>
-      <p:sp>
-        <p:nvSpPr>
-          <p:cNvPr id="25" name="Rectangle 24">
-            <a:extLst>
-              <a:ext uri="{FF2B5EF4-FFF2-40B4-BE49-F238E27FC236}">
-                <a16:creationId xmlns:a16="http://schemas.microsoft.com/office/drawing/2014/main" id="{AB58EF07-17C2-48CF-ABB0-EEF1F17CB8F0}"/>
-              </a:ext>
-              <a:ext uri="{C183D7F6-B498-43B3-948B-1728B52AA6E4}">
-                <adec:decorative xmlns:adec="http://schemas.microsoft.com/office/drawing/2017/decorative" val="1"/>
-              </a:ext>
-            </a:extLst>
-          </p:cNvPr>
-          <p:cNvSpPr>
-            <a:spLocks noGrp="1" noRot="1" noChangeAspect="1" noMove="1" noResize="1" noEditPoints="1" noAdjustHandles="1" noChangeArrowheads="1" noChangeShapeType="1" noTextEdit="1"/>
-          </p:cNvSpPr>
-          <p:nvPr>
-            <p:extLst>
-              <p:ext uri="{386F3935-93C4-4BCD-93E2-E3B085C9AB24}">
-                <p16:designElem xmlns:p16="http://schemas.microsoft.com/office/powerpoint/2015/main" val="1"/>
-              </p:ext>
-            </p:extLst>
-          </p:nvPr>
-        </p:nvSpPr>
-        <p:spPr>
-          <a:xfrm>
-            <a:off x="3" y="0"/>
-            <a:ext cx="9339206" cy="6858000"/>
-          </a:xfrm>
-          <a:prstGeom prst="rect">
-            <a:avLst/>
-          </a:prstGeom>
-          <a:gradFill>
-            <a:gsLst>
-              <a:gs pos="58000">
-                <a:schemeClr val="bg1"/>
-              </a:gs>
-              <a:gs pos="33000">
-                <a:schemeClr val="bg1">
-                  <a:alpha val="64000"/>
-                </a:schemeClr>
-              </a:gs>
-              <a:gs pos="0">
-                <a:schemeClr val="bg1">
-                  <a:alpha val="0"/>
-                </a:schemeClr>
-              </a:gs>
-              <a:gs pos="100000">
-                <a:schemeClr val="bg1"/>
-              </a:gs>
-            </a:gsLst>
-            <a:lin ang="10800000" scaled="0"/>
-          </a:gradFill>
-          <a:ln>
-            <a:noFill/>
-          </a:ln>
-        </p:spPr>
-        <p:style>
-          <a:lnRef idx="2">
-            <a:schemeClr val="accent1">
-              <a:shade val="50000"/>
-            </a:schemeClr>
-          </a:lnRef>
-          <a:fillRef idx="1">
-            <a:schemeClr val="accent1"/>
-          </a:fillRef>
-          <a:effectRef idx="0">
-            <a:schemeClr val="accent1"/>
-          </a:effectRef>
-          <a:fontRef idx="minor">
-            <a:schemeClr val="lt1"/>
-          </a:fontRef>
-        </p:style>
-        <p:txBody>
-          <a:bodyPr rtlCol="0" anchor="ctr"/>
-          <a:lstStyle/>
-          <a:p>
-            <a:pPr marL="0" marR="0" lvl="0" indent="0" algn="ctr" defTabSz="914400" rtl="0" eaLnBrk="1" fontAlgn="auto" latinLnBrk="0" hangingPunct="1">
-              <a:lnSpc>
-                <a:spcPct val="100000"/>
-              </a:lnSpc>
-              <a:spcBef>
-                <a:spcPts val="0"/>
-              </a:spcBef>
-              <a:spcAft>
-                <a:spcPts val="0"/>
-              </a:spcAft>
-              <a:buClrTx/>
-              <a:buSzTx/>
-              <a:buFontTx/>
-              <a:buNone/>
-              <a:tabLst/>
-              <a:defRPr/>
-            </a:pPr>
-            <a:endParaRPr kumimoji="0" lang="en-US" sz="1800" b="0" i="0" u="none" strike="noStrike" kern="1200" cap="none" spc="0" normalizeH="0" baseline="0" noProof="0" dirty="0">
-              <a:ln>
-                <a:noFill/>
-              </a:ln>
-              <a:solidFill>
-                <a:prstClr val="white"/>
-              </a:solidFill>
-              <a:effectLst/>
-              <a:uLnTx/>
-              <a:uFillTx/>
-              <a:latin typeface="Calibri" panose="020F0502020204030204"/>
-              <a:ea typeface="+mn-ea"/>
-              <a:cs typeface="+mn-cs"/>
-            </a:endParaRPr>
-          </a:p>
-        </p:txBody>
-      </p:sp>
-      <p:sp>
-        <p:nvSpPr>
-          <p:cNvPr id="2" name="Titel 1">
-            <a:extLst>
-              <a:ext uri="{FF2B5EF4-FFF2-40B4-BE49-F238E27FC236}">
-                <a16:creationId xmlns:a16="http://schemas.microsoft.com/office/drawing/2014/main" id="{C5670A04-1F4B-4E8C-82B2-B446AF1D161A}"/>
-              </a:ext>
-            </a:extLst>
-          </p:cNvPr>
-          <p:cNvSpPr>
-            <a:spLocks noGrp="1"/>
-          </p:cNvSpPr>
-          <p:nvPr>
-            <p:ph type="title"/>
-          </p:nvPr>
-        </p:nvSpPr>
-        <p:spPr>
-          <a:xfrm>
-            <a:off x="477980" y="1122363"/>
-            <a:ext cx="5618019" cy="3204134"/>
-          </a:xfrm>
-        </p:spPr>
-        <p:txBody>
-          <a:bodyPr vert="horz" lIns="91440" tIns="45720" rIns="91440" bIns="45720" rtlCol="0" anchor="b">
-            <a:normAutofit/>
-          </a:bodyPr>
-          <a:lstStyle/>
-          <a:p>
-            <a:pPr algn="ctr"/>
-            <a:r>
-              <a:rPr lang="en-US" sz="4800" b="1" dirty="0" err="1"/>
-              <a:t>Projectmanagement</a:t>
-            </a:r>
-            <a:br>
-              <a:rPr lang="en-US" sz="4800" b="1" dirty="0"/>
-            </a:br>
-            <a:r>
-              <a:rPr lang="en-US" sz="4800" b="1" dirty="0" err="1"/>
-              <a:t>Inleiding</a:t>
-            </a:r>
-            <a:endParaRPr lang="en-US" sz="4800" b="1" dirty="0"/>
-          </a:p>
-        </p:txBody>
-      </p:sp>
-      <p:sp>
-        <p:nvSpPr>
-          <p:cNvPr id="27" name="Rectangle 26">
-            <a:extLst>
-              <a:ext uri="{FF2B5EF4-FFF2-40B4-BE49-F238E27FC236}">
-                <a16:creationId xmlns:a16="http://schemas.microsoft.com/office/drawing/2014/main" id="{AF2F604E-43BE-4DC3-B983-E071523364F8}"/>
-              </a:ext>
-              <a:ext uri="{C183D7F6-B498-43B3-948B-1728B52AA6E4}">
-                <adec:decorative xmlns:adec="http://schemas.microsoft.com/office/drawing/2017/decorative" val="1"/>
-              </a:ext>
-            </a:extLst>
-          </p:cNvPr>
-          <p:cNvSpPr>
-            <a:spLocks noGrp="1" noRot="1" noChangeAspect="1" noMove="1" noResize="1" noEditPoints="1" noAdjustHandles="1" noChangeArrowheads="1" noChangeShapeType="1" noTextEdit="1"/>
-          </p:cNvSpPr>
-          <p:nvPr>
-            <p:extLst>
-              <p:ext uri="{386F3935-93C4-4BCD-93E2-E3B085C9AB24}">
-                <p16:designElem xmlns:p16="http://schemas.microsoft.com/office/powerpoint/2015/main" val="1"/>
-              </p:ext>
-            </p:extLst>
-          </p:nvPr>
-        </p:nvSpPr>
-        <p:spPr>
-          <a:xfrm rot="5400000">
-            <a:off x="759921" y="346791"/>
-            <a:ext cx="146304" cy="704088"/>
-          </a:xfrm>
-          <a:prstGeom prst="rect">
-            <a:avLst/>
-          </a:prstGeom>
-          <a:solidFill>
-            <a:schemeClr val="accent2"/>
-          </a:solidFill>
-          <a:ln>
-            <a:noFill/>
-          </a:ln>
-        </p:spPr>
-        <p:style>
-          <a:lnRef idx="2">
-            <a:schemeClr val="accent1">
-              <a:shade val="50000"/>
-            </a:schemeClr>
-          </a:lnRef>
-          <a:fillRef idx="1">
-            <a:schemeClr val="accent1"/>
-          </a:fillRef>
-          <a:effectRef idx="0">
-            <a:schemeClr val="accent1"/>
-          </a:effectRef>
-          <a:fontRef idx="minor">
-            <a:schemeClr val="lt1"/>
-          </a:fontRef>
-        </p:style>
-        <p:txBody>
-          <a:bodyPr rtlCol="0" anchor="ctr"/>
-          <a:lstStyle/>
-          <a:p>
-            <a:pPr marL="0" marR="0" lvl="0" indent="0" algn="ctr" defTabSz="914400" rtl="0" eaLnBrk="1" fontAlgn="auto" latinLnBrk="0" hangingPunct="1">
-              <a:lnSpc>
-                <a:spcPct val="100000"/>
-              </a:lnSpc>
-              <a:spcBef>
-                <a:spcPts val="0"/>
-              </a:spcBef>
-              <a:spcAft>
-                <a:spcPts val="0"/>
-              </a:spcAft>
-              <a:buClrTx/>
-              <a:buSzTx/>
-              <a:buFontTx/>
-              <a:buNone/>
-              <a:tabLst/>
-              <a:defRPr/>
-            </a:pPr>
-            <a:endParaRPr kumimoji="0" lang="en-US" sz="1800" b="0" i="0" u="none" strike="noStrike" kern="1200" cap="none" spc="0" normalizeH="0" baseline="0" noProof="0">
-              <a:ln>
-                <a:noFill/>
-              </a:ln>
-              <a:solidFill>
-                <a:prstClr val="white"/>
-              </a:solidFill>
-              <a:effectLst/>
-              <a:uLnTx/>
-              <a:uFillTx/>
-              <a:latin typeface="Calibri" panose="020F0502020204030204"/>
-              <a:ea typeface="+mn-ea"/>
-              <a:cs typeface="+mn-cs"/>
-            </a:endParaRPr>
-          </a:p>
-        </p:txBody>
-      </p:sp>
-      <p:sp>
-        <p:nvSpPr>
-          <p:cNvPr id="29" name="Rectangle 28">
-            <a:extLst>
-              <a:ext uri="{FF2B5EF4-FFF2-40B4-BE49-F238E27FC236}">
-                <a16:creationId xmlns:a16="http://schemas.microsoft.com/office/drawing/2014/main" id="{08C9B587-E65E-4B52-B37C-ABEBB6E87928}"/>
-              </a:ext>
-              <a:ext uri="{C183D7F6-B498-43B3-948B-1728B52AA6E4}">
-                <adec:decorative xmlns:adec="http://schemas.microsoft.com/office/drawing/2017/decorative" val="1"/>
-              </a:ext>
-            </a:extLst>
-          </p:cNvPr>
-          <p:cNvSpPr>
-            <a:spLocks noGrp="1" noRot="1" noChangeAspect="1" noMove="1" noResize="1" noEditPoints="1" noAdjustHandles="1" noChangeArrowheads="1" noChangeShapeType="1" noTextEdit="1"/>
-          </p:cNvSpPr>
-          <p:nvPr>
-            <p:extLst>
-              <p:ext uri="{386F3935-93C4-4BCD-93E2-E3B085C9AB24}">
-                <p16:designElem xmlns:p16="http://schemas.microsoft.com/office/powerpoint/2015/main" val="1"/>
-              </p:ext>
-            </p:extLst>
-          </p:nvPr>
-        </p:nvSpPr>
-        <p:spPr>
-          <a:xfrm>
-            <a:off x="481029" y="4546920"/>
-            <a:ext cx="3977640" cy="18288"/>
-          </a:xfrm>
-          <a:prstGeom prst="rect">
-            <a:avLst/>
-          </a:prstGeom>
-          <a:solidFill>
-            <a:schemeClr val="tx1"/>
-          </a:solidFill>
-          <a:ln w="3175">
-            <a:noFill/>
-          </a:ln>
-          <a:effectLst/>
-        </p:spPr>
-        <p:style>
-          <a:lnRef idx="2">
-            <a:schemeClr val="accent1">
-              <a:shade val="50000"/>
-            </a:schemeClr>
-          </a:lnRef>
-          <a:fillRef idx="1">
-            <a:schemeClr val="accent1"/>
-          </a:fillRef>
-          <a:effectRef idx="0">
-            <a:schemeClr val="accent1"/>
-          </a:effectRef>
-          <a:fontRef idx="minor">
-            <a:schemeClr val="lt1"/>
-          </a:fontRef>
-        </p:style>
-        <p:txBody>
-          <a:bodyPr rtlCol="0" anchor="ctr"/>
-          <a:lstStyle/>
-          <a:p>
-            <a:pPr marL="0" marR="0" lvl="0" indent="0" algn="ctr" defTabSz="914400" rtl="0" eaLnBrk="1" fontAlgn="auto" latinLnBrk="0" hangingPunct="1">
-              <a:lnSpc>
-                <a:spcPct val="100000"/>
-              </a:lnSpc>
-              <a:spcBef>
-                <a:spcPts val="0"/>
-              </a:spcBef>
-              <a:spcAft>
-                <a:spcPts val="0"/>
-              </a:spcAft>
-              <a:buClrTx/>
-              <a:buSzTx/>
-              <a:buFontTx/>
-              <a:buNone/>
-              <a:tabLst/>
-              <a:defRPr/>
-            </a:pPr>
-            <a:endParaRPr kumimoji="0" lang="en-US" sz="1800" b="0" i="0" u="none" strike="noStrike" kern="1200" cap="none" spc="0" normalizeH="0" baseline="0" noProof="0">
-              <a:ln>
-                <a:noFill/>
-              </a:ln>
-              <a:solidFill>
-                <a:prstClr val="white"/>
-              </a:solidFill>
-              <a:effectLst/>
-              <a:uLnTx/>
-              <a:uFillTx/>
-              <a:latin typeface="Calibri" panose="020F0502020204030204"/>
-              <a:ea typeface="+mn-ea"/>
-              <a:cs typeface="+mn-cs"/>
-            </a:endParaRPr>
-          </a:p>
-        </p:txBody>
-      </p:sp>
-    </p:spTree>
-    <p:extLst>
-      <p:ext uri="{BB962C8B-B14F-4D97-AF65-F5344CB8AC3E}">
-        <p14:creationId xmlns:p14="http://schemas.microsoft.com/office/powerpoint/2010/main" val="736739064"/>
-      </p:ext>
-    </p:extLst>
-  </p:cSld>
-  <p:clrMapOvr>
-    <a:overrideClrMapping bg1="dk1" tx1="lt1" bg2="dk2" tx2="lt2" accent1="accent1" accent2="accent2" accent3="accent3" accent4="accent4" accent5="accent5" accent6="accent6" hlink="hlink" folHlink="folHlink"/>
-  </p:clrMapOvr>
-</p:sld>
-</file>
-
-<file path=ppt/slides/slide3.xml><?xml version="1.0" encoding="utf-8"?>
+<file path=ppt/slides/slide10.xml><?xml version="1.0" encoding="utf-8"?>
 <p:sld xmlns:a="http://schemas.openxmlformats.org/drawingml/2006/main" xmlns:r="http://schemas.openxmlformats.org/officeDocument/2006/relationships" xmlns:p="http://schemas.openxmlformats.org/presentationml/2006/main">
   <p:cSld>
     <p:spTree>
@@ -10166,14 +9670,18 @@
         </p:nvSpPr>
         <p:spPr>
           <a:xfrm>
-            <a:off x="414068" y="0"/>
-            <a:ext cx="10515600" cy="794204"/>
+            <a:off x="424722" y="62753"/>
+            <a:ext cx="11353210" cy="794204"/>
           </a:xfrm>
         </p:spPr>
         <p:txBody>
           <a:bodyPr/>
           <a:lstStyle/>
           <a:p>
+            <a:r>
+              <a:rPr lang="nl-BE" dirty="0" err="1"/>
+              <a:t>Agillity</a:t>
+            </a:r>
             <a:endParaRPr lang="nl-BE" dirty="0"/>
           </a:p>
         </p:txBody>
@@ -10206,14 +9714,14 @@
           </a:bodyPr>
           <a:lstStyle/>
           <a:p>
-            <a:endParaRPr lang="nl-BE" b="1" dirty="0"/>
+            <a:endParaRPr lang="nl-BE" dirty="0"/>
           </a:p>
         </p:txBody>
       </p:sp>
     </p:spTree>
     <p:extLst>
       <p:ext uri="{BB962C8B-B14F-4D97-AF65-F5344CB8AC3E}">
-        <p14:creationId xmlns:p14="http://schemas.microsoft.com/office/powerpoint/2010/main" val="811584030"/>
+        <p14:creationId xmlns:p14="http://schemas.microsoft.com/office/powerpoint/2010/main" val="4063495259"/>
       </p:ext>
     </p:extLst>
   </p:cSld>
@@ -10322,7 +9830,7 @@
 </p:sld>
 </file>
 
-<file path=ppt/slides/slide4.xml><?xml version="1.0" encoding="utf-8"?>
+<file path=ppt/slides/slide11.xml><?xml version="1.0" encoding="utf-8"?>
 <p:sld xmlns:a="http://schemas.openxmlformats.org/drawingml/2006/main" xmlns:r="http://schemas.openxmlformats.org/officeDocument/2006/relationships" xmlns:p="http://schemas.openxmlformats.org/presentationml/2006/main">
   <p:cSld>
     <p:bg>
@@ -10804,7 +10312,7 @@
     </p:spTree>
     <p:extLst>
       <p:ext uri="{BB962C8B-B14F-4D97-AF65-F5344CB8AC3E}">
-        <p14:creationId xmlns:p14="http://schemas.microsoft.com/office/powerpoint/2010/main" val="497257164"/>
+        <p14:creationId xmlns:p14="http://schemas.microsoft.com/office/powerpoint/2010/main" val="2998951175"/>
       </p:ext>
     </p:extLst>
   </p:cSld>
@@ -10814,7 +10322,7 @@
 </p:sld>
 </file>
 
-<file path=ppt/slides/slide5.xml><?xml version="1.0" encoding="utf-8"?>
+<file path=ppt/slides/slide12.xml><?xml version="1.0" encoding="utf-8"?>
 <p:sld xmlns:a="http://schemas.openxmlformats.org/drawingml/2006/main" xmlns:r="http://schemas.openxmlformats.org/officeDocument/2006/relationships" xmlns:p="http://schemas.openxmlformats.org/presentationml/2006/main">
   <p:cSld>
     <p:spTree>
@@ -11005,7 +10513,7 @@
 </p:sld>
 </file>
 
-<file path=ppt/slides/slide6.xml><?xml version="1.0" encoding="utf-8"?>
+<file path=ppt/slides/slide13.xml><?xml version="1.0" encoding="utf-8"?>
 <p:sld xmlns:a="http://schemas.openxmlformats.org/drawingml/2006/main" xmlns:r="http://schemas.openxmlformats.org/officeDocument/2006/relationships" xmlns:p="http://schemas.openxmlformats.org/presentationml/2006/main">
   <p:cSld>
     <p:bg>
@@ -11432,7 +10940,7 @@
 </p:sld>
 </file>
 
-<file path=ppt/slides/slide7.xml><?xml version="1.0" encoding="utf-8"?>
+<file path=ppt/slides/slide14.xml><?xml version="1.0" encoding="utf-8"?>
 <p:sld xmlns:a="http://schemas.openxmlformats.org/drawingml/2006/main" xmlns:r="http://schemas.openxmlformats.org/officeDocument/2006/relationships" xmlns:p="http://schemas.openxmlformats.org/presentationml/2006/main">
   <p:cSld>
     <p:spTree>
@@ -11524,7 +11032,7 @@
 </p:sld>
 </file>
 
-<file path=ppt/slides/slide8.xml><?xml version="1.0" encoding="utf-8"?>
+<file path=ppt/slides/slide15.xml><?xml version="1.0" encoding="utf-8"?>
 <p:sld xmlns:a="http://schemas.openxmlformats.org/drawingml/2006/main" xmlns:r="http://schemas.openxmlformats.org/officeDocument/2006/relationships" xmlns:p="http://schemas.openxmlformats.org/presentationml/2006/main">
   <p:cSld>
     <p:spTree>
@@ -11616,7 +11124,7 @@
 </p:sld>
 </file>
 
-<file path=ppt/slides/slide9.xml><?xml version="1.0" encoding="utf-8"?>
+<file path=ppt/slides/slide16.xml><?xml version="1.0" encoding="utf-8"?>
 <p:sld xmlns:a="http://schemas.openxmlformats.org/drawingml/2006/main" xmlns:r="http://schemas.openxmlformats.org/officeDocument/2006/relationships" xmlns:p="http://schemas.openxmlformats.org/presentationml/2006/main">
   <p:cSld>
     <p:bg>
@@ -12041,6 +11549,4909 @@
       <p:bldP spid="3" grpId="0" build="p"/>
     </p:bldLst>
   </p:timing>
+</p:sld>
+</file>
+
+<file path=ppt/slides/slide2.xml><?xml version="1.0" encoding="utf-8"?>
+<p:sld xmlns:a="http://schemas.openxmlformats.org/drawingml/2006/main" xmlns:r="http://schemas.openxmlformats.org/officeDocument/2006/relationships" xmlns:p="http://schemas.openxmlformats.org/presentationml/2006/main">
+  <p:cSld>
+    <p:bg>
+      <p:bgPr>
+        <a:solidFill>
+          <a:schemeClr val="bg1"/>
+        </a:solidFill>
+        <a:effectLst/>
+      </p:bgPr>
+    </p:bg>
+    <p:spTree>
+      <p:nvGrpSpPr>
+        <p:cNvPr id="1" name=""/>
+        <p:cNvGrpSpPr/>
+        <p:nvPr/>
+      </p:nvGrpSpPr>
+      <p:grpSpPr>
+        <a:xfrm>
+          <a:off x="0" y="0"/>
+          <a:ext cx="0" cy="0"/>
+          <a:chOff x="0" y="0"/>
+          <a:chExt cx="0" cy="0"/>
+        </a:xfrm>
+      </p:grpSpPr>
+      <p:sp useBgFill="1">
+        <p:nvSpPr>
+          <p:cNvPr id="23" name="Rectangle 22">
+            <a:extLst>
+              <a:ext uri="{FF2B5EF4-FFF2-40B4-BE49-F238E27FC236}">
+                <a16:creationId xmlns:a16="http://schemas.microsoft.com/office/drawing/2014/main" id="{0671A8AE-40A1-4631-A6B8-581AFF065482}"/>
+              </a:ext>
+              <a:ext uri="{C183D7F6-B498-43B3-948B-1728B52AA6E4}">
+                <adec:decorative xmlns:adec="http://schemas.microsoft.com/office/drawing/2017/decorative" val="1"/>
+              </a:ext>
+            </a:extLst>
+          </p:cNvPr>
+          <p:cNvSpPr>
+            <a:spLocks noGrp="1" noRot="1" noChangeAspect="1" noMove="1" noResize="1" noEditPoints="1" noAdjustHandles="1" noChangeArrowheads="1" noChangeShapeType="1" noTextEdit="1"/>
+          </p:cNvSpPr>
+          <p:nvPr>
+            <p:extLst>
+              <p:ext uri="{386F3935-93C4-4BCD-93E2-E3B085C9AB24}">
+                <p16:designElem xmlns:p16="http://schemas.microsoft.com/office/powerpoint/2015/main" val="1"/>
+              </p:ext>
+            </p:extLst>
+          </p:nvPr>
+        </p:nvSpPr>
+        <p:spPr>
+          <a:xfrm>
+            <a:off x="0" y="0"/>
+            <a:ext cx="12192000" cy="6858000"/>
+          </a:xfrm>
+          <a:prstGeom prst="rect">
+            <a:avLst/>
+          </a:prstGeom>
+          <a:ln>
+            <a:noFill/>
+          </a:ln>
+        </p:spPr>
+        <p:style>
+          <a:lnRef idx="2">
+            <a:schemeClr val="accent1">
+              <a:shade val="50000"/>
+            </a:schemeClr>
+          </a:lnRef>
+          <a:fillRef idx="1">
+            <a:schemeClr val="accent1"/>
+          </a:fillRef>
+          <a:effectRef idx="0">
+            <a:schemeClr val="accent1"/>
+          </a:effectRef>
+          <a:fontRef idx="minor">
+            <a:schemeClr val="lt1"/>
+          </a:fontRef>
+        </p:style>
+        <p:txBody>
+          <a:bodyPr rtlCol="0" anchor="ctr"/>
+          <a:lstStyle/>
+          <a:p>
+            <a:pPr marL="0" marR="0" lvl="0" indent="0" algn="ctr" defTabSz="914400" rtl="0" eaLnBrk="1" fontAlgn="auto" latinLnBrk="0" hangingPunct="1">
+              <a:lnSpc>
+                <a:spcPct val="100000"/>
+              </a:lnSpc>
+              <a:spcBef>
+                <a:spcPts val="0"/>
+              </a:spcBef>
+              <a:spcAft>
+                <a:spcPts val="0"/>
+              </a:spcAft>
+              <a:buClrTx/>
+              <a:buSzTx/>
+              <a:buFontTx/>
+              <a:buNone/>
+              <a:tabLst/>
+              <a:defRPr/>
+            </a:pPr>
+            <a:endParaRPr kumimoji="0" lang="en-US" sz="1800" b="0" i="0" u="none" strike="noStrike" kern="1200" cap="none" spc="0" normalizeH="0" baseline="0" noProof="0">
+              <a:ln>
+                <a:noFill/>
+              </a:ln>
+              <a:solidFill>
+                <a:prstClr val="white"/>
+              </a:solidFill>
+              <a:effectLst/>
+              <a:uLnTx/>
+              <a:uFillTx/>
+              <a:latin typeface="Calibri" panose="020F0502020204030204"/>
+              <a:ea typeface="+mn-ea"/>
+              <a:cs typeface="+mn-cs"/>
+            </a:endParaRPr>
+          </a:p>
+        </p:txBody>
+      </p:sp>
+      <p:pic>
+        <p:nvPicPr>
+          <p:cNvPr id="13" name="Content Placeholder 12">
+            <a:extLst>
+              <a:ext uri="{FF2B5EF4-FFF2-40B4-BE49-F238E27FC236}">
+                <a16:creationId xmlns:a16="http://schemas.microsoft.com/office/drawing/2014/main" id="{E8BF60F7-15FC-45E3-8604-D310A778D8CD}"/>
+              </a:ext>
+            </a:extLst>
+          </p:cNvPr>
+          <p:cNvPicPr>
+            <a:picLocks noGrp="1" noChangeAspect="1"/>
+          </p:cNvPicPr>
+          <p:nvPr>
+            <p:ph idx="1"/>
+          </p:nvPr>
+        </p:nvPicPr>
+        <p:blipFill>
+          <a:blip r:embed="rId2">
+            <a:extLst>
+              <a:ext uri="{28A0092B-C50C-407E-A947-70E740481C1C}">
+                <a14:useLocalDpi xmlns:a14="http://schemas.microsoft.com/office/drawing/2010/main" val="0"/>
+              </a:ext>
+            </a:extLst>
+          </a:blip>
+          <a:srcRect l="14450" r="14450"/>
+          <a:stretch/>
+        </p:blipFill>
+        <p:spPr>
+          <a:xfrm>
+            <a:off x="3523488" y="10"/>
+            <a:ext cx="8668512" cy="6857990"/>
+          </a:xfrm>
+          <a:prstGeom prst="rect">
+            <a:avLst/>
+          </a:prstGeom>
+        </p:spPr>
+      </p:pic>
+      <p:sp>
+        <p:nvSpPr>
+          <p:cNvPr id="25" name="Rectangle 24">
+            <a:extLst>
+              <a:ext uri="{FF2B5EF4-FFF2-40B4-BE49-F238E27FC236}">
+                <a16:creationId xmlns:a16="http://schemas.microsoft.com/office/drawing/2014/main" id="{AB58EF07-17C2-48CF-ABB0-EEF1F17CB8F0}"/>
+              </a:ext>
+              <a:ext uri="{C183D7F6-B498-43B3-948B-1728B52AA6E4}">
+                <adec:decorative xmlns:adec="http://schemas.microsoft.com/office/drawing/2017/decorative" val="1"/>
+              </a:ext>
+            </a:extLst>
+          </p:cNvPr>
+          <p:cNvSpPr>
+            <a:spLocks noGrp="1" noRot="1" noChangeAspect="1" noMove="1" noResize="1" noEditPoints="1" noAdjustHandles="1" noChangeArrowheads="1" noChangeShapeType="1" noTextEdit="1"/>
+          </p:cNvSpPr>
+          <p:nvPr>
+            <p:extLst>
+              <p:ext uri="{386F3935-93C4-4BCD-93E2-E3B085C9AB24}">
+                <p16:designElem xmlns:p16="http://schemas.microsoft.com/office/powerpoint/2015/main" val="1"/>
+              </p:ext>
+            </p:extLst>
+          </p:nvPr>
+        </p:nvSpPr>
+        <p:spPr>
+          <a:xfrm>
+            <a:off x="3" y="0"/>
+            <a:ext cx="9339206" cy="6858000"/>
+          </a:xfrm>
+          <a:prstGeom prst="rect">
+            <a:avLst/>
+          </a:prstGeom>
+          <a:gradFill>
+            <a:gsLst>
+              <a:gs pos="58000">
+                <a:schemeClr val="bg1"/>
+              </a:gs>
+              <a:gs pos="33000">
+                <a:schemeClr val="bg1">
+                  <a:alpha val="64000"/>
+                </a:schemeClr>
+              </a:gs>
+              <a:gs pos="0">
+                <a:schemeClr val="bg1">
+                  <a:alpha val="0"/>
+                </a:schemeClr>
+              </a:gs>
+              <a:gs pos="100000">
+                <a:schemeClr val="bg1"/>
+              </a:gs>
+            </a:gsLst>
+            <a:lin ang="10800000" scaled="0"/>
+          </a:gradFill>
+          <a:ln>
+            <a:noFill/>
+          </a:ln>
+        </p:spPr>
+        <p:style>
+          <a:lnRef idx="2">
+            <a:schemeClr val="accent1">
+              <a:shade val="50000"/>
+            </a:schemeClr>
+          </a:lnRef>
+          <a:fillRef idx="1">
+            <a:schemeClr val="accent1"/>
+          </a:fillRef>
+          <a:effectRef idx="0">
+            <a:schemeClr val="accent1"/>
+          </a:effectRef>
+          <a:fontRef idx="minor">
+            <a:schemeClr val="lt1"/>
+          </a:fontRef>
+        </p:style>
+        <p:txBody>
+          <a:bodyPr rtlCol="0" anchor="ctr"/>
+          <a:lstStyle/>
+          <a:p>
+            <a:pPr marL="0" marR="0" lvl="0" indent="0" algn="ctr" defTabSz="914400" rtl="0" eaLnBrk="1" fontAlgn="auto" latinLnBrk="0" hangingPunct="1">
+              <a:lnSpc>
+                <a:spcPct val="100000"/>
+              </a:lnSpc>
+              <a:spcBef>
+                <a:spcPts val="0"/>
+              </a:spcBef>
+              <a:spcAft>
+                <a:spcPts val="0"/>
+              </a:spcAft>
+              <a:buClrTx/>
+              <a:buSzTx/>
+              <a:buFontTx/>
+              <a:buNone/>
+              <a:tabLst/>
+              <a:defRPr/>
+            </a:pPr>
+            <a:endParaRPr kumimoji="0" lang="en-US" sz="1800" b="0" i="0" u="none" strike="noStrike" kern="1200" cap="none" spc="0" normalizeH="0" baseline="0" noProof="0" dirty="0">
+              <a:ln>
+                <a:noFill/>
+              </a:ln>
+              <a:solidFill>
+                <a:prstClr val="white"/>
+              </a:solidFill>
+              <a:effectLst/>
+              <a:uLnTx/>
+              <a:uFillTx/>
+              <a:latin typeface="Calibri" panose="020F0502020204030204"/>
+              <a:ea typeface="+mn-ea"/>
+              <a:cs typeface="+mn-cs"/>
+            </a:endParaRPr>
+          </a:p>
+        </p:txBody>
+      </p:sp>
+      <p:sp>
+        <p:nvSpPr>
+          <p:cNvPr id="2" name="Titel 1">
+            <a:extLst>
+              <a:ext uri="{FF2B5EF4-FFF2-40B4-BE49-F238E27FC236}">
+                <a16:creationId xmlns:a16="http://schemas.microsoft.com/office/drawing/2014/main" id="{C5670A04-1F4B-4E8C-82B2-B446AF1D161A}"/>
+              </a:ext>
+            </a:extLst>
+          </p:cNvPr>
+          <p:cNvSpPr>
+            <a:spLocks noGrp="1"/>
+          </p:cNvSpPr>
+          <p:nvPr>
+            <p:ph type="title"/>
+          </p:nvPr>
+        </p:nvSpPr>
+        <p:spPr>
+          <a:xfrm>
+            <a:off x="477980" y="1122363"/>
+            <a:ext cx="5618019" cy="3204134"/>
+          </a:xfrm>
+        </p:spPr>
+        <p:txBody>
+          <a:bodyPr vert="horz" lIns="91440" tIns="45720" rIns="91440" bIns="45720" rtlCol="0" anchor="b">
+            <a:normAutofit/>
+          </a:bodyPr>
+          <a:lstStyle/>
+          <a:p>
+            <a:pPr algn="ctr"/>
+            <a:r>
+              <a:rPr lang="en-US" sz="4800" b="1" dirty="0" err="1"/>
+              <a:t>Projectmanagement</a:t>
+            </a:r>
+            <a:br>
+              <a:rPr lang="en-US" sz="4800" b="1" dirty="0"/>
+            </a:br>
+            <a:r>
+              <a:rPr lang="en-US" sz="4800" b="1" dirty="0" err="1"/>
+              <a:t>Inleiding</a:t>
+            </a:r>
+            <a:endParaRPr lang="en-US" sz="4800" b="1" dirty="0"/>
+          </a:p>
+        </p:txBody>
+      </p:sp>
+      <p:sp>
+        <p:nvSpPr>
+          <p:cNvPr id="27" name="Rectangle 26">
+            <a:extLst>
+              <a:ext uri="{FF2B5EF4-FFF2-40B4-BE49-F238E27FC236}">
+                <a16:creationId xmlns:a16="http://schemas.microsoft.com/office/drawing/2014/main" id="{AF2F604E-43BE-4DC3-B983-E071523364F8}"/>
+              </a:ext>
+              <a:ext uri="{C183D7F6-B498-43B3-948B-1728B52AA6E4}">
+                <adec:decorative xmlns:adec="http://schemas.microsoft.com/office/drawing/2017/decorative" val="1"/>
+              </a:ext>
+            </a:extLst>
+          </p:cNvPr>
+          <p:cNvSpPr>
+            <a:spLocks noGrp="1" noRot="1" noChangeAspect="1" noMove="1" noResize="1" noEditPoints="1" noAdjustHandles="1" noChangeArrowheads="1" noChangeShapeType="1" noTextEdit="1"/>
+          </p:cNvSpPr>
+          <p:nvPr>
+            <p:extLst>
+              <p:ext uri="{386F3935-93C4-4BCD-93E2-E3B085C9AB24}">
+                <p16:designElem xmlns:p16="http://schemas.microsoft.com/office/powerpoint/2015/main" val="1"/>
+              </p:ext>
+            </p:extLst>
+          </p:nvPr>
+        </p:nvSpPr>
+        <p:spPr>
+          <a:xfrm rot="5400000">
+            <a:off x="759921" y="346791"/>
+            <a:ext cx="146304" cy="704088"/>
+          </a:xfrm>
+          <a:prstGeom prst="rect">
+            <a:avLst/>
+          </a:prstGeom>
+          <a:solidFill>
+            <a:schemeClr val="accent2"/>
+          </a:solidFill>
+          <a:ln>
+            <a:noFill/>
+          </a:ln>
+        </p:spPr>
+        <p:style>
+          <a:lnRef idx="2">
+            <a:schemeClr val="accent1">
+              <a:shade val="50000"/>
+            </a:schemeClr>
+          </a:lnRef>
+          <a:fillRef idx="1">
+            <a:schemeClr val="accent1"/>
+          </a:fillRef>
+          <a:effectRef idx="0">
+            <a:schemeClr val="accent1"/>
+          </a:effectRef>
+          <a:fontRef idx="minor">
+            <a:schemeClr val="lt1"/>
+          </a:fontRef>
+        </p:style>
+        <p:txBody>
+          <a:bodyPr rtlCol="0" anchor="ctr"/>
+          <a:lstStyle/>
+          <a:p>
+            <a:pPr marL="0" marR="0" lvl="0" indent="0" algn="ctr" defTabSz="914400" rtl="0" eaLnBrk="1" fontAlgn="auto" latinLnBrk="0" hangingPunct="1">
+              <a:lnSpc>
+                <a:spcPct val="100000"/>
+              </a:lnSpc>
+              <a:spcBef>
+                <a:spcPts val="0"/>
+              </a:spcBef>
+              <a:spcAft>
+                <a:spcPts val="0"/>
+              </a:spcAft>
+              <a:buClrTx/>
+              <a:buSzTx/>
+              <a:buFontTx/>
+              <a:buNone/>
+              <a:tabLst/>
+              <a:defRPr/>
+            </a:pPr>
+            <a:endParaRPr kumimoji="0" lang="en-US" sz="1800" b="0" i="0" u="none" strike="noStrike" kern="1200" cap="none" spc="0" normalizeH="0" baseline="0" noProof="0">
+              <a:ln>
+                <a:noFill/>
+              </a:ln>
+              <a:solidFill>
+                <a:prstClr val="white"/>
+              </a:solidFill>
+              <a:effectLst/>
+              <a:uLnTx/>
+              <a:uFillTx/>
+              <a:latin typeface="Calibri" panose="020F0502020204030204"/>
+              <a:ea typeface="+mn-ea"/>
+              <a:cs typeface="+mn-cs"/>
+            </a:endParaRPr>
+          </a:p>
+        </p:txBody>
+      </p:sp>
+      <p:sp>
+        <p:nvSpPr>
+          <p:cNvPr id="29" name="Rectangle 28">
+            <a:extLst>
+              <a:ext uri="{FF2B5EF4-FFF2-40B4-BE49-F238E27FC236}">
+                <a16:creationId xmlns:a16="http://schemas.microsoft.com/office/drawing/2014/main" id="{08C9B587-E65E-4B52-B37C-ABEBB6E87928}"/>
+              </a:ext>
+              <a:ext uri="{C183D7F6-B498-43B3-948B-1728B52AA6E4}">
+                <adec:decorative xmlns:adec="http://schemas.microsoft.com/office/drawing/2017/decorative" val="1"/>
+              </a:ext>
+            </a:extLst>
+          </p:cNvPr>
+          <p:cNvSpPr>
+            <a:spLocks noGrp="1" noRot="1" noChangeAspect="1" noMove="1" noResize="1" noEditPoints="1" noAdjustHandles="1" noChangeArrowheads="1" noChangeShapeType="1" noTextEdit="1"/>
+          </p:cNvSpPr>
+          <p:nvPr>
+            <p:extLst>
+              <p:ext uri="{386F3935-93C4-4BCD-93E2-E3B085C9AB24}">
+                <p16:designElem xmlns:p16="http://schemas.microsoft.com/office/powerpoint/2015/main" val="1"/>
+              </p:ext>
+            </p:extLst>
+          </p:nvPr>
+        </p:nvSpPr>
+        <p:spPr>
+          <a:xfrm>
+            <a:off x="481029" y="4546920"/>
+            <a:ext cx="3977640" cy="18288"/>
+          </a:xfrm>
+          <a:prstGeom prst="rect">
+            <a:avLst/>
+          </a:prstGeom>
+          <a:solidFill>
+            <a:schemeClr val="tx1"/>
+          </a:solidFill>
+          <a:ln w="3175">
+            <a:noFill/>
+          </a:ln>
+          <a:effectLst/>
+        </p:spPr>
+        <p:style>
+          <a:lnRef idx="2">
+            <a:schemeClr val="accent1">
+              <a:shade val="50000"/>
+            </a:schemeClr>
+          </a:lnRef>
+          <a:fillRef idx="1">
+            <a:schemeClr val="accent1"/>
+          </a:fillRef>
+          <a:effectRef idx="0">
+            <a:schemeClr val="accent1"/>
+          </a:effectRef>
+          <a:fontRef idx="minor">
+            <a:schemeClr val="lt1"/>
+          </a:fontRef>
+        </p:style>
+        <p:txBody>
+          <a:bodyPr rtlCol="0" anchor="ctr"/>
+          <a:lstStyle/>
+          <a:p>
+            <a:pPr marL="0" marR="0" lvl="0" indent="0" algn="ctr" defTabSz="914400" rtl="0" eaLnBrk="1" fontAlgn="auto" latinLnBrk="0" hangingPunct="1">
+              <a:lnSpc>
+                <a:spcPct val="100000"/>
+              </a:lnSpc>
+              <a:spcBef>
+                <a:spcPts val="0"/>
+              </a:spcBef>
+              <a:spcAft>
+                <a:spcPts val="0"/>
+              </a:spcAft>
+              <a:buClrTx/>
+              <a:buSzTx/>
+              <a:buFontTx/>
+              <a:buNone/>
+              <a:tabLst/>
+              <a:defRPr/>
+            </a:pPr>
+            <a:endParaRPr kumimoji="0" lang="en-US" sz="1800" b="0" i="0" u="none" strike="noStrike" kern="1200" cap="none" spc="0" normalizeH="0" baseline="0" noProof="0">
+              <a:ln>
+                <a:noFill/>
+              </a:ln>
+              <a:solidFill>
+                <a:prstClr val="white"/>
+              </a:solidFill>
+              <a:effectLst/>
+              <a:uLnTx/>
+              <a:uFillTx/>
+              <a:latin typeface="Calibri" panose="020F0502020204030204"/>
+              <a:ea typeface="+mn-ea"/>
+              <a:cs typeface="+mn-cs"/>
+            </a:endParaRPr>
+          </a:p>
+        </p:txBody>
+      </p:sp>
+    </p:spTree>
+    <p:extLst>
+      <p:ext uri="{BB962C8B-B14F-4D97-AF65-F5344CB8AC3E}">
+        <p14:creationId xmlns:p14="http://schemas.microsoft.com/office/powerpoint/2010/main" val="736739064"/>
+      </p:ext>
+    </p:extLst>
+  </p:cSld>
+  <p:clrMapOvr>
+    <a:overrideClrMapping bg1="dk1" tx1="lt1" bg2="dk2" tx2="lt2" accent1="accent1" accent2="accent2" accent3="accent3" accent4="accent4" accent5="accent5" accent6="accent6" hlink="hlink" folHlink="folHlink"/>
+  </p:clrMapOvr>
+</p:sld>
+</file>
+
+<file path=ppt/slides/slide3.xml><?xml version="1.0" encoding="utf-8"?>
+<p:sld xmlns:a="http://schemas.openxmlformats.org/drawingml/2006/main" xmlns:r="http://schemas.openxmlformats.org/officeDocument/2006/relationships" xmlns:p="http://schemas.openxmlformats.org/presentationml/2006/main">
+  <p:cSld>
+    <p:spTree>
+      <p:nvGrpSpPr>
+        <p:cNvPr id="1" name=""/>
+        <p:cNvGrpSpPr/>
+        <p:nvPr/>
+      </p:nvGrpSpPr>
+      <p:grpSpPr>
+        <a:xfrm>
+          <a:off x="0" y="0"/>
+          <a:ext cx="0" cy="0"/>
+          <a:chOff x="0" y="0"/>
+          <a:chExt cx="0" cy="0"/>
+        </a:xfrm>
+      </p:grpSpPr>
+      <p:sp>
+        <p:nvSpPr>
+          <p:cNvPr id="2" name="Title 1">
+            <a:extLst>
+              <a:ext uri="{FF2B5EF4-FFF2-40B4-BE49-F238E27FC236}">
+                <a16:creationId xmlns:a16="http://schemas.microsoft.com/office/drawing/2014/main" id="{9FB1A9E8-96EB-4A4B-AEE9-AC419D1B1D4A}"/>
+              </a:ext>
+            </a:extLst>
+          </p:cNvPr>
+          <p:cNvSpPr>
+            <a:spLocks noGrp="1"/>
+          </p:cNvSpPr>
+          <p:nvPr>
+            <p:ph type="title"/>
+          </p:nvPr>
+        </p:nvSpPr>
+        <p:spPr>
+          <a:xfrm>
+            <a:off x="414066" y="44825"/>
+            <a:ext cx="11363865" cy="794204"/>
+          </a:xfrm>
+        </p:spPr>
+        <p:txBody>
+          <a:bodyPr/>
+          <a:lstStyle/>
+          <a:p>
+            <a:r>
+              <a:rPr lang="nl-BE" dirty="0"/>
+              <a:t>Traditionele project management methoden</a:t>
+            </a:r>
+          </a:p>
+        </p:txBody>
+      </p:sp>
+      <p:sp>
+        <p:nvSpPr>
+          <p:cNvPr id="3" name="Content Placeholder 2">
+            <a:extLst>
+              <a:ext uri="{FF2B5EF4-FFF2-40B4-BE49-F238E27FC236}">
+                <a16:creationId xmlns:a16="http://schemas.microsoft.com/office/drawing/2014/main" id="{E1ED7048-5B8A-43CB-8FDC-E9416135841C}"/>
+              </a:ext>
+            </a:extLst>
+          </p:cNvPr>
+          <p:cNvSpPr>
+            <a:spLocks noGrp="1"/>
+          </p:cNvSpPr>
+          <p:nvPr>
+            <p:ph idx="1"/>
+          </p:nvPr>
+        </p:nvSpPr>
+        <p:spPr>
+          <a:xfrm>
+            <a:off x="414067" y="839030"/>
+            <a:ext cx="11363865" cy="5786058"/>
+          </a:xfrm>
+        </p:spPr>
+        <p:txBody>
+          <a:bodyPr>
+            <a:normAutofit/>
+          </a:bodyPr>
+          <a:lstStyle/>
+          <a:p>
+            <a:r>
+              <a:rPr lang="nl-BE" dirty="0"/>
+              <a:t>Wanneer men begon met software ontwikkeling gebruikte men dezelfde methoden als in een industrieel proces om  de ontwikkeling tot een goed einde te brengen.</a:t>
+            </a:r>
+          </a:p>
+          <a:p>
+            <a:r>
+              <a:rPr lang="nl-BE" dirty="0"/>
+              <a:t>Een van de meest gekende methoden is de Waterfall methode:</a:t>
+            </a:r>
+          </a:p>
+          <a:p>
+            <a:pPr lvl="1"/>
+            <a:r>
+              <a:rPr lang="nl-BE" dirty="0"/>
+              <a:t>Verloop:</a:t>
+            </a:r>
+          </a:p>
+          <a:p>
+            <a:pPr lvl="2"/>
+            <a:endParaRPr lang="nl-BE" dirty="0"/>
+          </a:p>
+        </p:txBody>
+      </p:sp>
+      <p:sp>
+        <p:nvSpPr>
+          <p:cNvPr id="4" name="Rectangle: Rounded Corners 3">
+            <a:extLst>
+              <a:ext uri="{FF2B5EF4-FFF2-40B4-BE49-F238E27FC236}">
+                <a16:creationId xmlns:a16="http://schemas.microsoft.com/office/drawing/2014/main" id="{19FF4931-189B-D20B-B501-FCBB55E71A4A}"/>
+              </a:ext>
+            </a:extLst>
+          </p:cNvPr>
+          <p:cNvSpPr/>
+          <p:nvPr/>
+        </p:nvSpPr>
+        <p:spPr>
+          <a:xfrm>
+            <a:off x="2232211" y="3149353"/>
+            <a:ext cx="1335741" cy="582706"/>
+          </a:xfrm>
+          <a:prstGeom prst="roundRect">
+            <a:avLst/>
+          </a:prstGeom>
+        </p:spPr>
+        <p:style>
+          <a:lnRef idx="2">
+            <a:schemeClr val="accent1">
+              <a:shade val="15000"/>
+            </a:schemeClr>
+          </a:lnRef>
+          <a:fillRef idx="1">
+            <a:schemeClr val="accent1"/>
+          </a:fillRef>
+          <a:effectRef idx="0">
+            <a:schemeClr val="accent1"/>
+          </a:effectRef>
+          <a:fontRef idx="minor">
+            <a:schemeClr val="lt1"/>
+          </a:fontRef>
+        </p:style>
+        <p:txBody>
+          <a:bodyPr rtlCol="0" anchor="ctr"/>
+          <a:lstStyle/>
+          <a:p>
+            <a:pPr algn="ctr"/>
+            <a:r>
+              <a:rPr lang="nl-BE" dirty="0"/>
+              <a:t>Initiatie</a:t>
+            </a:r>
+          </a:p>
+        </p:txBody>
+      </p:sp>
+      <p:grpSp>
+        <p:nvGrpSpPr>
+          <p:cNvPr id="15" name="Group 14">
+            <a:extLst>
+              <a:ext uri="{FF2B5EF4-FFF2-40B4-BE49-F238E27FC236}">
+                <a16:creationId xmlns:a16="http://schemas.microsoft.com/office/drawing/2014/main" id="{94768886-E949-87AF-5074-8B8F019C352D}"/>
+              </a:ext>
+            </a:extLst>
+          </p:cNvPr>
+          <p:cNvGrpSpPr/>
+          <p:nvPr/>
+        </p:nvGrpSpPr>
+        <p:grpSpPr>
+          <a:xfrm>
+            <a:off x="4482349" y="3932102"/>
+            <a:ext cx="1757085" cy="1155943"/>
+            <a:chOff x="4482349" y="3932102"/>
+            <a:chExt cx="1757085" cy="1155943"/>
+          </a:xfrm>
+        </p:grpSpPr>
+        <p:sp>
+          <p:nvSpPr>
+            <p:cNvPr id="6" name="Rectangle: Rounded Corners 5">
+              <a:extLst>
+                <a:ext uri="{FF2B5EF4-FFF2-40B4-BE49-F238E27FC236}">
+                  <a16:creationId xmlns:a16="http://schemas.microsoft.com/office/drawing/2014/main" id="{659CA746-9E19-DEAC-470A-CF36121D8B09}"/>
+                </a:ext>
+              </a:extLst>
+            </p:cNvPr>
+            <p:cNvSpPr/>
+            <p:nvPr/>
+          </p:nvSpPr>
+          <p:spPr>
+            <a:xfrm>
+              <a:off x="4903693" y="4505339"/>
+              <a:ext cx="1335741" cy="582706"/>
+            </a:xfrm>
+            <a:prstGeom prst="roundRect">
+              <a:avLst/>
+            </a:prstGeom>
+          </p:spPr>
+          <p:style>
+            <a:lnRef idx="2">
+              <a:schemeClr val="accent1">
+                <a:shade val="15000"/>
+              </a:schemeClr>
+            </a:lnRef>
+            <a:fillRef idx="1">
+              <a:schemeClr val="accent1"/>
+            </a:fillRef>
+            <a:effectRef idx="0">
+              <a:schemeClr val="accent1"/>
+            </a:effectRef>
+            <a:fontRef idx="minor">
+              <a:schemeClr val="lt1"/>
+            </a:fontRef>
+          </p:style>
+          <p:txBody>
+            <a:bodyPr rtlCol="0" anchor="ctr"/>
+            <a:lstStyle/>
+            <a:p>
+              <a:pPr algn="ctr"/>
+              <a:r>
+                <a:rPr lang="nl-BE" dirty="0"/>
+                <a:t>Uitvoering</a:t>
+              </a:r>
+            </a:p>
+          </p:txBody>
+        </p:sp>
+        <p:sp>
+          <p:nvSpPr>
+            <p:cNvPr id="9" name="Arrow: Circular 8">
+              <a:extLst>
+                <a:ext uri="{FF2B5EF4-FFF2-40B4-BE49-F238E27FC236}">
+                  <a16:creationId xmlns:a16="http://schemas.microsoft.com/office/drawing/2014/main" id="{48B8A21F-3201-DD94-2983-41BDF2A3B90D}"/>
+                </a:ext>
+              </a:extLst>
+            </p:cNvPr>
+            <p:cNvSpPr/>
+            <p:nvPr/>
+          </p:nvSpPr>
+          <p:spPr>
+            <a:xfrm>
+              <a:off x="4482349" y="3932102"/>
+              <a:ext cx="1057836" cy="1032683"/>
+            </a:xfrm>
+            <a:prstGeom prst="circularArrow">
+              <a:avLst>
+                <a:gd name="adj1" fmla="val 12500"/>
+                <a:gd name="adj2" fmla="val 1142319"/>
+                <a:gd name="adj3" fmla="val 20457681"/>
+                <a:gd name="adj4" fmla="val 16215799"/>
+                <a:gd name="adj5" fmla="val 12500"/>
+              </a:avLst>
+            </a:prstGeom>
+          </p:spPr>
+          <p:style>
+            <a:lnRef idx="2">
+              <a:schemeClr val="accent1">
+                <a:shade val="15000"/>
+              </a:schemeClr>
+            </a:lnRef>
+            <a:fillRef idx="1">
+              <a:schemeClr val="accent1"/>
+            </a:fillRef>
+            <a:effectRef idx="0">
+              <a:schemeClr val="accent1"/>
+            </a:effectRef>
+            <a:fontRef idx="minor">
+              <a:schemeClr val="lt1"/>
+            </a:fontRef>
+          </p:style>
+          <p:txBody>
+            <a:bodyPr rtlCol="0" anchor="ctr"/>
+            <a:lstStyle/>
+            <a:p>
+              <a:pPr algn="ctr"/>
+              <a:endParaRPr lang="en-IE">
+                <a:solidFill>
+                  <a:schemeClr val="tx1"/>
+                </a:solidFill>
+              </a:endParaRPr>
+            </a:p>
+          </p:txBody>
+        </p:sp>
+      </p:grpSp>
+      <p:grpSp>
+        <p:nvGrpSpPr>
+          <p:cNvPr id="16" name="Group 15">
+            <a:extLst>
+              <a:ext uri="{FF2B5EF4-FFF2-40B4-BE49-F238E27FC236}">
+                <a16:creationId xmlns:a16="http://schemas.microsoft.com/office/drawing/2014/main" id="{E71EE5C8-0EDD-20A4-DFF1-44A5F382A907}"/>
+              </a:ext>
+            </a:extLst>
+          </p:cNvPr>
+          <p:cNvGrpSpPr/>
+          <p:nvPr/>
+        </p:nvGrpSpPr>
+        <p:grpSpPr>
+          <a:xfrm>
+            <a:off x="3106268" y="3263361"/>
+            <a:ext cx="1797425" cy="1146691"/>
+            <a:chOff x="3106268" y="3263361"/>
+            <a:chExt cx="1797425" cy="1146691"/>
+          </a:xfrm>
+        </p:grpSpPr>
+        <p:sp>
+          <p:nvSpPr>
+            <p:cNvPr id="5" name="Rectangle: Rounded Corners 4">
+              <a:extLst>
+                <a:ext uri="{FF2B5EF4-FFF2-40B4-BE49-F238E27FC236}">
+                  <a16:creationId xmlns:a16="http://schemas.microsoft.com/office/drawing/2014/main" id="{8E087916-2A40-AF5D-156D-36B70E156AEB}"/>
+                </a:ext>
+              </a:extLst>
+            </p:cNvPr>
+            <p:cNvSpPr/>
+            <p:nvPr/>
+          </p:nvSpPr>
+          <p:spPr>
+            <a:xfrm>
+              <a:off x="3567952" y="3827346"/>
+              <a:ext cx="1335741" cy="582706"/>
+            </a:xfrm>
+            <a:prstGeom prst="roundRect">
+              <a:avLst/>
+            </a:prstGeom>
+          </p:spPr>
+          <p:style>
+            <a:lnRef idx="2">
+              <a:schemeClr val="accent1">
+                <a:shade val="15000"/>
+              </a:schemeClr>
+            </a:lnRef>
+            <a:fillRef idx="1">
+              <a:schemeClr val="accent1"/>
+            </a:fillRef>
+            <a:effectRef idx="0">
+              <a:schemeClr val="accent1"/>
+            </a:effectRef>
+            <a:fontRef idx="minor">
+              <a:schemeClr val="lt1"/>
+            </a:fontRef>
+          </p:style>
+          <p:txBody>
+            <a:bodyPr rtlCol="0" anchor="ctr"/>
+            <a:lstStyle/>
+            <a:p>
+              <a:pPr algn="ctr"/>
+              <a:r>
+                <a:rPr lang="en-US" dirty="0"/>
+                <a:t>Planning</a:t>
+              </a:r>
+              <a:endParaRPr lang="en-IE" dirty="0"/>
+            </a:p>
+          </p:txBody>
+        </p:sp>
+        <p:sp>
+          <p:nvSpPr>
+            <p:cNvPr id="10" name="Arrow: Circular 9">
+              <a:extLst>
+                <a:ext uri="{FF2B5EF4-FFF2-40B4-BE49-F238E27FC236}">
+                  <a16:creationId xmlns:a16="http://schemas.microsoft.com/office/drawing/2014/main" id="{8B0557E5-A0BA-88DD-B54B-A2246A862009}"/>
+                </a:ext>
+              </a:extLst>
+            </p:cNvPr>
+            <p:cNvSpPr/>
+            <p:nvPr/>
+          </p:nvSpPr>
+          <p:spPr>
+            <a:xfrm>
+              <a:off x="3106268" y="3263361"/>
+              <a:ext cx="1057836" cy="1032683"/>
+            </a:xfrm>
+            <a:prstGeom prst="circularArrow">
+              <a:avLst>
+                <a:gd name="adj1" fmla="val 12500"/>
+                <a:gd name="adj2" fmla="val 1142319"/>
+                <a:gd name="adj3" fmla="val 20457681"/>
+                <a:gd name="adj4" fmla="val 16215799"/>
+                <a:gd name="adj5" fmla="val 12500"/>
+              </a:avLst>
+            </a:prstGeom>
+          </p:spPr>
+          <p:style>
+            <a:lnRef idx="2">
+              <a:schemeClr val="accent1">
+                <a:shade val="15000"/>
+              </a:schemeClr>
+            </a:lnRef>
+            <a:fillRef idx="1">
+              <a:schemeClr val="accent1"/>
+            </a:fillRef>
+            <a:effectRef idx="0">
+              <a:schemeClr val="accent1"/>
+            </a:effectRef>
+            <a:fontRef idx="minor">
+              <a:schemeClr val="lt1"/>
+            </a:fontRef>
+          </p:style>
+          <p:txBody>
+            <a:bodyPr rtlCol="0" anchor="ctr"/>
+            <a:lstStyle/>
+            <a:p>
+              <a:pPr algn="ctr"/>
+              <a:endParaRPr lang="en-IE">
+                <a:solidFill>
+                  <a:schemeClr val="tx1"/>
+                </a:solidFill>
+              </a:endParaRPr>
+            </a:p>
+          </p:txBody>
+        </p:sp>
+      </p:grpSp>
+      <p:grpSp>
+        <p:nvGrpSpPr>
+          <p:cNvPr id="14" name="Group 13">
+            <a:extLst>
+              <a:ext uri="{FF2B5EF4-FFF2-40B4-BE49-F238E27FC236}">
+                <a16:creationId xmlns:a16="http://schemas.microsoft.com/office/drawing/2014/main" id="{097196A6-ED01-EC15-EA31-2B046D4652A7}"/>
+              </a:ext>
+            </a:extLst>
+          </p:cNvPr>
+          <p:cNvGrpSpPr/>
+          <p:nvPr/>
+        </p:nvGrpSpPr>
+        <p:grpSpPr>
+          <a:xfrm>
+            <a:off x="5849468" y="4571702"/>
+            <a:ext cx="1725707" cy="1194336"/>
+            <a:chOff x="5849468" y="4571702"/>
+            <a:chExt cx="1725707" cy="1194336"/>
+          </a:xfrm>
+        </p:grpSpPr>
+        <p:sp>
+          <p:nvSpPr>
+            <p:cNvPr id="7" name="Rectangle: Rounded Corners 6">
+              <a:extLst>
+                <a:ext uri="{FF2B5EF4-FFF2-40B4-BE49-F238E27FC236}">
+                  <a16:creationId xmlns:a16="http://schemas.microsoft.com/office/drawing/2014/main" id="{411B0166-6336-607E-7D08-671478FAC3BB}"/>
+                </a:ext>
+              </a:extLst>
+            </p:cNvPr>
+            <p:cNvSpPr/>
+            <p:nvPr/>
+          </p:nvSpPr>
+          <p:spPr>
+            <a:xfrm>
+              <a:off x="6239434" y="5183332"/>
+              <a:ext cx="1335741" cy="582706"/>
+            </a:xfrm>
+            <a:prstGeom prst="roundRect">
+              <a:avLst/>
+            </a:prstGeom>
+          </p:spPr>
+          <p:style>
+            <a:lnRef idx="2">
+              <a:schemeClr val="accent1">
+                <a:shade val="15000"/>
+              </a:schemeClr>
+            </a:lnRef>
+            <a:fillRef idx="1">
+              <a:schemeClr val="accent1"/>
+            </a:fillRef>
+            <a:effectRef idx="0">
+              <a:schemeClr val="accent1"/>
+            </a:effectRef>
+            <a:fontRef idx="minor">
+              <a:schemeClr val="lt1"/>
+            </a:fontRef>
+          </p:style>
+          <p:txBody>
+            <a:bodyPr rtlCol="0" anchor="ctr"/>
+            <a:lstStyle/>
+            <a:p>
+              <a:pPr algn="ctr"/>
+              <a:r>
+                <a:rPr lang="en-US" dirty="0"/>
+                <a:t>Testing</a:t>
+              </a:r>
+              <a:endParaRPr lang="en-IE" dirty="0"/>
+            </a:p>
+          </p:txBody>
+        </p:sp>
+        <p:sp>
+          <p:nvSpPr>
+            <p:cNvPr id="11" name="Arrow: Circular 10">
+              <a:extLst>
+                <a:ext uri="{FF2B5EF4-FFF2-40B4-BE49-F238E27FC236}">
+                  <a16:creationId xmlns:a16="http://schemas.microsoft.com/office/drawing/2014/main" id="{0AEBC9C7-8EB0-73EE-199F-89E64D000FE8}"/>
+                </a:ext>
+              </a:extLst>
+            </p:cNvPr>
+            <p:cNvSpPr/>
+            <p:nvPr/>
+          </p:nvSpPr>
+          <p:spPr>
+            <a:xfrm>
+              <a:off x="5849468" y="4571702"/>
+              <a:ext cx="1057836" cy="1032683"/>
+            </a:xfrm>
+            <a:prstGeom prst="circularArrow">
+              <a:avLst>
+                <a:gd name="adj1" fmla="val 12500"/>
+                <a:gd name="adj2" fmla="val 1142319"/>
+                <a:gd name="adj3" fmla="val 20457681"/>
+                <a:gd name="adj4" fmla="val 16215799"/>
+                <a:gd name="adj5" fmla="val 12500"/>
+              </a:avLst>
+            </a:prstGeom>
+          </p:spPr>
+          <p:style>
+            <a:lnRef idx="2">
+              <a:schemeClr val="accent1">
+                <a:shade val="15000"/>
+              </a:schemeClr>
+            </a:lnRef>
+            <a:fillRef idx="1">
+              <a:schemeClr val="accent1"/>
+            </a:fillRef>
+            <a:effectRef idx="0">
+              <a:schemeClr val="accent1"/>
+            </a:effectRef>
+            <a:fontRef idx="minor">
+              <a:schemeClr val="lt1"/>
+            </a:fontRef>
+          </p:style>
+          <p:txBody>
+            <a:bodyPr rtlCol="0" anchor="ctr"/>
+            <a:lstStyle/>
+            <a:p>
+              <a:pPr algn="ctr"/>
+              <a:endParaRPr lang="en-IE">
+                <a:solidFill>
+                  <a:schemeClr val="tx1"/>
+                </a:solidFill>
+              </a:endParaRPr>
+            </a:p>
+          </p:txBody>
+        </p:sp>
+      </p:grpSp>
+      <p:grpSp>
+        <p:nvGrpSpPr>
+          <p:cNvPr id="13" name="Group 12">
+            <a:extLst>
+              <a:ext uri="{FF2B5EF4-FFF2-40B4-BE49-F238E27FC236}">
+                <a16:creationId xmlns:a16="http://schemas.microsoft.com/office/drawing/2014/main" id="{380D764E-59FB-78C6-5003-0A7866BA71D3}"/>
+              </a:ext>
+            </a:extLst>
+          </p:cNvPr>
+          <p:cNvGrpSpPr/>
+          <p:nvPr/>
+        </p:nvGrpSpPr>
+        <p:grpSpPr>
+          <a:xfrm>
+            <a:off x="7185209" y="5249696"/>
+            <a:ext cx="1725707" cy="1194336"/>
+            <a:chOff x="7185209" y="5249696"/>
+            <a:chExt cx="1725707" cy="1194336"/>
+          </a:xfrm>
+        </p:grpSpPr>
+        <p:sp>
+          <p:nvSpPr>
+            <p:cNvPr id="8" name="Rectangle: Rounded Corners 7">
+              <a:extLst>
+                <a:ext uri="{FF2B5EF4-FFF2-40B4-BE49-F238E27FC236}">
+                  <a16:creationId xmlns:a16="http://schemas.microsoft.com/office/drawing/2014/main" id="{5FABFE24-A89D-46BE-1864-2EAA8A8067FC}"/>
+                </a:ext>
+              </a:extLst>
+            </p:cNvPr>
+            <p:cNvSpPr/>
+            <p:nvPr/>
+          </p:nvSpPr>
+          <p:spPr>
+            <a:xfrm>
+              <a:off x="7575175" y="5861326"/>
+              <a:ext cx="1335741" cy="582706"/>
+            </a:xfrm>
+            <a:prstGeom prst="roundRect">
+              <a:avLst/>
+            </a:prstGeom>
+          </p:spPr>
+          <p:style>
+            <a:lnRef idx="2">
+              <a:schemeClr val="accent1">
+                <a:shade val="15000"/>
+              </a:schemeClr>
+            </a:lnRef>
+            <a:fillRef idx="1">
+              <a:schemeClr val="accent1"/>
+            </a:fillRef>
+            <a:effectRef idx="0">
+              <a:schemeClr val="accent1"/>
+            </a:effectRef>
+            <a:fontRef idx="minor">
+              <a:schemeClr val="lt1"/>
+            </a:fontRef>
+          </p:style>
+          <p:txBody>
+            <a:bodyPr rtlCol="0" anchor="ctr"/>
+            <a:lstStyle/>
+            <a:p>
+              <a:pPr algn="ctr"/>
+              <a:r>
+                <a:rPr lang="nl-BE" dirty="0"/>
+                <a:t>Onderhoud</a:t>
+              </a:r>
+            </a:p>
+          </p:txBody>
+        </p:sp>
+        <p:sp>
+          <p:nvSpPr>
+            <p:cNvPr id="12" name="Arrow: Circular 11">
+              <a:extLst>
+                <a:ext uri="{FF2B5EF4-FFF2-40B4-BE49-F238E27FC236}">
+                  <a16:creationId xmlns:a16="http://schemas.microsoft.com/office/drawing/2014/main" id="{22BA416E-C995-70AE-2699-093E62ABB00D}"/>
+                </a:ext>
+              </a:extLst>
+            </p:cNvPr>
+            <p:cNvSpPr/>
+            <p:nvPr/>
+          </p:nvSpPr>
+          <p:spPr>
+            <a:xfrm>
+              <a:off x="7185209" y="5249696"/>
+              <a:ext cx="1057836" cy="1032683"/>
+            </a:xfrm>
+            <a:prstGeom prst="circularArrow">
+              <a:avLst>
+                <a:gd name="adj1" fmla="val 12500"/>
+                <a:gd name="adj2" fmla="val 1142319"/>
+                <a:gd name="adj3" fmla="val 20457681"/>
+                <a:gd name="adj4" fmla="val 16215799"/>
+                <a:gd name="adj5" fmla="val 12500"/>
+              </a:avLst>
+            </a:prstGeom>
+          </p:spPr>
+          <p:style>
+            <a:lnRef idx="2">
+              <a:schemeClr val="accent1">
+                <a:shade val="15000"/>
+              </a:schemeClr>
+            </a:lnRef>
+            <a:fillRef idx="1">
+              <a:schemeClr val="accent1"/>
+            </a:fillRef>
+            <a:effectRef idx="0">
+              <a:schemeClr val="accent1"/>
+            </a:effectRef>
+            <a:fontRef idx="minor">
+              <a:schemeClr val="lt1"/>
+            </a:fontRef>
+          </p:style>
+          <p:txBody>
+            <a:bodyPr rtlCol="0" anchor="ctr"/>
+            <a:lstStyle/>
+            <a:p>
+              <a:pPr algn="ctr"/>
+              <a:endParaRPr lang="en-IE">
+                <a:solidFill>
+                  <a:schemeClr val="tx1"/>
+                </a:solidFill>
+              </a:endParaRPr>
+            </a:p>
+          </p:txBody>
+        </p:sp>
+      </p:grpSp>
+    </p:spTree>
+    <p:extLst>
+      <p:ext uri="{BB962C8B-B14F-4D97-AF65-F5344CB8AC3E}">
+        <p14:creationId xmlns:p14="http://schemas.microsoft.com/office/powerpoint/2010/main" val="811584030"/>
+      </p:ext>
+    </p:extLst>
+  </p:cSld>
+  <p:clrMapOvr>
+    <a:masterClrMapping/>
+  </p:clrMapOvr>
+  <p:timing>
+    <p:tnLst>
+      <p:par>
+        <p:cTn id="1" dur="indefinite" restart="never" nodeType="tmRoot">
+          <p:childTnLst>
+            <p:seq concurrent="1" nextAc="seek">
+              <p:cTn id="2" dur="indefinite" nodeType="mainSeq">
+                <p:childTnLst>
+                  <p:par>
+                    <p:cTn id="3" fill="hold">
+                      <p:stCondLst>
+                        <p:cond delay="indefinite"/>
+                      </p:stCondLst>
+                      <p:childTnLst>
+                        <p:par>
+                          <p:cTn id="4" fill="hold">
+                            <p:stCondLst>
+                              <p:cond delay="0"/>
+                            </p:stCondLst>
+                            <p:childTnLst>
+                              <p:par>
+                                <p:cTn id="5" presetID="10" presetClass="entr" presetSubtype="0" fill="hold" grpId="0" nodeType="clickEffect">
+                                  <p:stCondLst>
+                                    <p:cond delay="0"/>
+                                  </p:stCondLst>
+                                  <p:childTnLst>
+                                    <p:set>
+                                      <p:cBhvr>
+                                        <p:cTn id="6" dur="1" fill="hold">
+                                          <p:stCondLst>
+                                            <p:cond delay="0"/>
+                                          </p:stCondLst>
+                                        </p:cTn>
+                                        <p:tgtEl>
+                                          <p:spTgt spid="3">
+                                            <p:txEl>
+                                              <p:pRg st="0" end="0"/>
+                                            </p:txEl>
+                                          </p:spTgt>
+                                        </p:tgtEl>
+                                        <p:attrNameLst>
+                                          <p:attrName>style.visibility</p:attrName>
+                                        </p:attrNameLst>
+                                      </p:cBhvr>
+                                      <p:to>
+                                        <p:strVal val="visible"/>
+                                      </p:to>
+                                    </p:set>
+                                    <p:animEffect transition="in" filter="fade">
+                                      <p:cBhvr>
+                                        <p:cTn id="7" dur="500"/>
+                                        <p:tgtEl>
+                                          <p:spTgt spid="3">
+                                            <p:txEl>
+                                              <p:pRg st="0" end="0"/>
+                                            </p:txEl>
+                                          </p:spTgt>
+                                        </p:tgtEl>
+                                      </p:cBhvr>
+                                    </p:animEffect>
+                                  </p:childTnLst>
+                                </p:cTn>
+                              </p:par>
+                            </p:childTnLst>
+                          </p:cTn>
+                        </p:par>
+                      </p:childTnLst>
+                    </p:cTn>
+                  </p:par>
+                  <p:par>
+                    <p:cTn id="8" fill="hold">
+                      <p:stCondLst>
+                        <p:cond delay="indefinite"/>
+                      </p:stCondLst>
+                      <p:childTnLst>
+                        <p:par>
+                          <p:cTn id="9" fill="hold">
+                            <p:stCondLst>
+                              <p:cond delay="0"/>
+                            </p:stCondLst>
+                            <p:childTnLst>
+                              <p:par>
+                                <p:cTn id="10" presetID="10" presetClass="entr" presetSubtype="0" fill="hold" grpId="0" nodeType="clickEffect">
+                                  <p:stCondLst>
+                                    <p:cond delay="0"/>
+                                  </p:stCondLst>
+                                  <p:childTnLst>
+                                    <p:set>
+                                      <p:cBhvr>
+                                        <p:cTn id="11" dur="1" fill="hold">
+                                          <p:stCondLst>
+                                            <p:cond delay="0"/>
+                                          </p:stCondLst>
+                                        </p:cTn>
+                                        <p:tgtEl>
+                                          <p:spTgt spid="3">
+                                            <p:txEl>
+                                              <p:pRg st="1" end="1"/>
+                                            </p:txEl>
+                                          </p:spTgt>
+                                        </p:tgtEl>
+                                        <p:attrNameLst>
+                                          <p:attrName>style.visibility</p:attrName>
+                                        </p:attrNameLst>
+                                      </p:cBhvr>
+                                      <p:to>
+                                        <p:strVal val="visible"/>
+                                      </p:to>
+                                    </p:set>
+                                    <p:animEffect transition="in" filter="fade">
+                                      <p:cBhvr>
+                                        <p:cTn id="12" dur="500"/>
+                                        <p:tgtEl>
+                                          <p:spTgt spid="3">
+                                            <p:txEl>
+                                              <p:pRg st="1" end="1"/>
+                                            </p:txEl>
+                                          </p:spTgt>
+                                        </p:tgtEl>
+                                      </p:cBhvr>
+                                    </p:animEffect>
+                                  </p:childTnLst>
+                                </p:cTn>
+                              </p:par>
+                            </p:childTnLst>
+                          </p:cTn>
+                        </p:par>
+                        <p:par>
+                          <p:cTn id="13" fill="hold">
+                            <p:stCondLst>
+                              <p:cond delay="500"/>
+                            </p:stCondLst>
+                            <p:childTnLst>
+                              <p:par>
+                                <p:cTn id="14" presetID="10" presetClass="entr" presetSubtype="0" fill="hold" grpId="0" nodeType="afterEffect">
+                                  <p:stCondLst>
+                                    <p:cond delay="0"/>
+                                  </p:stCondLst>
+                                  <p:childTnLst>
+                                    <p:set>
+                                      <p:cBhvr>
+                                        <p:cTn id="15" dur="1" fill="hold">
+                                          <p:stCondLst>
+                                            <p:cond delay="0"/>
+                                          </p:stCondLst>
+                                        </p:cTn>
+                                        <p:tgtEl>
+                                          <p:spTgt spid="3">
+                                            <p:txEl>
+                                              <p:pRg st="2" end="2"/>
+                                            </p:txEl>
+                                          </p:spTgt>
+                                        </p:tgtEl>
+                                        <p:attrNameLst>
+                                          <p:attrName>style.visibility</p:attrName>
+                                        </p:attrNameLst>
+                                      </p:cBhvr>
+                                      <p:to>
+                                        <p:strVal val="visible"/>
+                                      </p:to>
+                                    </p:set>
+                                    <p:animEffect transition="in" filter="fade">
+                                      <p:cBhvr>
+                                        <p:cTn id="16" dur="500"/>
+                                        <p:tgtEl>
+                                          <p:spTgt spid="3">
+                                            <p:txEl>
+                                              <p:pRg st="2" end="2"/>
+                                            </p:txEl>
+                                          </p:spTgt>
+                                        </p:tgtEl>
+                                      </p:cBhvr>
+                                    </p:animEffect>
+                                  </p:childTnLst>
+                                </p:cTn>
+                              </p:par>
+                            </p:childTnLst>
+                          </p:cTn>
+                        </p:par>
+                      </p:childTnLst>
+                    </p:cTn>
+                  </p:par>
+                  <p:par>
+                    <p:cTn id="17" fill="hold">
+                      <p:stCondLst>
+                        <p:cond delay="indefinite"/>
+                      </p:stCondLst>
+                      <p:childTnLst>
+                        <p:par>
+                          <p:cTn id="18" fill="hold">
+                            <p:stCondLst>
+                              <p:cond delay="0"/>
+                            </p:stCondLst>
+                            <p:childTnLst>
+                              <p:par>
+                                <p:cTn id="19" presetID="10" presetClass="entr" presetSubtype="0" fill="hold" grpId="0" nodeType="clickEffect">
+                                  <p:stCondLst>
+                                    <p:cond delay="0"/>
+                                  </p:stCondLst>
+                                  <p:childTnLst>
+                                    <p:set>
+                                      <p:cBhvr>
+                                        <p:cTn id="20" dur="1" fill="hold">
+                                          <p:stCondLst>
+                                            <p:cond delay="0"/>
+                                          </p:stCondLst>
+                                        </p:cTn>
+                                        <p:tgtEl>
+                                          <p:spTgt spid="4"/>
+                                        </p:tgtEl>
+                                        <p:attrNameLst>
+                                          <p:attrName>style.visibility</p:attrName>
+                                        </p:attrNameLst>
+                                      </p:cBhvr>
+                                      <p:to>
+                                        <p:strVal val="visible"/>
+                                      </p:to>
+                                    </p:set>
+                                    <p:animEffect transition="in" filter="fade">
+                                      <p:cBhvr>
+                                        <p:cTn id="21" dur="500"/>
+                                        <p:tgtEl>
+                                          <p:spTgt spid="4"/>
+                                        </p:tgtEl>
+                                      </p:cBhvr>
+                                    </p:animEffect>
+                                  </p:childTnLst>
+                                </p:cTn>
+                              </p:par>
+                            </p:childTnLst>
+                          </p:cTn>
+                        </p:par>
+                      </p:childTnLst>
+                    </p:cTn>
+                  </p:par>
+                  <p:par>
+                    <p:cTn id="22" fill="hold">
+                      <p:stCondLst>
+                        <p:cond delay="indefinite"/>
+                      </p:stCondLst>
+                      <p:childTnLst>
+                        <p:par>
+                          <p:cTn id="23" fill="hold">
+                            <p:stCondLst>
+                              <p:cond delay="0"/>
+                            </p:stCondLst>
+                            <p:childTnLst>
+                              <p:par>
+                                <p:cTn id="24" presetID="10" presetClass="entr" presetSubtype="0" fill="hold" nodeType="clickEffect">
+                                  <p:stCondLst>
+                                    <p:cond delay="0"/>
+                                  </p:stCondLst>
+                                  <p:childTnLst>
+                                    <p:set>
+                                      <p:cBhvr>
+                                        <p:cTn id="25" dur="1" fill="hold">
+                                          <p:stCondLst>
+                                            <p:cond delay="0"/>
+                                          </p:stCondLst>
+                                        </p:cTn>
+                                        <p:tgtEl>
+                                          <p:spTgt spid="16"/>
+                                        </p:tgtEl>
+                                        <p:attrNameLst>
+                                          <p:attrName>style.visibility</p:attrName>
+                                        </p:attrNameLst>
+                                      </p:cBhvr>
+                                      <p:to>
+                                        <p:strVal val="visible"/>
+                                      </p:to>
+                                    </p:set>
+                                    <p:animEffect transition="in" filter="fade">
+                                      <p:cBhvr>
+                                        <p:cTn id="26" dur="500"/>
+                                        <p:tgtEl>
+                                          <p:spTgt spid="16"/>
+                                        </p:tgtEl>
+                                      </p:cBhvr>
+                                    </p:animEffect>
+                                  </p:childTnLst>
+                                </p:cTn>
+                              </p:par>
+                            </p:childTnLst>
+                          </p:cTn>
+                        </p:par>
+                      </p:childTnLst>
+                    </p:cTn>
+                  </p:par>
+                  <p:par>
+                    <p:cTn id="27" fill="hold">
+                      <p:stCondLst>
+                        <p:cond delay="indefinite"/>
+                      </p:stCondLst>
+                      <p:childTnLst>
+                        <p:par>
+                          <p:cTn id="28" fill="hold">
+                            <p:stCondLst>
+                              <p:cond delay="0"/>
+                            </p:stCondLst>
+                            <p:childTnLst>
+                              <p:par>
+                                <p:cTn id="29" presetID="10" presetClass="entr" presetSubtype="0" fill="hold" nodeType="clickEffect">
+                                  <p:stCondLst>
+                                    <p:cond delay="0"/>
+                                  </p:stCondLst>
+                                  <p:childTnLst>
+                                    <p:set>
+                                      <p:cBhvr>
+                                        <p:cTn id="30" dur="1" fill="hold">
+                                          <p:stCondLst>
+                                            <p:cond delay="0"/>
+                                          </p:stCondLst>
+                                        </p:cTn>
+                                        <p:tgtEl>
+                                          <p:spTgt spid="15"/>
+                                        </p:tgtEl>
+                                        <p:attrNameLst>
+                                          <p:attrName>style.visibility</p:attrName>
+                                        </p:attrNameLst>
+                                      </p:cBhvr>
+                                      <p:to>
+                                        <p:strVal val="visible"/>
+                                      </p:to>
+                                    </p:set>
+                                    <p:animEffect transition="in" filter="fade">
+                                      <p:cBhvr>
+                                        <p:cTn id="31" dur="500"/>
+                                        <p:tgtEl>
+                                          <p:spTgt spid="15"/>
+                                        </p:tgtEl>
+                                      </p:cBhvr>
+                                    </p:animEffect>
+                                  </p:childTnLst>
+                                </p:cTn>
+                              </p:par>
+                            </p:childTnLst>
+                          </p:cTn>
+                        </p:par>
+                      </p:childTnLst>
+                    </p:cTn>
+                  </p:par>
+                  <p:par>
+                    <p:cTn id="32" fill="hold">
+                      <p:stCondLst>
+                        <p:cond delay="indefinite"/>
+                      </p:stCondLst>
+                      <p:childTnLst>
+                        <p:par>
+                          <p:cTn id="33" fill="hold">
+                            <p:stCondLst>
+                              <p:cond delay="0"/>
+                            </p:stCondLst>
+                            <p:childTnLst>
+                              <p:par>
+                                <p:cTn id="34" presetID="10" presetClass="entr" presetSubtype="0" fill="hold" nodeType="clickEffect">
+                                  <p:stCondLst>
+                                    <p:cond delay="0"/>
+                                  </p:stCondLst>
+                                  <p:childTnLst>
+                                    <p:set>
+                                      <p:cBhvr>
+                                        <p:cTn id="35" dur="1" fill="hold">
+                                          <p:stCondLst>
+                                            <p:cond delay="0"/>
+                                          </p:stCondLst>
+                                        </p:cTn>
+                                        <p:tgtEl>
+                                          <p:spTgt spid="14"/>
+                                        </p:tgtEl>
+                                        <p:attrNameLst>
+                                          <p:attrName>style.visibility</p:attrName>
+                                        </p:attrNameLst>
+                                      </p:cBhvr>
+                                      <p:to>
+                                        <p:strVal val="visible"/>
+                                      </p:to>
+                                    </p:set>
+                                    <p:animEffect transition="in" filter="fade">
+                                      <p:cBhvr>
+                                        <p:cTn id="36" dur="500"/>
+                                        <p:tgtEl>
+                                          <p:spTgt spid="14"/>
+                                        </p:tgtEl>
+                                      </p:cBhvr>
+                                    </p:animEffect>
+                                  </p:childTnLst>
+                                </p:cTn>
+                              </p:par>
+                            </p:childTnLst>
+                          </p:cTn>
+                        </p:par>
+                      </p:childTnLst>
+                    </p:cTn>
+                  </p:par>
+                  <p:par>
+                    <p:cTn id="37" fill="hold">
+                      <p:stCondLst>
+                        <p:cond delay="indefinite"/>
+                      </p:stCondLst>
+                      <p:childTnLst>
+                        <p:par>
+                          <p:cTn id="38" fill="hold">
+                            <p:stCondLst>
+                              <p:cond delay="0"/>
+                            </p:stCondLst>
+                            <p:childTnLst>
+                              <p:par>
+                                <p:cTn id="39" presetID="10" presetClass="entr" presetSubtype="0" fill="hold" nodeType="clickEffect">
+                                  <p:stCondLst>
+                                    <p:cond delay="0"/>
+                                  </p:stCondLst>
+                                  <p:childTnLst>
+                                    <p:set>
+                                      <p:cBhvr>
+                                        <p:cTn id="40" dur="1" fill="hold">
+                                          <p:stCondLst>
+                                            <p:cond delay="0"/>
+                                          </p:stCondLst>
+                                        </p:cTn>
+                                        <p:tgtEl>
+                                          <p:spTgt spid="13"/>
+                                        </p:tgtEl>
+                                        <p:attrNameLst>
+                                          <p:attrName>style.visibility</p:attrName>
+                                        </p:attrNameLst>
+                                      </p:cBhvr>
+                                      <p:to>
+                                        <p:strVal val="visible"/>
+                                      </p:to>
+                                    </p:set>
+                                    <p:animEffect transition="in" filter="fade">
+                                      <p:cBhvr>
+                                        <p:cTn id="41" dur="500"/>
+                                        <p:tgtEl>
+                                          <p:spTgt spid="13"/>
+                                        </p:tgtEl>
+                                      </p:cBhvr>
+                                    </p:animEffect>
+                                  </p:childTnLst>
+                                </p:cTn>
+                              </p:par>
+                            </p:childTnLst>
+                          </p:cTn>
+                        </p:par>
+                      </p:childTnLst>
+                    </p:cTn>
+                  </p:par>
+                </p:childTnLst>
+              </p:cTn>
+              <p:prevCondLst>
+                <p:cond evt="onPrev" delay="0">
+                  <p:tgtEl>
+                    <p:sldTgt/>
+                  </p:tgtEl>
+                </p:cond>
+              </p:prevCondLst>
+              <p:nextCondLst>
+                <p:cond evt="onNext" delay="0">
+                  <p:tgtEl>
+                    <p:sldTgt/>
+                  </p:tgtEl>
+                </p:cond>
+              </p:nextCondLst>
+            </p:seq>
+          </p:childTnLst>
+        </p:cTn>
+      </p:par>
+    </p:tnLst>
+    <p:bldLst>
+      <p:bldP spid="3" grpId="0" uiExpand="1" build="p"/>
+      <p:bldP spid="4" grpId="0" animBg="1"/>
+    </p:bldLst>
+  </p:timing>
+</p:sld>
+</file>
+
+<file path=ppt/slides/slide4.xml><?xml version="1.0" encoding="utf-8"?>
+<p:sld xmlns:a="http://schemas.openxmlformats.org/drawingml/2006/main" xmlns:r="http://schemas.openxmlformats.org/officeDocument/2006/relationships" xmlns:p="http://schemas.openxmlformats.org/presentationml/2006/main">
+  <p:cSld>
+    <p:spTree>
+      <p:nvGrpSpPr>
+        <p:cNvPr id="1" name=""/>
+        <p:cNvGrpSpPr/>
+        <p:nvPr/>
+      </p:nvGrpSpPr>
+      <p:grpSpPr>
+        <a:xfrm>
+          <a:off x="0" y="0"/>
+          <a:ext cx="0" cy="0"/>
+          <a:chOff x="0" y="0"/>
+          <a:chExt cx="0" cy="0"/>
+        </a:xfrm>
+      </p:grpSpPr>
+      <p:sp>
+        <p:nvSpPr>
+          <p:cNvPr id="2" name="Title 1">
+            <a:extLst>
+              <a:ext uri="{FF2B5EF4-FFF2-40B4-BE49-F238E27FC236}">
+                <a16:creationId xmlns:a16="http://schemas.microsoft.com/office/drawing/2014/main" id="{9FB1A9E8-96EB-4A4B-AEE9-AC419D1B1D4A}"/>
+              </a:ext>
+            </a:extLst>
+          </p:cNvPr>
+          <p:cNvSpPr>
+            <a:spLocks noGrp="1"/>
+          </p:cNvSpPr>
+          <p:nvPr>
+            <p:ph type="title"/>
+          </p:nvPr>
+        </p:nvSpPr>
+        <p:spPr>
+          <a:xfrm>
+            <a:off x="424722" y="62753"/>
+            <a:ext cx="11353210" cy="794204"/>
+          </a:xfrm>
+        </p:spPr>
+        <p:txBody>
+          <a:bodyPr/>
+          <a:lstStyle/>
+          <a:p>
+            <a:r>
+              <a:rPr lang="nl-BE" dirty="0"/>
+              <a:t>Traditionele project management methoden</a:t>
+            </a:r>
+          </a:p>
+        </p:txBody>
+      </p:sp>
+      <p:sp>
+        <p:nvSpPr>
+          <p:cNvPr id="3" name="Content Placeholder 2">
+            <a:extLst>
+              <a:ext uri="{FF2B5EF4-FFF2-40B4-BE49-F238E27FC236}">
+                <a16:creationId xmlns:a16="http://schemas.microsoft.com/office/drawing/2014/main" id="{E1ED7048-5B8A-43CB-8FDC-E9416135841C}"/>
+              </a:ext>
+            </a:extLst>
+          </p:cNvPr>
+          <p:cNvSpPr>
+            <a:spLocks noGrp="1"/>
+          </p:cNvSpPr>
+          <p:nvPr>
+            <p:ph idx="1"/>
+          </p:nvPr>
+        </p:nvSpPr>
+        <p:spPr>
+          <a:xfrm>
+            <a:off x="414067" y="1104900"/>
+            <a:ext cx="11363865" cy="5520187"/>
+          </a:xfrm>
+        </p:spPr>
+        <p:txBody>
+          <a:bodyPr>
+            <a:normAutofit/>
+          </a:bodyPr>
+          <a:lstStyle/>
+          <a:p>
+            <a:r>
+              <a:rPr lang="nl-BE" dirty="0"/>
+              <a:t>De stappen die gevolgd worden binnen de </a:t>
+            </a:r>
+            <a:r>
+              <a:rPr lang="nl-BE" dirty="0" err="1"/>
+              <a:t>waterfall</a:t>
+            </a:r>
+            <a:r>
+              <a:rPr lang="nl-BE" dirty="0"/>
+              <a:t> methode:</a:t>
+            </a:r>
+          </a:p>
+          <a:p>
+            <a:pPr lvl="1"/>
+            <a:r>
+              <a:rPr lang="nl-BE" dirty="0"/>
+              <a:t>Initiatie: </a:t>
+            </a:r>
+          </a:p>
+          <a:p>
+            <a:pPr lvl="2"/>
+            <a:r>
+              <a:rPr lang="nl-BE" dirty="0"/>
+              <a:t>Vergaren van de vereisten waaraan het product (programma) moet voldoen en de volledige werking beschrijven.</a:t>
+            </a:r>
+          </a:p>
+          <a:p>
+            <a:pPr lvl="1"/>
+            <a:r>
+              <a:rPr lang="nl-BE" dirty="0"/>
+              <a:t>Planning: </a:t>
+            </a:r>
+          </a:p>
+          <a:p>
+            <a:pPr lvl="2"/>
+            <a:r>
+              <a:rPr lang="nl-BE" dirty="0"/>
+              <a:t>Daarna wordt door de systeem architecten het programma technisch volledig beschreven, maken de UI specialisten het ontwerp hoe de user interface er moet uitzien. </a:t>
+            </a:r>
+          </a:p>
+          <a:p>
+            <a:pPr lvl="2"/>
+            <a:r>
+              <a:rPr lang="nl-BE" dirty="0"/>
+              <a:t>Men gaat hier ook een inschatting maken hoelang de ontwikkeling in beslag gaat nemen en documenten opstellen die de planning beschrijven</a:t>
+            </a:r>
+          </a:p>
+          <a:p>
+            <a:pPr lvl="1"/>
+            <a:r>
+              <a:rPr lang="nl-BE" dirty="0"/>
+              <a:t>Uitvoering:</a:t>
+            </a:r>
+          </a:p>
+          <a:p>
+            <a:pPr lvl="2"/>
+            <a:r>
+              <a:rPr lang="nl-BE" dirty="0"/>
+              <a:t>Programmeurs en specialisten voeren uit wat er in de planning staat beschreven.</a:t>
+            </a:r>
+          </a:p>
+          <a:p>
+            <a:pPr lvl="1"/>
+            <a:r>
+              <a:rPr lang="nl-BE" dirty="0"/>
+              <a:t>Testen:</a:t>
+            </a:r>
+          </a:p>
+          <a:p>
+            <a:pPr lvl="2"/>
+            <a:r>
+              <a:rPr lang="nl-BE" dirty="0"/>
+              <a:t>Wanneer het volledige product klaar is wordt dit getest en uitgerold voor gebruik.</a:t>
+            </a:r>
+          </a:p>
+          <a:p>
+            <a:pPr lvl="1"/>
+            <a:r>
+              <a:rPr lang="nl-BE" dirty="0"/>
+              <a:t>Onderhoud en ondersteuning:</a:t>
+            </a:r>
+          </a:p>
+          <a:p>
+            <a:pPr lvl="2"/>
+            <a:r>
+              <a:rPr lang="nl-BE" dirty="0"/>
+              <a:t>Oplossen van problemen en maken van updates</a:t>
+            </a:r>
+          </a:p>
+          <a:p>
+            <a:endParaRPr lang="nl-BE" dirty="0"/>
+          </a:p>
+        </p:txBody>
+      </p:sp>
+    </p:spTree>
+    <p:extLst>
+      <p:ext uri="{BB962C8B-B14F-4D97-AF65-F5344CB8AC3E}">
+        <p14:creationId xmlns:p14="http://schemas.microsoft.com/office/powerpoint/2010/main" val="1545518468"/>
+      </p:ext>
+    </p:extLst>
+  </p:cSld>
+  <p:clrMapOvr>
+    <a:masterClrMapping/>
+  </p:clrMapOvr>
+  <p:timing>
+    <p:tnLst>
+      <p:par>
+        <p:cTn id="1" dur="indefinite" restart="never" nodeType="tmRoot">
+          <p:childTnLst>
+            <p:seq concurrent="1" nextAc="seek">
+              <p:cTn id="2" dur="indefinite" nodeType="mainSeq">
+                <p:childTnLst>
+                  <p:par>
+                    <p:cTn id="3" fill="hold">
+                      <p:stCondLst>
+                        <p:cond delay="indefinite"/>
+                      </p:stCondLst>
+                      <p:childTnLst>
+                        <p:par>
+                          <p:cTn id="4" fill="hold">
+                            <p:stCondLst>
+                              <p:cond delay="0"/>
+                            </p:stCondLst>
+                            <p:childTnLst>
+                              <p:par>
+                                <p:cTn id="5" presetID="10" presetClass="entr" presetSubtype="0" fill="hold" grpId="0" nodeType="clickEffect">
+                                  <p:stCondLst>
+                                    <p:cond delay="0"/>
+                                  </p:stCondLst>
+                                  <p:childTnLst>
+                                    <p:set>
+                                      <p:cBhvr>
+                                        <p:cTn id="6" dur="1" fill="hold">
+                                          <p:stCondLst>
+                                            <p:cond delay="0"/>
+                                          </p:stCondLst>
+                                        </p:cTn>
+                                        <p:tgtEl>
+                                          <p:spTgt spid="3">
+                                            <p:txEl>
+                                              <p:pRg st="0" end="0"/>
+                                            </p:txEl>
+                                          </p:spTgt>
+                                        </p:tgtEl>
+                                        <p:attrNameLst>
+                                          <p:attrName>style.visibility</p:attrName>
+                                        </p:attrNameLst>
+                                      </p:cBhvr>
+                                      <p:to>
+                                        <p:strVal val="visible"/>
+                                      </p:to>
+                                    </p:set>
+                                    <p:animEffect transition="in" filter="fade">
+                                      <p:cBhvr>
+                                        <p:cTn id="7" dur="500"/>
+                                        <p:tgtEl>
+                                          <p:spTgt spid="3">
+                                            <p:txEl>
+                                              <p:pRg st="0" end="0"/>
+                                            </p:txEl>
+                                          </p:spTgt>
+                                        </p:tgtEl>
+                                      </p:cBhvr>
+                                    </p:animEffect>
+                                  </p:childTnLst>
+                                </p:cTn>
+                              </p:par>
+                            </p:childTnLst>
+                          </p:cTn>
+                        </p:par>
+                      </p:childTnLst>
+                    </p:cTn>
+                  </p:par>
+                  <p:par>
+                    <p:cTn id="8" fill="hold">
+                      <p:stCondLst>
+                        <p:cond delay="indefinite"/>
+                      </p:stCondLst>
+                      <p:childTnLst>
+                        <p:par>
+                          <p:cTn id="9" fill="hold">
+                            <p:stCondLst>
+                              <p:cond delay="0"/>
+                            </p:stCondLst>
+                            <p:childTnLst>
+                              <p:par>
+                                <p:cTn id="10" presetID="10" presetClass="entr" presetSubtype="0" fill="hold" grpId="0" nodeType="clickEffect">
+                                  <p:stCondLst>
+                                    <p:cond delay="0"/>
+                                  </p:stCondLst>
+                                  <p:childTnLst>
+                                    <p:set>
+                                      <p:cBhvr>
+                                        <p:cTn id="11" dur="1" fill="hold">
+                                          <p:stCondLst>
+                                            <p:cond delay="0"/>
+                                          </p:stCondLst>
+                                        </p:cTn>
+                                        <p:tgtEl>
+                                          <p:spTgt spid="3">
+                                            <p:txEl>
+                                              <p:pRg st="1" end="1"/>
+                                            </p:txEl>
+                                          </p:spTgt>
+                                        </p:tgtEl>
+                                        <p:attrNameLst>
+                                          <p:attrName>style.visibility</p:attrName>
+                                        </p:attrNameLst>
+                                      </p:cBhvr>
+                                      <p:to>
+                                        <p:strVal val="visible"/>
+                                      </p:to>
+                                    </p:set>
+                                    <p:animEffect transition="in" filter="fade">
+                                      <p:cBhvr>
+                                        <p:cTn id="12" dur="500"/>
+                                        <p:tgtEl>
+                                          <p:spTgt spid="3">
+                                            <p:txEl>
+                                              <p:pRg st="1" end="1"/>
+                                            </p:txEl>
+                                          </p:spTgt>
+                                        </p:tgtEl>
+                                      </p:cBhvr>
+                                    </p:animEffect>
+                                  </p:childTnLst>
+                                </p:cTn>
+                              </p:par>
+                            </p:childTnLst>
+                          </p:cTn>
+                        </p:par>
+                      </p:childTnLst>
+                    </p:cTn>
+                  </p:par>
+                  <p:par>
+                    <p:cTn id="13" fill="hold">
+                      <p:stCondLst>
+                        <p:cond delay="indefinite"/>
+                      </p:stCondLst>
+                      <p:childTnLst>
+                        <p:par>
+                          <p:cTn id="14" fill="hold">
+                            <p:stCondLst>
+                              <p:cond delay="0"/>
+                            </p:stCondLst>
+                            <p:childTnLst>
+                              <p:par>
+                                <p:cTn id="15" presetID="10" presetClass="entr" presetSubtype="0" fill="hold" grpId="0" nodeType="clickEffect">
+                                  <p:stCondLst>
+                                    <p:cond delay="0"/>
+                                  </p:stCondLst>
+                                  <p:childTnLst>
+                                    <p:set>
+                                      <p:cBhvr>
+                                        <p:cTn id="16" dur="1" fill="hold">
+                                          <p:stCondLst>
+                                            <p:cond delay="0"/>
+                                          </p:stCondLst>
+                                        </p:cTn>
+                                        <p:tgtEl>
+                                          <p:spTgt spid="3">
+                                            <p:txEl>
+                                              <p:pRg st="2" end="2"/>
+                                            </p:txEl>
+                                          </p:spTgt>
+                                        </p:tgtEl>
+                                        <p:attrNameLst>
+                                          <p:attrName>style.visibility</p:attrName>
+                                        </p:attrNameLst>
+                                      </p:cBhvr>
+                                      <p:to>
+                                        <p:strVal val="visible"/>
+                                      </p:to>
+                                    </p:set>
+                                    <p:animEffect transition="in" filter="fade">
+                                      <p:cBhvr>
+                                        <p:cTn id="17" dur="500"/>
+                                        <p:tgtEl>
+                                          <p:spTgt spid="3">
+                                            <p:txEl>
+                                              <p:pRg st="2" end="2"/>
+                                            </p:txEl>
+                                          </p:spTgt>
+                                        </p:tgtEl>
+                                      </p:cBhvr>
+                                    </p:animEffect>
+                                  </p:childTnLst>
+                                </p:cTn>
+                              </p:par>
+                            </p:childTnLst>
+                          </p:cTn>
+                        </p:par>
+                      </p:childTnLst>
+                    </p:cTn>
+                  </p:par>
+                  <p:par>
+                    <p:cTn id="18" fill="hold">
+                      <p:stCondLst>
+                        <p:cond delay="indefinite"/>
+                      </p:stCondLst>
+                      <p:childTnLst>
+                        <p:par>
+                          <p:cTn id="19" fill="hold">
+                            <p:stCondLst>
+                              <p:cond delay="0"/>
+                            </p:stCondLst>
+                            <p:childTnLst>
+                              <p:par>
+                                <p:cTn id="20" presetID="10" presetClass="entr" presetSubtype="0" fill="hold" grpId="0" nodeType="clickEffect">
+                                  <p:stCondLst>
+                                    <p:cond delay="0"/>
+                                  </p:stCondLst>
+                                  <p:childTnLst>
+                                    <p:set>
+                                      <p:cBhvr>
+                                        <p:cTn id="21" dur="1" fill="hold">
+                                          <p:stCondLst>
+                                            <p:cond delay="0"/>
+                                          </p:stCondLst>
+                                        </p:cTn>
+                                        <p:tgtEl>
+                                          <p:spTgt spid="3">
+                                            <p:txEl>
+                                              <p:pRg st="3" end="3"/>
+                                            </p:txEl>
+                                          </p:spTgt>
+                                        </p:tgtEl>
+                                        <p:attrNameLst>
+                                          <p:attrName>style.visibility</p:attrName>
+                                        </p:attrNameLst>
+                                      </p:cBhvr>
+                                      <p:to>
+                                        <p:strVal val="visible"/>
+                                      </p:to>
+                                    </p:set>
+                                    <p:animEffect transition="in" filter="fade">
+                                      <p:cBhvr>
+                                        <p:cTn id="22" dur="500"/>
+                                        <p:tgtEl>
+                                          <p:spTgt spid="3">
+                                            <p:txEl>
+                                              <p:pRg st="3" end="3"/>
+                                            </p:txEl>
+                                          </p:spTgt>
+                                        </p:tgtEl>
+                                      </p:cBhvr>
+                                    </p:animEffect>
+                                  </p:childTnLst>
+                                </p:cTn>
+                              </p:par>
+                            </p:childTnLst>
+                          </p:cTn>
+                        </p:par>
+                      </p:childTnLst>
+                    </p:cTn>
+                  </p:par>
+                  <p:par>
+                    <p:cTn id="23" fill="hold">
+                      <p:stCondLst>
+                        <p:cond delay="indefinite"/>
+                      </p:stCondLst>
+                      <p:childTnLst>
+                        <p:par>
+                          <p:cTn id="24" fill="hold">
+                            <p:stCondLst>
+                              <p:cond delay="0"/>
+                            </p:stCondLst>
+                            <p:childTnLst>
+                              <p:par>
+                                <p:cTn id="25" presetID="10" presetClass="entr" presetSubtype="0" fill="hold" grpId="0" nodeType="clickEffect">
+                                  <p:stCondLst>
+                                    <p:cond delay="0"/>
+                                  </p:stCondLst>
+                                  <p:childTnLst>
+                                    <p:set>
+                                      <p:cBhvr>
+                                        <p:cTn id="26" dur="1" fill="hold">
+                                          <p:stCondLst>
+                                            <p:cond delay="0"/>
+                                          </p:stCondLst>
+                                        </p:cTn>
+                                        <p:tgtEl>
+                                          <p:spTgt spid="3">
+                                            <p:txEl>
+                                              <p:pRg st="4" end="4"/>
+                                            </p:txEl>
+                                          </p:spTgt>
+                                        </p:tgtEl>
+                                        <p:attrNameLst>
+                                          <p:attrName>style.visibility</p:attrName>
+                                        </p:attrNameLst>
+                                      </p:cBhvr>
+                                      <p:to>
+                                        <p:strVal val="visible"/>
+                                      </p:to>
+                                    </p:set>
+                                    <p:animEffect transition="in" filter="fade">
+                                      <p:cBhvr>
+                                        <p:cTn id="27" dur="500"/>
+                                        <p:tgtEl>
+                                          <p:spTgt spid="3">
+                                            <p:txEl>
+                                              <p:pRg st="4" end="4"/>
+                                            </p:txEl>
+                                          </p:spTgt>
+                                        </p:tgtEl>
+                                      </p:cBhvr>
+                                    </p:animEffect>
+                                  </p:childTnLst>
+                                </p:cTn>
+                              </p:par>
+                            </p:childTnLst>
+                          </p:cTn>
+                        </p:par>
+                      </p:childTnLst>
+                    </p:cTn>
+                  </p:par>
+                  <p:par>
+                    <p:cTn id="28" fill="hold">
+                      <p:stCondLst>
+                        <p:cond delay="indefinite"/>
+                      </p:stCondLst>
+                      <p:childTnLst>
+                        <p:par>
+                          <p:cTn id="29" fill="hold">
+                            <p:stCondLst>
+                              <p:cond delay="0"/>
+                            </p:stCondLst>
+                            <p:childTnLst>
+                              <p:par>
+                                <p:cTn id="30" presetID="10" presetClass="entr" presetSubtype="0" fill="hold" grpId="0" nodeType="clickEffect">
+                                  <p:stCondLst>
+                                    <p:cond delay="0"/>
+                                  </p:stCondLst>
+                                  <p:childTnLst>
+                                    <p:set>
+                                      <p:cBhvr>
+                                        <p:cTn id="31" dur="1" fill="hold">
+                                          <p:stCondLst>
+                                            <p:cond delay="0"/>
+                                          </p:stCondLst>
+                                        </p:cTn>
+                                        <p:tgtEl>
+                                          <p:spTgt spid="3">
+                                            <p:txEl>
+                                              <p:pRg st="5" end="5"/>
+                                            </p:txEl>
+                                          </p:spTgt>
+                                        </p:tgtEl>
+                                        <p:attrNameLst>
+                                          <p:attrName>style.visibility</p:attrName>
+                                        </p:attrNameLst>
+                                      </p:cBhvr>
+                                      <p:to>
+                                        <p:strVal val="visible"/>
+                                      </p:to>
+                                    </p:set>
+                                    <p:animEffect transition="in" filter="fade">
+                                      <p:cBhvr>
+                                        <p:cTn id="32" dur="500"/>
+                                        <p:tgtEl>
+                                          <p:spTgt spid="3">
+                                            <p:txEl>
+                                              <p:pRg st="5" end="5"/>
+                                            </p:txEl>
+                                          </p:spTgt>
+                                        </p:tgtEl>
+                                      </p:cBhvr>
+                                    </p:animEffect>
+                                  </p:childTnLst>
+                                </p:cTn>
+                              </p:par>
+                            </p:childTnLst>
+                          </p:cTn>
+                        </p:par>
+                      </p:childTnLst>
+                    </p:cTn>
+                  </p:par>
+                  <p:par>
+                    <p:cTn id="33" fill="hold">
+                      <p:stCondLst>
+                        <p:cond delay="indefinite"/>
+                      </p:stCondLst>
+                      <p:childTnLst>
+                        <p:par>
+                          <p:cTn id="34" fill="hold">
+                            <p:stCondLst>
+                              <p:cond delay="0"/>
+                            </p:stCondLst>
+                            <p:childTnLst>
+                              <p:par>
+                                <p:cTn id="35" presetID="10" presetClass="entr" presetSubtype="0" fill="hold" grpId="0" nodeType="clickEffect">
+                                  <p:stCondLst>
+                                    <p:cond delay="0"/>
+                                  </p:stCondLst>
+                                  <p:childTnLst>
+                                    <p:set>
+                                      <p:cBhvr>
+                                        <p:cTn id="36" dur="1" fill="hold">
+                                          <p:stCondLst>
+                                            <p:cond delay="0"/>
+                                          </p:stCondLst>
+                                        </p:cTn>
+                                        <p:tgtEl>
+                                          <p:spTgt spid="3">
+                                            <p:txEl>
+                                              <p:pRg st="6" end="6"/>
+                                            </p:txEl>
+                                          </p:spTgt>
+                                        </p:tgtEl>
+                                        <p:attrNameLst>
+                                          <p:attrName>style.visibility</p:attrName>
+                                        </p:attrNameLst>
+                                      </p:cBhvr>
+                                      <p:to>
+                                        <p:strVal val="visible"/>
+                                      </p:to>
+                                    </p:set>
+                                    <p:animEffect transition="in" filter="fade">
+                                      <p:cBhvr>
+                                        <p:cTn id="37" dur="500"/>
+                                        <p:tgtEl>
+                                          <p:spTgt spid="3">
+                                            <p:txEl>
+                                              <p:pRg st="6" end="6"/>
+                                            </p:txEl>
+                                          </p:spTgt>
+                                        </p:tgtEl>
+                                      </p:cBhvr>
+                                    </p:animEffect>
+                                  </p:childTnLst>
+                                </p:cTn>
+                              </p:par>
+                            </p:childTnLst>
+                          </p:cTn>
+                        </p:par>
+                      </p:childTnLst>
+                    </p:cTn>
+                  </p:par>
+                  <p:par>
+                    <p:cTn id="38" fill="hold">
+                      <p:stCondLst>
+                        <p:cond delay="indefinite"/>
+                      </p:stCondLst>
+                      <p:childTnLst>
+                        <p:par>
+                          <p:cTn id="39" fill="hold">
+                            <p:stCondLst>
+                              <p:cond delay="0"/>
+                            </p:stCondLst>
+                            <p:childTnLst>
+                              <p:par>
+                                <p:cTn id="40" presetID="10" presetClass="entr" presetSubtype="0" fill="hold" grpId="0" nodeType="clickEffect">
+                                  <p:stCondLst>
+                                    <p:cond delay="0"/>
+                                  </p:stCondLst>
+                                  <p:childTnLst>
+                                    <p:set>
+                                      <p:cBhvr>
+                                        <p:cTn id="41" dur="1" fill="hold">
+                                          <p:stCondLst>
+                                            <p:cond delay="0"/>
+                                          </p:stCondLst>
+                                        </p:cTn>
+                                        <p:tgtEl>
+                                          <p:spTgt spid="3">
+                                            <p:txEl>
+                                              <p:pRg st="7" end="7"/>
+                                            </p:txEl>
+                                          </p:spTgt>
+                                        </p:tgtEl>
+                                        <p:attrNameLst>
+                                          <p:attrName>style.visibility</p:attrName>
+                                        </p:attrNameLst>
+                                      </p:cBhvr>
+                                      <p:to>
+                                        <p:strVal val="visible"/>
+                                      </p:to>
+                                    </p:set>
+                                    <p:animEffect transition="in" filter="fade">
+                                      <p:cBhvr>
+                                        <p:cTn id="42" dur="500"/>
+                                        <p:tgtEl>
+                                          <p:spTgt spid="3">
+                                            <p:txEl>
+                                              <p:pRg st="7" end="7"/>
+                                            </p:txEl>
+                                          </p:spTgt>
+                                        </p:tgtEl>
+                                      </p:cBhvr>
+                                    </p:animEffect>
+                                  </p:childTnLst>
+                                </p:cTn>
+                              </p:par>
+                            </p:childTnLst>
+                          </p:cTn>
+                        </p:par>
+                      </p:childTnLst>
+                    </p:cTn>
+                  </p:par>
+                  <p:par>
+                    <p:cTn id="43" fill="hold">
+                      <p:stCondLst>
+                        <p:cond delay="indefinite"/>
+                      </p:stCondLst>
+                      <p:childTnLst>
+                        <p:par>
+                          <p:cTn id="44" fill="hold">
+                            <p:stCondLst>
+                              <p:cond delay="0"/>
+                            </p:stCondLst>
+                            <p:childTnLst>
+                              <p:par>
+                                <p:cTn id="45" presetID="10" presetClass="entr" presetSubtype="0" fill="hold" grpId="0" nodeType="clickEffect">
+                                  <p:stCondLst>
+                                    <p:cond delay="0"/>
+                                  </p:stCondLst>
+                                  <p:childTnLst>
+                                    <p:set>
+                                      <p:cBhvr>
+                                        <p:cTn id="46" dur="1" fill="hold">
+                                          <p:stCondLst>
+                                            <p:cond delay="0"/>
+                                          </p:stCondLst>
+                                        </p:cTn>
+                                        <p:tgtEl>
+                                          <p:spTgt spid="3">
+                                            <p:txEl>
+                                              <p:pRg st="8" end="8"/>
+                                            </p:txEl>
+                                          </p:spTgt>
+                                        </p:tgtEl>
+                                        <p:attrNameLst>
+                                          <p:attrName>style.visibility</p:attrName>
+                                        </p:attrNameLst>
+                                      </p:cBhvr>
+                                      <p:to>
+                                        <p:strVal val="visible"/>
+                                      </p:to>
+                                    </p:set>
+                                    <p:animEffect transition="in" filter="fade">
+                                      <p:cBhvr>
+                                        <p:cTn id="47" dur="500"/>
+                                        <p:tgtEl>
+                                          <p:spTgt spid="3">
+                                            <p:txEl>
+                                              <p:pRg st="8" end="8"/>
+                                            </p:txEl>
+                                          </p:spTgt>
+                                        </p:tgtEl>
+                                      </p:cBhvr>
+                                    </p:animEffect>
+                                  </p:childTnLst>
+                                </p:cTn>
+                              </p:par>
+                            </p:childTnLst>
+                          </p:cTn>
+                        </p:par>
+                      </p:childTnLst>
+                    </p:cTn>
+                  </p:par>
+                  <p:par>
+                    <p:cTn id="48" fill="hold">
+                      <p:stCondLst>
+                        <p:cond delay="indefinite"/>
+                      </p:stCondLst>
+                      <p:childTnLst>
+                        <p:par>
+                          <p:cTn id="49" fill="hold">
+                            <p:stCondLst>
+                              <p:cond delay="0"/>
+                            </p:stCondLst>
+                            <p:childTnLst>
+                              <p:par>
+                                <p:cTn id="50" presetID="10" presetClass="entr" presetSubtype="0" fill="hold" grpId="0" nodeType="clickEffect">
+                                  <p:stCondLst>
+                                    <p:cond delay="0"/>
+                                  </p:stCondLst>
+                                  <p:childTnLst>
+                                    <p:set>
+                                      <p:cBhvr>
+                                        <p:cTn id="51" dur="1" fill="hold">
+                                          <p:stCondLst>
+                                            <p:cond delay="0"/>
+                                          </p:stCondLst>
+                                        </p:cTn>
+                                        <p:tgtEl>
+                                          <p:spTgt spid="3">
+                                            <p:txEl>
+                                              <p:pRg st="9" end="9"/>
+                                            </p:txEl>
+                                          </p:spTgt>
+                                        </p:tgtEl>
+                                        <p:attrNameLst>
+                                          <p:attrName>style.visibility</p:attrName>
+                                        </p:attrNameLst>
+                                      </p:cBhvr>
+                                      <p:to>
+                                        <p:strVal val="visible"/>
+                                      </p:to>
+                                    </p:set>
+                                    <p:animEffect transition="in" filter="fade">
+                                      <p:cBhvr>
+                                        <p:cTn id="52" dur="500"/>
+                                        <p:tgtEl>
+                                          <p:spTgt spid="3">
+                                            <p:txEl>
+                                              <p:pRg st="9" end="9"/>
+                                            </p:txEl>
+                                          </p:spTgt>
+                                        </p:tgtEl>
+                                      </p:cBhvr>
+                                    </p:animEffect>
+                                  </p:childTnLst>
+                                </p:cTn>
+                              </p:par>
+                            </p:childTnLst>
+                          </p:cTn>
+                        </p:par>
+                      </p:childTnLst>
+                    </p:cTn>
+                  </p:par>
+                  <p:par>
+                    <p:cTn id="53" fill="hold">
+                      <p:stCondLst>
+                        <p:cond delay="indefinite"/>
+                      </p:stCondLst>
+                      <p:childTnLst>
+                        <p:par>
+                          <p:cTn id="54" fill="hold">
+                            <p:stCondLst>
+                              <p:cond delay="0"/>
+                            </p:stCondLst>
+                            <p:childTnLst>
+                              <p:par>
+                                <p:cTn id="55" presetID="10" presetClass="entr" presetSubtype="0" fill="hold" grpId="0" nodeType="clickEffect">
+                                  <p:stCondLst>
+                                    <p:cond delay="0"/>
+                                  </p:stCondLst>
+                                  <p:childTnLst>
+                                    <p:set>
+                                      <p:cBhvr>
+                                        <p:cTn id="56" dur="1" fill="hold">
+                                          <p:stCondLst>
+                                            <p:cond delay="0"/>
+                                          </p:stCondLst>
+                                        </p:cTn>
+                                        <p:tgtEl>
+                                          <p:spTgt spid="3">
+                                            <p:txEl>
+                                              <p:pRg st="10" end="10"/>
+                                            </p:txEl>
+                                          </p:spTgt>
+                                        </p:tgtEl>
+                                        <p:attrNameLst>
+                                          <p:attrName>style.visibility</p:attrName>
+                                        </p:attrNameLst>
+                                      </p:cBhvr>
+                                      <p:to>
+                                        <p:strVal val="visible"/>
+                                      </p:to>
+                                    </p:set>
+                                    <p:animEffect transition="in" filter="fade">
+                                      <p:cBhvr>
+                                        <p:cTn id="57" dur="500"/>
+                                        <p:tgtEl>
+                                          <p:spTgt spid="3">
+                                            <p:txEl>
+                                              <p:pRg st="10" end="10"/>
+                                            </p:txEl>
+                                          </p:spTgt>
+                                        </p:tgtEl>
+                                      </p:cBhvr>
+                                    </p:animEffect>
+                                  </p:childTnLst>
+                                </p:cTn>
+                              </p:par>
+                            </p:childTnLst>
+                          </p:cTn>
+                        </p:par>
+                      </p:childTnLst>
+                    </p:cTn>
+                  </p:par>
+                  <p:par>
+                    <p:cTn id="58" fill="hold">
+                      <p:stCondLst>
+                        <p:cond delay="indefinite"/>
+                      </p:stCondLst>
+                      <p:childTnLst>
+                        <p:par>
+                          <p:cTn id="59" fill="hold">
+                            <p:stCondLst>
+                              <p:cond delay="0"/>
+                            </p:stCondLst>
+                            <p:childTnLst>
+                              <p:par>
+                                <p:cTn id="60" presetID="10" presetClass="entr" presetSubtype="0" fill="hold" grpId="0" nodeType="clickEffect">
+                                  <p:stCondLst>
+                                    <p:cond delay="0"/>
+                                  </p:stCondLst>
+                                  <p:childTnLst>
+                                    <p:set>
+                                      <p:cBhvr>
+                                        <p:cTn id="61" dur="1" fill="hold">
+                                          <p:stCondLst>
+                                            <p:cond delay="0"/>
+                                          </p:stCondLst>
+                                        </p:cTn>
+                                        <p:tgtEl>
+                                          <p:spTgt spid="3">
+                                            <p:txEl>
+                                              <p:pRg st="11" end="11"/>
+                                            </p:txEl>
+                                          </p:spTgt>
+                                        </p:tgtEl>
+                                        <p:attrNameLst>
+                                          <p:attrName>style.visibility</p:attrName>
+                                        </p:attrNameLst>
+                                      </p:cBhvr>
+                                      <p:to>
+                                        <p:strVal val="visible"/>
+                                      </p:to>
+                                    </p:set>
+                                    <p:animEffect transition="in" filter="fade">
+                                      <p:cBhvr>
+                                        <p:cTn id="62" dur="500"/>
+                                        <p:tgtEl>
+                                          <p:spTgt spid="3">
+                                            <p:txEl>
+                                              <p:pRg st="11" end="11"/>
+                                            </p:txEl>
+                                          </p:spTgt>
+                                        </p:tgtEl>
+                                      </p:cBhvr>
+                                    </p:animEffect>
+                                  </p:childTnLst>
+                                </p:cTn>
+                              </p:par>
+                            </p:childTnLst>
+                          </p:cTn>
+                        </p:par>
+                      </p:childTnLst>
+                    </p:cTn>
+                  </p:par>
+                </p:childTnLst>
+              </p:cTn>
+              <p:prevCondLst>
+                <p:cond evt="onPrev" delay="0">
+                  <p:tgtEl>
+                    <p:sldTgt/>
+                  </p:tgtEl>
+                </p:cond>
+              </p:prevCondLst>
+              <p:nextCondLst>
+                <p:cond evt="onNext" delay="0">
+                  <p:tgtEl>
+                    <p:sldTgt/>
+                  </p:tgtEl>
+                </p:cond>
+              </p:nextCondLst>
+            </p:seq>
+          </p:childTnLst>
+        </p:cTn>
+      </p:par>
+    </p:tnLst>
+    <p:bldLst>
+      <p:bldP spid="3" grpId="0" uiExpand="1" build="p"/>
+    </p:bldLst>
+  </p:timing>
+</p:sld>
+</file>
+
+<file path=ppt/slides/slide5.xml><?xml version="1.0" encoding="utf-8"?>
+<p:sld xmlns:a="http://schemas.openxmlformats.org/drawingml/2006/main" xmlns:r="http://schemas.openxmlformats.org/officeDocument/2006/relationships" xmlns:p="http://schemas.openxmlformats.org/presentationml/2006/main">
+  <p:cSld>
+    <p:spTree>
+      <p:nvGrpSpPr>
+        <p:cNvPr id="1" name=""/>
+        <p:cNvGrpSpPr/>
+        <p:nvPr/>
+      </p:nvGrpSpPr>
+      <p:grpSpPr>
+        <a:xfrm>
+          <a:off x="0" y="0"/>
+          <a:ext cx="0" cy="0"/>
+          <a:chOff x="0" y="0"/>
+          <a:chExt cx="0" cy="0"/>
+        </a:xfrm>
+      </p:grpSpPr>
+      <p:sp>
+        <p:nvSpPr>
+          <p:cNvPr id="2" name="Title 1">
+            <a:extLst>
+              <a:ext uri="{FF2B5EF4-FFF2-40B4-BE49-F238E27FC236}">
+                <a16:creationId xmlns:a16="http://schemas.microsoft.com/office/drawing/2014/main" id="{9FB1A9E8-96EB-4A4B-AEE9-AC419D1B1D4A}"/>
+              </a:ext>
+            </a:extLst>
+          </p:cNvPr>
+          <p:cNvSpPr>
+            <a:spLocks noGrp="1"/>
+          </p:cNvSpPr>
+          <p:nvPr>
+            <p:ph type="title"/>
+          </p:nvPr>
+        </p:nvSpPr>
+        <p:spPr>
+          <a:xfrm>
+            <a:off x="424722" y="62753"/>
+            <a:ext cx="11353210" cy="794204"/>
+          </a:xfrm>
+        </p:spPr>
+        <p:txBody>
+          <a:bodyPr/>
+          <a:lstStyle/>
+          <a:p>
+            <a:r>
+              <a:rPr lang="nl-BE" dirty="0"/>
+              <a:t>Traditionele project management methoden</a:t>
+            </a:r>
+          </a:p>
+        </p:txBody>
+      </p:sp>
+      <p:sp>
+        <p:nvSpPr>
+          <p:cNvPr id="3" name="Content Placeholder 2">
+            <a:extLst>
+              <a:ext uri="{FF2B5EF4-FFF2-40B4-BE49-F238E27FC236}">
+                <a16:creationId xmlns:a16="http://schemas.microsoft.com/office/drawing/2014/main" id="{E1ED7048-5B8A-43CB-8FDC-E9416135841C}"/>
+              </a:ext>
+            </a:extLst>
+          </p:cNvPr>
+          <p:cNvSpPr>
+            <a:spLocks noGrp="1"/>
+          </p:cNvSpPr>
+          <p:nvPr>
+            <p:ph idx="1"/>
+          </p:nvPr>
+        </p:nvSpPr>
+        <p:spPr>
+          <a:xfrm>
+            <a:off x="414067" y="1104900"/>
+            <a:ext cx="11363865" cy="5520187"/>
+          </a:xfrm>
+        </p:spPr>
+        <p:txBody>
+          <a:bodyPr>
+            <a:normAutofit/>
+          </a:bodyPr>
+          <a:lstStyle/>
+          <a:p>
+            <a:r>
+              <a:rPr lang="nl-BE" dirty="0"/>
+              <a:t>Op voorhand wordt heel het project dus gepland en ingeschat. </a:t>
+            </a:r>
+          </a:p>
+          <a:p>
+            <a:r>
+              <a:rPr lang="nl-BE" dirty="0"/>
+              <a:t>Aan de hand van die inschatting wordt dan een </a:t>
+            </a:r>
+            <a:r>
+              <a:rPr lang="nl-BE" dirty="0" err="1"/>
+              <a:t>roadmap</a:t>
+            </a:r>
+            <a:r>
+              <a:rPr lang="nl-BE" dirty="0"/>
+              <a:t> gemaakt waarin staat wie en wanneer bepaalde taken gaat opnemen en wanneer die verwacht worden om klaar te zijn. </a:t>
+            </a:r>
+          </a:p>
+        </p:txBody>
+      </p:sp>
+      <p:pic>
+        <p:nvPicPr>
+          <p:cNvPr id="5" name="Picture 4">
+            <a:extLst>
+              <a:ext uri="{FF2B5EF4-FFF2-40B4-BE49-F238E27FC236}">
+                <a16:creationId xmlns:a16="http://schemas.microsoft.com/office/drawing/2014/main" id="{24C5CFFA-ED84-2770-D194-391828FE55C6}"/>
+              </a:ext>
+            </a:extLst>
+          </p:cNvPr>
+          <p:cNvPicPr>
+            <a:picLocks noChangeAspect="1"/>
+          </p:cNvPicPr>
+          <p:nvPr/>
+        </p:nvPicPr>
+        <p:blipFill>
+          <a:blip r:embed="rId2"/>
+          <a:stretch>
+            <a:fillRect/>
+          </a:stretch>
+        </p:blipFill>
+        <p:spPr>
+          <a:xfrm>
+            <a:off x="2382359" y="3057525"/>
+            <a:ext cx="7368881" cy="3467100"/>
+          </a:xfrm>
+          <a:prstGeom prst="rect">
+            <a:avLst/>
+          </a:prstGeom>
+        </p:spPr>
+      </p:pic>
+    </p:spTree>
+    <p:extLst>
+      <p:ext uri="{BB962C8B-B14F-4D97-AF65-F5344CB8AC3E}">
+        <p14:creationId xmlns:p14="http://schemas.microsoft.com/office/powerpoint/2010/main" val="3099550978"/>
+      </p:ext>
+    </p:extLst>
+  </p:cSld>
+  <p:clrMapOvr>
+    <a:masterClrMapping/>
+  </p:clrMapOvr>
+  <p:timing>
+    <p:tnLst>
+      <p:par>
+        <p:cTn id="1" dur="indefinite" restart="never" nodeType="tmRoot">
+          <p:childTnLst>
+            <p:seq concurrent="1" nextAc="seek">
+              <p:cTn id="2" dur="indefinite" nodeType="mainSeq">
+                <p:childTnLst>
+                  <p:par>
+                    <p:cTn id="3" fill="hold">
+                      <p:stCondLst>
+                        <p:cond delay="indefinite"/>
+                      </p:stCondLst>
+                      <p:childTnLst>
+                        <p:par>
+                          <p:cTn id="4" fill="hold">
+                            <p:stCondLst>
+                              <p:cond delay="0"/>
+                            </p:stCondLst>
+                            <p:childTnLst>
+                              <p:par>
+                                <p:cTn id="5" presetID="10" presetClass="entr" presetSubtype="0" fill="hold" grpId="0" nodeType="clickEffect">
+                                  <p:stCondLst>
+                                    <p:cond delay="0"/>
+                                  </p:stCondLst>
+                                  <p:childTnLst>
+                                    <p:set>
+                                      <p:cBhvr>
+                                        <p:cTn id="6" dur="1" fill="hold">
+                                          <p:stCondLst>
+                                            <p:cond delay="0"/>
+                                          </p:stCondLst>
+                                        </p:cTn>
+                                        <p:tgtEl>
+                                          <p:spTgt spid="3">
+                                            <p:txEl>
+                                              <p:pRg st="0" end="0"/>
+                                            </p:txEl>
+                                          </p:spTgt>
+                                        </p:tgtEl>
+                                        <p:attrNameLst>
+                                          <p:attrName>style.visibility</p:attrName>
+                                        </p:attrNameLst>
+                                      </p:cBhvr>
+                                      <p:to>
+                                        <p:strVal val="visible"/>
+                                      </p:to>
+                                    </p:set>
+                                    <p:animEffect transition="in" filter="fade">
+                                      <p:cBhvr>
+                                        <p:cTn id="7" dur="500"/>
+                                        <p:tgtEl>
+                                          <p:spTgt spid="3">
+                                            <p:txEl>
+                                              <p:pRg st="0" end="0"/>
+                                            </p:txEl>
+                                          </p:spTgt>
+                                        </p:tgtEl>
+                                      </p:cBhvr>
+                                    </p:animEffect>
+                                  </p:childTnLst>
+                                </p:cTn>
+                              </p:par>
+                            </p:childTnLst>
+                          </p:cTn>
+                        </p:par>
+                      </p:childTnLst>
+                    </p:cTn>
+                  </p:par>
+                  <p:par>
+                    <p:cTn id="8" fill="hold">
+                      <p:stCondLst>
+                        <p:cond delay="indefinite"/>
+                      </p:stCondLst>
+                      <p:childTnLst>
+                        <p:par>
+                          <p:cTn id="9" fill="hold">
+                            <p:stCondLst>
+                              <p:cond delay="0"/>
+                            </p:stCondLst>
+                            <p:childTnLst>
+                              <p:par>
+                                <p:cTn id="10" presetID="10" presetClass="entr" presetSubtype="0" fill="hold" grpId="0" nodeType="clickEffect">
+                                  <p:stCondLst>
+                                    <p:cond delay="0"/>
+                                  </p:stCondLst>
+                                  <p:childTnLst>
+                                    <p:set>
+                                      <p:cBhvr>
+                                        <p:cTn id="11" dur="1" fill="hold">
+                                          <p:stCondLst>
+                                            <p:cond delay="0"/>
+                                          </p:stCondLst>
+                                        </p:cTn>
+                                        <p:tgtEl>
+                                          <p:spTgt spid="3">
+                                            <p:txEl>
+                                              <p:pRg st="1" end="1"/>
+                                            </p:txEl>
+                                          </p:spTgt>
+                                        </p:tgtEl>
+                                        <p:attrNameLst>
+                                          <p:attrName>style.visibility</p:attrName>
+                                        </p:attrNameLst>
+                                      </p:cBhvr>
+                                      <p:to>
+                                        <p:strVal val="visible"/>
+                                      </p:to>
+                                    </p:set>
+                                    <p:animEffect transition="in" filter="fade">
+                                      <p:cBhvr>
+                                        <p:cTn id="12" dur="500"/>
+                                        <p:tgtEl>
+                                          <p:spTgt spid="3">
+                                            <p:txEl>
+                                              <p:pRg st="1" end="1"/>
+                                            </p:txEl>
+                                          </p:spTgt>
+                                        </p:tgtEl>
+                                      </p:cBhvr>
+                                    </p:animEffect>
+                                  </p:childTnLst>
+                                </p:cTn>
+                              </p:par>
+                            </p:childTnLst>
+                          </p:cTn>
+                        </p:par>
+                      </p:childTnLst>
+                    </p:cTn>
+                  </p:par>
+                </p:childTnLst>
+              </p:cTn>
+              <p:prevCondLst>
+                <p:cond evt="onPrev" delay="0">
+                  <p:tgtEl>
+                    <p:sldTgt/>
+                  </p:tgtEl>
+                </p:cond>
+              </p:prevCondLst>
+              <p:nextCondLst>
+                <p:cond evt="onNext" delay="0">
+                  <p:tgtEl>
+                    <p:sldTgt/>
+                  </p:tgtEl>
+                </p:cond>
+              </p:nextCondLst>
+            </p:seq>
+          </p:childTnLst>
+        </p:cTn>
+      </p:par>
+    </p:tnLst>
+    <p:bldLst>
+      <p:bldP spid="3" grpId="0" build="p"/>
+    </p:bldLst>
+  </p:timing>
+</p:sld>
+</file>
+
+<file path=ppt/slides/slide6.xml><?xml version="1.0" encoding="utf-8"?>
+<p:sld xmlns:a="http://schemas.openxmlformats.org/drawingml/2006/main" xmlns:r="http://schemas.openxmlformats.org/officeDocument/2006/relationships" xmlns:p="http://schemas.openxmlformats.org/presentationml/2006/main">
+  <p:cSld>
+    <p:spTree>
+      <p:nvGrpSpPr>
+        <p:cNvPr id="1" name=""/>
+        <p:cNvGrpSpPr/>
+        <p:nvPr/>
+      </p:nvGrpSpPr>
+      <p:grpSpPr>
+        <a:xfrm>
+          <a:off x="0" y="0"/>
+          <a:ext cx="0" cy="0"/>
+          <a:chOff x="0" y="0"/>
+          <a:chExt cx="0" cy="0"/>
+        </a:xfrm>
+      </p:grpSpPr>
+      <p:sp>
+        <p:nvSpPr>
+          <p:cNvPr id="2" name="Title 1">
+            <a:extLst>
+              <a:ext uri="{FF2B5EF4-FFF2-40B4-BE49-F238E27FC236}">
+                <a16:creationId xmlns:a16="http://schemas.microsoft.com/office/drawing/2014/main" id="{9FB1A9E8-96EB-4A4B-AEE9-AC419D1B1D4A}"/>
+              </a:ext>
+            </a:extLst>
+          </p:cNvPr>
+          <p:cNvSpPr>
+            <a:spLocks noGrp="1"/>
+          </p:cNvSpPr>
+          <p:nvPr>
+            <p:ph type="title"/>
+          </p:nvPr>
+        </p:nvSpPr>
+        <p:spPr>
+          <a:xfrm>
+            <a:off x="424722" y="62753"/>
+            <a:ext cx="11353210" cy="794204"/>
+          </a:xfrm>
+        </p:spPr>
+        <p:txBody>
+          <a:bodyPr/>
+          <a:lstStyle/>
+          <a:p>
+            <a:r>
+              <a:rPr lang="nl-BE" dirty="0"/>
+              <a:t>Traditionele project management methoden</a:t>
+            </a:r>
+          </a:p>
+        </p:txBody>
+      </p:sp>
+      <p:sp>
+        <p:nvSpPr>
+          <p:cNvPr id="3" name="Content Placeholder 2">
+            <a:extLst>
+              <a:ext uri="{FF2B5EF4-FFF2-40B4-BE49-F238E27FC236}">
+                <a16:creationId xmlns:a16="http://schemas.microsoft.com/office/drawing/2014/main" id="{E1ED7048-5B8A-43CB-8FDC-E9416135841C}"/>
+              </a:ext>
+            </a:extLst>
+          </p:cNvPr>
+          <p:cNvSpPr>
+            <a:spLocks noGrp="1"/>
+          </p:cNvSpPr>
+          <p:nvPr>
+            <p:ph idx="1"/>
+          </p:nvPr>
+        </p:nvSpPr>
+        <p:spPr>
+          <a:xfrm>
+            <a:off x="414067" y="1104900"/>
+            <a:ext cx="11363865" cy="5520187"/>
+          </a:xfrm>
+        </p:spPr>
+        <p:txBody>
+          <a:bodyPr>
+            <a:normAutofit/>
+          </a:bodyPr>
+          <a:lstStyle/>
+          <a:p>
+            <a:r>
+              <a:rPr lang="nl-BE" dirty="0"/>
+              <a:t>Het gebruik van de Waterfall methode biedt enkele grote voordelen:</a:t>
+            </a:r>
+          </a:p>
+          <a:p>
+            <a:pPr lvl="1"/>
+            <a:r>
+              <a:rPr lang="nl-NL" b="1" dirty="0"/>
+              <a:t>Duidelijkheid en Structuur</a:t>
+            </a:r>
+            <a:r>
+              <a:rPr lang="nl-NL" dirty="0"/>
+              <a:t>: </a:t>
+            </a:r>
+          </a:p>
+          <a:p>
+            <a:pPr marL="914400" lvl="2" indent="0">
+              <a:buNone/>
+            </a:pPr>
+            <a:r>
+              <a:rPr lang="nl-NL" sz="2400" dirty="0"/>
+              <a:t>De Watervalmethode biedt een duidelijke structuur en planning voor het gehele project.</a:t>
+            </a:r>
+          </a:p>
+          <a:p>
+            <a:pPr lvl="1"/>
+            <a:r>
+              <a:rPr lang="nl-NL" b="1" dirty="0"/>
+              <a:t>Goede Documentatie</a:t>
+            </a:r>
+            <a:r>
+              <a:rPr lang="nl-NL" dirty="0"/>
+              <a:t>: </a:t>
+            </a:r>
+          </a:p>
+          <a:p>
+            <a:pPr marL="914400" lvl="2" indent="0">
+              <a:buNone/>
+            </a:pPr>
+            <a:r>
+              <a:rPr lang="nl-NL" sz="2400" dirty="0"/>
+              <a:t>Elk aspect van het project wordt gedocumenteerd, wat nuttig is voor toekomstige referentie.</a:t>
+            </a:r>
+          </a:p>
+          <a:p>
+            <a:r>
+              <a:rPr lang="nl-BE" dirty="0"/>
+              <a:t>De Waterfall methode biedt dus een duidelijke structuur en een goed overzicht over het project dat moet ondernomen worden. Of dit nu gaat om software ontwikkeling of hardware ontwikkeling. </a:t>
+            </a:r>
+          </a:p>
+          <a:p>
+            <a:pPr lvl="1"/>
+            <a:r>
+              <a:rPr lang="nl-BE" dirty="0"/>
+              <a:t>Het is duidelijk en biedt een volledige overzicht van het werk dat verricht moet worden.</a:t>
+            </a:r>
+          </a:p>
+          <a:p>
+            <a:pPr lvl="1"/>
+            <a:r>
+              <a:rPr lang="nl-BE" dirty="0"/>
+              <a:t>Het maakt het makkelijk om budgetten en resources te plannen.</a:t>
+            </a:r>
+          </a:p>
+        </p:txBody>
+      </p:sp>
+    </p:spTree>
+    <p:extLst>
+      <p:ext uri="{BB962C8B-B14F-4D97-AF65-F5344CB8AC3E}">
+        <p14:creationId xmlns:p14="http://schemas.microsoft.com/office/powerpoint/2010/main" val="3044704821"/>
+      </p:ext>
+    </p:extLst>
+  </p:cSld>
+  <p:clrMapOvr>
+    <a:masterClrMapping/>
+  </p:clrMapOvr>
+  <p:timing>
+    <p:tnLst>
+      <p:par>
+        <p:cTn id="1" dur="indefinite" restart="never" nodeType="tmRoot">
+          <p:childTnLst>
+            <p:seq concurrent="1" nextAc="seek">
+              <p:cTn id="2" dur="indefinite" nodeType="mainSeq">
+                <p:childTnLst>
+                  <p:par>
+                    <p:cTn id="3" fill="hold">
+                      <p:stCondLst>
+                        <p:cond delay="indefinite"/>
+                      </p:stCondLst>
+                      <p:childTnLst>
+                        <p:par>
+                          <p:cTn id="4" fill="hold">
+                            <p:stCondLst>
+                              <p:cond delay="0"/>
+                            </p:stCondLst>
+                            <p:childTnLst>
+                              <p:par>
+                                <p:cTn id="5" presetID="10" presetClass="entr" presetSubtype="0" fill="hold" grpId="0" nodeType="clickEffect">
+                                  <p:stCondLst>
+                                    <p:cond delay="0"/>
+                                  </p:stCondLst>
+                                  <p:childTnLst>
+                                    <p:set>
+                                      <p:cBhvr>
+                                        <p:cTn id="6" dur="1" fill="hold">
+                                          <p:stCondLst>
+                                            <p:cond delay="0"/>
+                                          </p:stCondLst>
+                                        </p:cTn>
+                                        <p:tgtEl>
+                                          <p:spTgt spid="3">
+                                            <p:txEl>
+                                              <p:pRg st="0" end="0"/>
+                                            </p:txEl>
+                                          </p:spTgt>
+                                        </p:tgtEl>
+                                        <p:attrNameLst>
+                                          <p:attrName>style.visibility</p:attrName>
+                                        </p:attrNameLst>
+                                      </p:cBhvr>
+                                      <p:to>
+                                        <p:strVal val="visible"/>
+                                      </p:to>
+                                    </p:set>
+                                    <p:animEffect transition="in" filter="fade">
+                                      <p:cBhvr>
+                                        <p:cTn id="7" dur="500"/>
+                                        <p:tgtEl>
+                                          <p:spTgt spid="3">
+                                            <p:txEl>
+                                              <p:pRg st="0" end="0"/>
+                                            </p:txEl>
+                                          </p:spTgt>
+                                        </p:tgtEl>
+                                      </p:cBhvr>
+                                    </p:animEffect>
+                                  </p:childTnLst>
+                                </p:cTn>
+                              </p:par>
+                              <p:par>
+                                <p:cTn id="8" presetID="10" presetClass="entr" presetSubtype="0" fill="hold" grpId="0" nodeType="withEffect">
+                                  <p:stCondLst>
+                                    <p:cond delay="0"/>
+                                  </p:stCondLst>
+                                  <p:childTnLst>
+                                    <p:set>
+                                      <p:cBhvr>
+                                        <p:cTn id="9" dur="1" fill="hold">
+                                          <p:stCondLst>
+                                            <p:cond delay="0"/>
+                                          </p:stCondLst>
+                                        </p:cTn>
+                                        <p:tgtEl>
+                                          <p:spTgt spid="3">
+                                            <p:txEl>
+                                              <p:pRg st="1" end="1"/>
+                                            </p:txEl>
+                                          </p:spTgt>
+                                        </p:tgtEl>
+                                        <p:attrNameLst>
+                                          <p:attrName>style.visibility</p:attrName>
+                                        </p:attrNameLst>
+                                      </p:cBhvr>
+                                      <p:to>
+                                        <p:strVal val="visible"/>
+                                      </p:to>
+                                    </p:set>
+                                    <p:animEffect transition="in" filter="fade">
+                                      <p:cBhvr>
+                                        <p:cTn id="10" dur="500"/>
+                                        <p:tgtEl>
+                                          <p:spTgt spid="3">
+                                            <p:txEl>
+                                              <p:pRg st="1" end="1"/>
+                                            </p:txEl>
+                                          </p:spTgt>
+                                        </p:tgtEl>
+                                      </p:cBhvr>
+                                    </p:animEffect>
+                                  </p:childTnLst>
+                                </p:cTn>
+                              </p:par>
+                              <p:par>
+                                <p:cTn id="11" presetID="10" presetClass="entr" presetSubtype="0" fill="hold" grpId="0" nodeType="withEffect">
+                                  <p:stCondLst>
+                                    <p:cond delay="0"/>
+                                  </p:stCondLst>
+                                  <p:childTnLst>
+                                    <p:set>
+                                      <p:cBhvr>
+                                        <p:cTn id="12" dur="1" fill="hold">
+                                          <p:stCondLst>
+                                            <p:cond delay="0"/>
+                                          </p:stCondLst>
+                                        </p:cTn>
+                                        <p:tgtEl>
+                                          <p:spTgt spid="3">
+                                            <p:txEl>
+                                              <p:pRg st="2" end="2"/>
+                                            </p:txEl>
+                                          </p:spTgt>
+                                        </p:tgtEl>
+                                        <p:attrNameLst>
+                                          <p:attrName>style.visibility</p:attrName>
+                                        </p:attrNameLst>
+                                      </p:cBhvr>
+                                      <p:to>
+                                        <p:strVal val="visible"/>
+                                      </p:to>
+                                    </p:set>
+                                    <p:animEffect transition="in" filter="fade">
+                                      <p:cBhvr>
+                                        <p:cTn id="13" dur="500"/>
+                                        <p:tgtEl>
+                                          <p:spTgt spid="3">
+                                            <p:txEl>
+                                              <p:pRg st="2" end="2"/>
+                                            </p:txEl>
+                                          </p:spTgt>
+                                        </p:tgtEl>
+                                      </p:cBhvr>
+                                    </p:animEffect>
+                                  </p:childTnLst>
+                                </p:cTn>
+                              </p:par>
+                              <p:par>
+                                <p:cTn id="14" presetID="10" presetClass="entr" presetSubtype="0" fill="hold" grpId="0" nodeType="withEffect">
+                                  <p:stCondLst>
+                                    <p:cond delay="0"/>
+                                  </p:stCondLst>
+                                  <p:childTnLst>
+                                    <p:set>
+                                      <p:cBhvr>
+                                        <p:cTn id="15" dur="1" fill="hold">
+                                          <p:stCondLst>
+                                            <p:cond delay="0"/>
+                                          </p:stCondLst>
+                                        </p:cTn>
+                                        <p:tgtEl>
+                                          <p:spTgt spid="3">
+                                            <p:txEl>
+                                              <p:pRg st="3" end="3"/>
+                                            </p:txEl>
+                                          </p:spTgt>
+                                        </p:tgtEl>
+                                        <p:attrNameLst>
+                                          <p:attrName>style.visibility</p:attrName>
+                                        </p:attrNameLst>
+                                      </p:cBhvr>
+                                      <p:to>
+                                        <p:strVal val="visible"/>
+                                      </p:to>
+                                    </p:set>
+                                    <p:animEffect transition="in" filter="fade">
+                                      <p:cBhvr>
+                                        <p:cTn id="16" dur="500"/>
+                                        <p:tgtEl>
+                                          <p:spTgt spid="3">
+                                            <p:txEl>
+                                              <p:pRg st="3" end="3"/>
+                                            </p:txEl>
+                                          </p:spTgt>
+                                        </p:tgtEl>
+                                      </p:cBhvr>
+                                    </p:animEffect>
+                                  </p:childTnLst>
+                                </p:cTn>
+                              </p:par>
+                              <p:par>
+                                <p:cTn id="17" presetID="10" presetClass="entr" presetSubtype="0" fill="hold" grpId="0" nodeType="withEffect">
+                                  <p:stCondLst>
+                                    <p:cond delay="0"/>
+                                  </p:stCondLst>
+                                  <p:childTnLst>
+                                    <p:set>
+                                      <p:cBhvr>
+                                        <p:cTn id="18" dur="1" fill="hold">
+                                          <p:stCondLst>
+                                            <p:cond delay="0"/>
+                                          </p:stCondLst>
+                                        </p:cTn>
+                                        <p:tgtEl>
+                                          <p:spTgt spid="3">
+                                            <p:txEl>
+                                              <p:pRg st="4" end="4"/>
+                                            </p:txEl>
+                                          </p:spTgt>
+                                        </p:tgtEl>
+                                        <p:attrNameLst>
+                                          <p:attrName>style.visibility</p:attrName>
+                                        </p:attrNameLst>
+                                      </p:cBhvr>
+                                      <p:to>
+                                        <p:strVal val="visible"/>
+                                      </p:to>
+                                    </p:set>
+                                    <p:animEffect transition="in" filter="fade">
+                                      <p:cBhvr>
+                                        <p:cTn id="19" dur="500"/>
+                                        <p:tgtEl>
+                                          <p:spTgt spid="3">
+                                            <p:txEl>
+                                              <p:pRg st="4" end="4"/>
+                                            </p:txEl>
+                                          </p:spTgt>
+                                        </p:tgtEl>
+                                      </p:cBhvr>
+                                    </p:animEffect>
+                                  </p:childTnLst>
+                                </p:cTn>
+                              </p:par>
+                            </p:childTnLst>
+                          </p:cTn>
+                        </p:par>
+                      </p:childTnLst>
+                    </p:cTn>
+                  </p:par>
+                  <p:par>
+                    <p:cTn id="20" fill="hold">
+                      <p:stCondLst>
+                        <p:cond delay="indefinite"/>
+                      </p:stCondLst>
+                      <p:childTnLst>
+                        <p:par>
+                          <p:cTn id="21" fill="hold">
+                            <p:stCondLst>
+                              <p:cond delay="0"/>
+                            </p:stCondLst>
+                            <p:childTnLst>
+                              <p:par>
+                                <p:cTn id="22" presetID="10" presetClass="entr" presetSubtype="0" fill="hold" grpId="0" nodeType="clickEffect">
+                                  <p:stCondLst>
+                                    <p:cond delay="0"/>
+                                  </p:stCondLst>
+                                  <p:childTnLst>
+                                    <p:set>
+                                      <p:cBhvr>
+                                        <p:cTn id="23" dur="1" fill="hold">
+                                          <p:stCondLst>
+                                            <p:cond delay="0"/>
+                                          </p:stCondLst>
+                                        </p:cTn>
+                                        <p:tgtEl>
+                                          <p:spTgt spid="3">
+                                            <p:txEl>
+                                              <p:pRg st="5" end="5"/>
+                                            </p:txEl>
+                                          </p:spTgt>
+                                        </p:tgtEl>
+                                        <p:attrNameLst>
+                                          <p:attrName>style.visibility</p:attrName>
+                                        </p:attrNameLst>
+                                      </p:cBhvr>
+                                      <p:to>
+                                        <p:strVal val="visible"/>
+                                      </p:to>
+                                    </p:set>
+                                    <p:animEffect transition="in" filter="fade">
+                                      <p:cBhvr>
+                                        <p:cTn id="24" dur="500"/>
+                                        <p:tgtEl>
+                                          <p:spTgt spid="3">
+                                            <p:txEl>
+                                              <p:pRg st="5" end="5"/>
+                                            </p:txEl>
+                                          </p:spTgt>
+                                        </p:tgtEl>
+                                      </p:cBhvr>
+                                    </p:animEffect>
+                                  </p:childTnLst>
+                                </p:cTn>
+                              </p:par>
+                              <p:par>
+                                <p:cTn id="25" presetID="10" presetClass="entr" presetSubtype="0" fill="hold" grpId="0" nodeType="withEffect">
+                                  <p:stCondLst>
+                                    <p:cond delay="0"/>
+                                  </p:stCondLst>
+                                  <p:childTnLst>
+                                    <p:set>
+                                      <p:cBhvr>
+                                        <p:cTn id="26" dur="1" fill="hold">
+                                          <p:stCondLst>
+                                            <p:cond delay="0"/>
+                                          </p:stCondLst>
+                                        </p:cTn>
+                                        <p:tgtEl>
+                                          <p:spTgt spid="3">
+                                            <p:txEl>
+                                              <p:pRg st="6" end="6"/>
+                                            </p:txEl>
+                                          </p:spTgt>
+                                        </p:tgtEl>
+                                        <p:attrNameLst>
+                                          <p:attrName>style.visibility</p:attrName>
+                                        </p:attrNameLst>
+                                      </p:cBhvr>
+                                      <p:to>
+                                        <p:strVal val="visible"/>
+                                      </p:to>
+                                    </p:set>
+                                    <p:animEffect transition="in" filter="fade">
+                                      <p:cBhvr>
+                                        <p:cTn id="27" dur="500"/>
+                                        <p:tgtEl>
+                                          <p:spTgt spid="3">
+                                            <p:txEl>
+                                              <p:pRg st="6" end="6"/>
+                                            </p:txEl>
+                                          </p:spTgt>
+                                        </p:tgtEl>
+                                      </p:cBhvr>
+                                    </p:animEffect>
+                                  </p:childTnLst>
+                                </p:cTn>
+                              </p:par>
+                              <p:par>
+                                <p:cTn id="28" presetID="10" presetClass="entr" presetSubtype="0" fill="hold" grpId="0" nodeType="withEffect">
+                                  <p:stCondLst>
+                                    <p:cond delay="0"/>
+                                  </p:stCondLst>
+                                  <p:childTnLst>
+                                    <p:set>
+                                      <p:cBhvr>
+                                        <p:cTn id="29" dur="1" fill="hold">
+                                          <p:stCondLst>
+                                            <p:cond delay="0"/>
+                                          </p:stCondLst>
+                                        </p:cTn>
+                                        <p:tgtEl>
+                                          <p:spTgt spid="3">
+                                            <p:txEl>
+                                              <p:pRg st="7" end="7"/>
+                                            </p:txEl>
+                                          </p:spTgt>
+                                        </p:tgtEl>
+                                        <p:attrNameLst>
+                                          <p:attrName>style.visibility</p:attrName>
+                                        </p:attrNameLst>
+                                      </p:cBhvr>
+                                      <p:to>
+                                        <p:strVal val="visible"/>
+                                      </p:to>
+                                    </p:set>
+                                    <p:animEffect transition="in" filter="fade">
+                                      <p:cBhvr>
+                                        <p:cTn id="30" dur="500"/>
+                                        <p:tgtEl>
+                                          <p:spTgt spid="3">
+                                            <p:txEl>
+                                              <p:pRg st="7" end="7"/>
+                                            </p:txEl>
+                                          </p:spTgt>
+                                        </p:tgtEl>
+                                      </p:cBhvr>
+                                    </p:animEffect>
+                                  </p:childTnLst>
+                                </p:cTn>
+                              </p:par>
+                            </p:childTnLst>
+                          </p:cTn>
+                        </p:par>
+                      </p:childTnLst>
+                    </p:cTn>
+                  </p:par>
+                </p:childTnLst>
+              </p:cTn>
+              <p:prevCondLst>
+                <p:cond evt="onPrev" delay="0">
+                  <p:tgtEl>
+                    <p:sldTgt/>
+                  </p:tgtEl>
+                </p:cond>
+              </p:prevCondLst>
+              <p:nextCondLst>
+                <p:cond evt="onNext" delay="0">
+                  <p:tgtEl>
+                    <p:sldTgt/>
+                  </p:tgtEl>
+                </p:cond>
+              </p:nextCondLst>
+            </p:seq>
+          </p:childTnLst>
+        </p:cTn>
+      </p:par>
+    </p:tnLst>
+    <p:bldLst>
+      <p:bldP spid="3" grpId="0" build="p"/>
+    </p:bldLst>
+  </p:timing>
+</p:sld>
+</file>
+
+<file path=ppt/slides/slide7.xml><?xml version="1.0" encoding="utf-8"?>
+<p:sld xmlns:a="http://schemas.openxmlformats.org/drawingml/2006/main" xmlns:r="http://schemas.openxmlformats.org/officeDocument/2006/relationships" xmlns:p="http://schemas.openxmlformats.org/presentationml/2006/main">
+  <p:cSld>
+    <p:spTree>
+      <p:nvGrpSpPr>
+        <p:cNvPr id="1" name=""/>
+        <p:cNvGrpSpPr/>
+        <p:nvPr/>
+      </p:nvGrpSpPr>
+      <p:grpSpPr>
+        <a:xfrm>
+          <a:off x="0" y="0"/>
+          <a:ext cx="0" cy="0"/>
+          <a:chOff x="0" y="0"/>
+          <a:chExt cx="0" cy="0"/>
+        </a:xfrm>
+      </p:grpSpPr>
+      <p:sp>
+        <p:nvSpPr>
+          <p:cNvPr id="2" name="Title 1">
+            <a:extLst>
+              <a:ext uri="{FF2B5EF4-FFF2-40B4-BE49-F238E27FC236}">
+                <a16:creationId xmlns:a16="http://schemas.microsoft.com/office/drawing/2014/main" id="{9FB1A9E8-96EB-4A4B-AEE9-AC419D1B1D4A}"/>
+              </a:ext>
+            </a:extLst>
+          </p:cNvPr>
+          <p:cNvSpPr>
+            <a:spLocks noGrp="1"/>
+          </p:cNvSpPr>
+          <p:nvPr>
+            <p:ph type="title"/>
+          </p:nvPr>
+        </p:nvSpPr>
+        <p:spPr>
+          <a:xfrm>
+            <a:off x="424722" y="62753"/>
+            <a:ext cx="11353210" cy="794204"/>
+          </a:xfrm>
+        </p:spPr>
+        <p:txBody>
+          <a:bodyPr/>
+          <a:lstStyle/>
+          <a:p>
+            <a:r>
+              <a:rPr lang="nl-BE" dirty="0"/>
+              <a:t>Traditionele project management methoden</a:t>
+            </a:r>
+          </a:p>
+        </p:txBody>
+      </p:sp>
+      <p:sp>
+        <p:nvSpPr>
+          <p:cNvPr id="3" name="Content Placeholder 2">
+            <a:extLst>
+              <a:ext uri="{FF2B5EF4-FFF2-40B4-BE49-F238E27FC236}">
+                <a16:creationId xmlns:a16="http://schemas.microsoft.com/office/drawing/2014/main" id="{E1ED7048-5B8A-43CB-8FDC-E9416135841C}"/>
+              </a:ext>
+            </a:extLst>
+          </p:cNvPr>
+          <p:cNvSpPr>
+            <a:spLocks noGrp="1"/>
+          </p:cNvSpPr>
+          <p:nvPr>
+            <p:ph idx="1"/>
+          </p:nvPr>
+        </p:nvSpPr>
+        <p:spPr>
+          <a:xfrm>
+            <a:off x="414067" y="932329"/>
+            <a:ext cx="11437274" cy="5692759"/>
+          </a:xfrm>
+        </p:spPr>
+        <p:txBody>
+          <a:bodyPr>
+            <a:normAutofit lnSpcReduction="10000"/>
+          </a:bodyPr>
+          <a:lstStyle/>
+          <a:p>
+            <a:r>
+              <a:rPr lang="nl-BE" dirty="0"/>
+              <a:t>Maar net omdat we een volledige inschatting maken van het project, is de kans zeer groot dat deze inschattingen wel deels verkeerd kunnen zijn. Dit brengt ook de rest van de inschattingen in gedrang en kan er voor zogen dat heel het project zeer grote vertragingen oploopt. </a:t>
+            </a:r>
+          </a:p>
+          <a:p>
+            <a:r>
+              <a:rPr lang="nl-BE" dirty="0"/>
+              <a:t>Ook is er een grote kans bij complexe projecten dat we op onvoorziene problemen stoten of dat er fouten gemaakt worden in de </a:t>
+            </a:r>
+            <a:r>
+              <a:rPr lang="nl-BE" dirty="0" err="1"/>
+              <a:t>upfront</a:t>
+            </a:r>
+            <a:r>
+              <a:rPr lang="nl-BE" dirty="0"/>
+              <a:t> architectuur. In dit geval moet alles terug herbekeken worden en een volledig nieuwe planning opgesteld worden.</a:t>
+            </a:r>
+          </a:p>
+          <a:p>
+            <a:r>
+              <a:rPr lang="nl-BE" dirty="0"/>
+              <a:t>Maar een van de zwakste punten, zeker bij complexe ontwikkelingen, is het gebrek aan constante evaluatie en opmerkingen van de gebruikers. </a:t>
+            </a:r>
+          </a:p>
+          <a:p>
+            <a:pPr lvl="1"/>
+            <a:r>
+              <a:rPr lang="nl-BE" dirty="0"/>
+              <a:t>Bij het vergaren van de vereisten van het product worden belangrijke dingen soms vergeten, verkeerd uitgelegd of blijkt het initiële idee toch in de praktijk niet echt te werken. </a:t>
+            </a:r>
+          </a:p>
+          <a:p>
+            <a:pPr lvl="1"/>
+            <a:r>
+              <a:rPr lang="nl-BE" dirty="0"/>
+              <a:t>Pas nadat heel het product af is, wordt dit pas opgemerkt door de eigenlijke gebruikers. Dit is natuurlijk veel te laat om dit fundamenteel nog te veranderen, het product is natuurlijk reeds ontwikkeld. </a:t>
+            </a:r>
+          </a:p>
+        </p:txBody>
+      </p:sp>
+    </p:spTree>
+    <p:extLst>
+      <p:ext uri="{BB962C8B-B14F-4D97-AF65-F5344CB8AC3E}">
+        <p14:creationId xmlns:p14="http://schemas.microsoft.com/office/powerpoint/2010/main" val="3284069919"/>
+      </p:ext>
+    </p:extLst>
+  </p:cSld>
+  <p:clrMapOvr>
+    <a:masterClrMapping/>
+  </p:clrMapOvr>
+  <p:timing>
+    <p:tnLst>
+      <p:par>
+        <p:cTn id="1" dur="indefinite" restart="never" nodeType="tmRoot">
+          <p:childTnLst>
+            <p:seq concurrent="1" nextAc="seek">
+              <p:cTn id="2" dur="indefinite" nodeType="mainSeq">
+                <p:childTnLst>
+                  <p:par>
+                    <p:cTn id="3" fill="hold">
+                      <p:stCondLst>
+                        <p:cond delay="indefinite"/>
+                      </p:stCondLst>
+                      <p:childTnLst>
+                        <p:par>
+                          <p:cTn id="4" fill="hold">
+                            <p:stCondLst>
+                              <p:cond delay="0"/>
+                            </p:stCondLst>
+                            <p:childTnLst>
+                              <p:par>
+                                <p:cTn id="5" presetID="10" presetClass="entr" presetSubtype="0" fill="hold" grpId="0" nodeType="clickEffect">
+                                  <p:stCondLst>
+                                    <p:cond delay="0"/>
+                                  </p:stCondLst>
+                                  <p:childTnLst>
+                                    <p:set>
+                                      <p:cBhvr>
+                                        <p:cTn id="6" dur="1" fill="hold">
+                                          <p:stCondLst>
+                                            <p:cond delay="0"/>
+                                          </p:stCondLst>
+                                        </p:cTn>
+                                        <p:tgtEl>
+                                          <p:spTgt spid="3">
+                                            <p:txEl>
+                                              <p:pRg st="0" end="0"/>
+                                            </p:txEl>
+                                          </p:spTgt>
+                                        </p:tgtEl>
+                                        <p:attrNameLst>
+                                          <p:attrName>style.visibility</p:attrName>
+                                        </p:attrNameLst>
+                                      </p:cBhvr>
+                                      <p:to>
+                                        <p:strVal val="visible"/>
+                                      </p:to>
+                                    </p:set>
+                                    <p:animEffect transition="in" filter="fade">
+                                      <p:cBhvr>
+                                        <p:cTn id="7" dur="500"/>
+                                        <p:tgtEl>
+                                          <p:spTgt spid="3">
+                                            <p:txEl>
+                                              <p:pRg st="0" end="0"/>
+                                            </p:txEl>
+                                          </p:spTgt>
+                                        </p:tgtEl>
+                                      </p:cBhvr>
+                                    </p:animEffect>
+                                  </p:childTnLst>
+                                </p:cTn>
+                              </p:par>
+                            </p:childTnLst>
+                          </p:cTn>
+                        </p:par>
+                      </p:childTnLst>
+                    </p:cTn>
+                  </p:par>
+                  <p:par>
+                    <p:cTn id="8" fill="hold">
+                      <p:stCondLst>
+                        <p:cond delay="indefinite"/>
+                      </p:stCondLst>
+                      <p:childTnLst>
+                        <p:par>
+                          <p:cTn id="9" fill="hold">
+                            <p:stCondLst>
+                              <p:cond delay="0"/>
+                            </p:stCondLst>
+                            <p:childTnLst>
+                              <p:par>
+                                <p:cTn id="10" presetID="10" presetClass="entr" presetSubtype="0" fill="hold" grpId="0" nodeType="clickEffect">
+                                  <p:stCondLst>
+                                    <p:cond delay="0"/>
+                                  </p:stCondLst>
+                                  <p:childTnLst>
+                                    <p:set>
+                                      <p:cBhvr>
+                                        <p:cTn id="11" dur="1" fill="hold">
+                                          <p:stCondLst>
+                                            <p:cond delay="0"/>
+                                          </p:stCondLst>
+                                        </p:cTn>
+                                        <p:tgtEl>
+                                          <p:spTgt spid="3">
+                                            <p:txEl>
+                                              <p:pRg st="1" end="1"/>
+                                            </p:txEl>
+                                          </p:spTgt>
+                                        </p:tgtEl>
+                                        <p:attrNameLst>
+                                          <p:attrName>style.visibility</p:attrName>
+                                        </p:attrNameLst>
+                                      </p:cBhvr>
+                                      <p:to>
+                                        <p:strVal val="visible"/>
+                                      </p:to>
+                                    </p:set>
+                                    <p:animEffect transition="in" filter="fade">
+                                      <p:cBhvr>
+                                        <p:cTn id="12" dur="500"/>
+                                        <p:tgtEl>
+                                          <p:spTgt spid="3">
+                                            <p:txEl>
+                                              <p:pRg st="1" end="1"/>
+                                            </p:txEl>
+                                          </p:spTgt>
+                                        </p:tgtEl>
+                                      </p:cBhvr>
+                                    </p:animEffect>
+                                  </p:childTnLst>
+                                </p:cTn>
+                              </p:par>
+                            </p:childTnLst>
+                          </p:cTn>
+                        </p:par>
+                      </p:childTnLst>
+                    </p:cTn>
+                  </p:par>
+                  <p:par>
+                    <p:cTn id="13" fill="hold">
+                      <p:stCondLst>
+                        <p:cond delay="indefinite"/>
+                      </p:stCondLst>
+                      <p:childTnLst>
+                        <p:par>
+                          <p:cTn id="14" fill="hold">
+                            <p:stCondLst>
+                              <p:cond delay="0"/>
+                            </p:stCondLst>
+                            <p:childTnLst>
+                              <p:par>
+                                <p:cTn id="15" presetID="10" presetClass="entr" presetSubtype="0" fill="hold" grpId="0" nodeType="clickEffect">
+                                  <p:stCondLst>
+                                    <p:cond delay="0"/>
+                                  </p:stCondLst>
+                                  <p:childTnLst>
+                                    <p:set>
+                                      <p:cBhvr>
+                                        <p:cTn id="16" dur="1" fill="hold">
+                                          <p:stCondLst>
+                                            <p:cond delay="0"/>
+                                          </p:stCondLst>
+                                        </p:cTn>
+                                        <p:tgtEl>
+                                          <p:spTgt spid="3">
+                                            <p:txEl>
+                                              <p:pRg st="2" end="2"/>
+                                            </p:txEl>
+                                          </p:spTgt>
+                                        </p:tgtEl>
+                                        <p:attrNameLst>
+                                          <p:attrName>style.visibility</p:attrName>
+                                        </p:attrNameLst>
+                                      </p:cBhvr>
+                                      <p:to>
+                                        <p:strVal val="visible"/>
+                                      </p:to>
+                                    </p:set>
+                                    <p:animEffect transition="in" filter="fade">
+                                      <p:cBhvr>
+                                        <p:cTn id="17" dur="500"/>
+                                        <p:tgtEl>
+                                          <p:spTgt spid="3">
+                                            <p:txEl>
+                                              <p:pRg st="2" end="2"/>
+                                            </p:txEl>
+                                          </p:spTgt>
+                                        </p:tgtEl>
+                                      </p:cBhvr>
+                                    </p:animEffect>
+                                  </p:childTnLst>
+                                </p:cTn>
+                              </p:par>
+                              <p:par>
+                                <p:cTn id="18" presetID="10" presetClass="entr" presetSubtype="0" fill="hold" grpId="0" nodeType="withEffect">
+                                  <p:stCondLst>
+                                    <p:cond delay="0"/>
+                                  </p:stCondLst>
+                                  <p:childTnLst>
+                                    <p:set>
+                                      <p:cBhvr>
+                                        <p:cTn id="19" dur="1" fill="hold">
+                                          <p:stCondLst>
+                                            <p:cond delay="0"/>
+                                          </p:stCondLst>
+                                        </p:cTn>
+                                        <p:tgtEl>
+                                          <p:spTgt spid="3">
+                                            <p:txEl>
+                                              <p:pRg st="3" end="3"/>
+                                            </p:txEl>
+                                          </p:spTgt>
+                                        </p:tgtEl>
+                                        <p:attrNameLst>
+                                          <p:attrName>style.visibility</p:attrName>
+                                        </p:attrNameLst>
+                                      </p:cBhvr>
+                                      <p:to>
+                                        <p:strVal val="visible"/>
+                                      </p:to>
+                                    </p:set>
+                                    <p:animEffect transition="in" filter="fade">
+                                      <p:cBhvr>
+                                        <p:cTn id="20" dur="500"/>
+                                        <p:tgtEl>
+                                          <p:spTgt spid="3">
+                                            <p:txEl>
+                                              <p:pRg st="3" end="3"/>
+                                            </p:txEl>
+                                          </p:spTgt>
+                                        </p:tgtEl>
+                                      </p:cBhvr>
+                                    </p:animEffect>
+                                  </p:childTnLst>
+                                </p:cTn>
+                              </p:par>
+                              <p:par>
+                                <p:cTn id="21" presetID="10" presetClass="entr" presetSubtype="0" fill="hold" grpId="0" nodeType="withEffect">
+                                  <p:stCondLst>
+                                    <p:cond delay="0"/>
+                                  </p:stCondLst>
+                                  <p:childTnLst>
+                                    <p:set>
+                                      <p:cBhvr>
+                                        <p:cTn id="22" dur="1" fill="hold">
+                                          <p:stCondLst>
+                                            <p:cond delay="0"/>
+                                          </p:stCondLst>
+                                        </p:cTn>
+                                        <p:tgtEl>
+                                          <p:spTgt spid="3">
+                                            <p:txEl>
+                                              <p:pRg st="4" end="4"/>
+                                            </p:txEl>
+                                          </p:spTgt>
+                                        </p:tgtEl>
+                                        <p:attrNameLst>
+                                          <p:attrName>style.visibility</p:attrName>
+                                        </p:attrNameLst>
+                                      </p:cBhvr>
+                                      <p:to>
+                                        <p:strVal val="visible"/>
+                                      </p:to>
+                                    </p:set>
+                                    <p:animEffect transition="in" filter="fade">
+                                      <p:cBhvr>
+                                        <p:cTn id="23" dur="500"/>
+                                        <p:tgtEl>
+                                          <p:spTgt spid="3">
+                                            <p:txEl>
+                                              <p:pRg st="4" end="4"/>
+                                            </p:txEl>
+                                          </p:spTgt>
+                                        </p:tgtEl>
+                                      </p:cBhvr>
+                                    </p:animEffect>
+                                  </p:childTnLst>
+                                </p:cTn>
+                              </p:par>
+                            </p:childTnLst>
+                          </p:cTn>
+                        </p:par>
+                      </p:childTnLst>
+                    </p:cTn>
+                  </p:par>
+                </p:childTnLst>
+              </p:cTn>
+              <p:prevCondLst>
+                <p:cond evt="onPrev" delay="0">
+                  <p:tgtEl>
+                    <p:sldTgt/>
+                  </p:tgtEl>
+                </p:cond>
+              </p:prevCondLst>
+              <p:nextCondLst>
+                <p:cond evt="onNext" delay="0">
+                  <p:tgtEl>
+                    <p:sldTgt/>
+                  </p:tgtEl>
+                </p:cond>
+              </p:nextCondLst>
+            </p:seq>
+          </p:childTnLst>
+        </p:cTn>
+      </p:par>
+    </p:tnLst>
+    <p:bldLst>
+      <p:bldP spid="3" grpId="0" build="p"/>
+    </p:bldLst>
+  </p:timing>
+</p:sld>
+</file>
+
+<file path=ppt/slides/slide8.xml><?xml version="1.0" encoding="utf-8"?>
+<p:sld xmlns:a="http://schemas.openxmlformats.org/drawingml/2006/main" xmlns:r="http://schemas.openxmlformats.org/officeDocument/2006/relationships" xmlns:p="http://schemas.openxmlformats.org/presentationml/2006/main">
+  <p:cSld>
+    <p:spTree>
+      <p:nvGrpSpPr>
+        <p:cNvPr id="1" name=""/>
+        <p:cNvGrpSpPr/>
+        <p:nvPr/>
+      </p:nvGrpSpPr>
+      <p:grpSpPr>
+        <a:xfrm>
+          <a:off x="0" y="0"/>
+          <a:ext cx="0" cy="0"/>
+          <a:chOff x="0" y="0"/>
+          <a:chExt cx="0" cy="0"/>
+        </a:xfrm>
+      </p:grpSpPr>
+      <p:sp>
+        <p:nvSpPr>
+          <p:cNvPr id="2" name="Title 1">
+            <a:extLst>
+              <a:ext uri="{FF2B5EF4-FFF2-40B4-BE49-F238E27FC236}">
+                <a16:creationId xmlns:a16="http://schemas.microsoft.com/office/drawing/2014/main" id="{9FB1A9E8-96EB-4A4B-AEE9-AC419D1B1D4A}"/>
+              </a:ext>
+            </a:extLst>
+          </p:cNvPr>
+          <p:cNvSpPr>
+            <a:spLocks noGrp="1"/>
+          </p:cNvSpPr>
+          <p:nvPr>
+            <p:ph type="title"/>
+          </p:nvPr>
+        </p:nvSpPr>
+        <p:spPr>
+          <a:xfrm>
+            <a:off x="424722" y="62753"/>
+            <a:ext cx="11353210" cy="794204"/>
+          </a:xfrm>
+        </p:spPr>
+        <p:txBody>
+          <a:bodyPr/>
+          <a:lstStyle/>
+          <a:p>
+            <a:r>
+              <a:rPr lang="nl-BE" dirty="0"/>
+              <a:t>Traditionele project management methoden</a:t>
+            </a:r>
+          </a:p>
+        </p:txBody>
+      </p:sp>
+      <p:sp>
+        <p:nvSpPr>
+          <p:cNvPr id="3" name="Content Placeholder 2">
+            <a:extLst>
+              <a:ext uri="{FF2B5EF4-FFF2-40B4-BE49-F238E27FC236}">
+                <a16:creationId xmlns:a16="http://schemas.microsoft.com/office/drawing/2014/main" id="{E1ED7048-5B8A-43CB-8FDC-E9416135841C}"/>
+              </a:ext>
+            </a:extLst>
+          </p:cNvPr>
+          <p:cNvSpPr>
+            <a:spLocks noGrp="1"/>
+          </p:cNvSpPr>
+          <p:nvPr>
+            <p:ph idx="1"/>
+          </p:nvPr>
+        </p:nvSpPr>
+        <p:spPr>
+          <a:xfrm>
+            <a:off x="414067" y="1104900"/>
+            <a:ext cx="11363865" cy="5520187"/>
+          </a:xfrm>
+        </p:spPr>
+        <p:txBody>
+          <a:bodyPr>
+            <a:normAutofit/>
+          </a:bodyPr>
+          <a:lstStyle/>
+          <a:p>
+            <a:r>
+              <a:rPr lang="nl-BE" dirty="0"/>
+              <a:t>De Waterfall methode is dus vooral zeer handig wanneer:</a:t>
+            </a:r>
+          </a:p>
+          <a:p>
+            <a:pPr lvl="1"/>
+            <a:r>
+              <a:rPr lang="nl-BE" dirty="0"/>
+              <a:t>Voor producten met een zeer duidelijk afgelijnde vereisten waarin geen (of zeer weinig) verandering in verwacht wordt.</a:t>
+            </a:r>
+          </a:p>
+          <a:p>
+            <a:pPr lvl="1"/>
+            <a:r>
+              <a:rPr lang="nl-BE" dirty="0"/>
+              <a:t>De ontwikkel processen zeer duidelijk en gekend zijn, zodat deze ook goed kunnen ingeschat worden.</a:t>
+            </a:r>
+          </a:p>
+          <a:p>
+            <a:r>
+              <a:rPr lang="nl-BE" dirty="0"/>
+              <a:t>We gebruiken een Waterfall (of aanverwante) methode best niet wanneer:</a:t>
+            </a:r>
+          </a:p>
+          <a:p>
+            <a:pPr lvl="1"/>
+            <a:r>
+              <a:rPr lang="nl-BE" dirty="0"/>
+              <a:t>Het om een complex product gaat waarvan de vereisten niet vooraf zeer duidelijk gekend zijn en volledig afgelijnd zijn.</a:t>
+            </a:r>
+          </a:p>
+          <a:p>
+            <a:pPr lvl="1"/>
+            <a:r>
+              <a:rPr lang="nl-BE" dirty="0"/>
+              <a:t>Wanneer de ontwikkel processen nog proefondervindelijk moeten getoetst worden naar haalbaarheid en toepasbaarheid.</a:t>
+            </a:r>
+          </a:p>
+          <a:p>
+            <a:pPr lvl="1"/>
+            <a:r>
+              <a:rPr lang="nl-BE" dirty="0"/>
+              <a:t>Bij grote projecten waar de klant graag inspraak heeft over het verder verloop en progressief het product reeds kan gebruiken.</a:t>
+            </a:r>
+          </a:p>
+        </p:txBody>
+      </p:sp>
+    </p:spTree>
+    <p:extLst>
+      <p:ext uri="{BB962C8B-B14F-4D97-AF65-F5344CB8AC3E}">
+        <p14:creationId xmlns:p14="http://schemas.microsoft.com/office/powerpoint/2010/main" val="755164568"/>
+      </p:ext>
+    </p:extLst>
+  </p:cSld>
+  <p:clrMapOvr>
+    <a:masterClrMapping/>
+  </p:clrMapOvr>
+  <p:timing>
+    <p:tnLst>
+      <p:par>
+        <p:cTn id="1" dur="indefinite" restart="never" nodeType="tmRoot">
+          <p:childTnLst>
+            <p:seq concurrent="1" nextAc="seek">
+              <p:cTn id="2" dur="indefinite" nodeType="mainSeq">
+                <p:childTnLst>
+                  <p:par>
+                    <p:cTn id="3" fill="hold">
+                      <p:stCondLst>
+                        <p:cond delay="indefinite"/>
+                      </p:stCondLst>
+                      <p:childTnLst>
+                        <p:par>
+                          <p:cTn id="4" fill="hold">
+                            <p:stCondLst>
+                              <p:cond delay="0"/>
+                            </p:stCondLst>
+                            <p:childTnLst>
+                              <p:par>
+                                <p:cTn id="5" presetID="10" presetClass="entr" presetSubtype="0" fill="hold" grpId="0" nodeType="clickEffect">
+                                  <p:stCondLst>
+                                    <p:cond delay="0"/>
+                                  </p:stCondLst>
+                                  <p:childTnLst>
+                                    <p:set>
+                                      <p:cBhvr>
+                                        <p:cTn id="6" dur="1" fill="hold">
+                                          <p:stCondLst>
+                                            <p:cond delay="0"/>
+                                          </p:stCondLst>
+                                        </p:cTn>
+                                        <p:tgtEl>
+                                          <p:spTgt spid="3">
+                                            <p:txEl>
+                                              <p:pRg st="0" end="0"/>
+                                            </p:txEl>
+                                          </p:spTgt>
+                                        </p:tgtEl>
+                                        <p:attrNameLst>
+                                          <p:attrName>style.visibility</p:attrName>
+                                        </p:attrNameLst>
+                                      </p:cBhvr>
+                                      <p:to>
+                                        <p:strVal val="visible"/>
+                                      </p:to>
+                                    </p:set>
+                                    <p:animEffect transition="in" filter="fade">
+                                      <p:cBhvr>
+                                        <p:cTn id="7" dur="500"/>
+                                        <p:tgtEl>
+                                          <p:spTgt spid="3">
+                                            <p:txEl>
+                                              <p:pRg st="0" end="0"/>
+                                            </p:txEl>
+                                          </p:spTgt>
+                                        </p:tgtEl>
+                                      </p:cBhvr>
+                                    </p:animEffect>
+                                  </p:childTnLst>
+                                </p:cTn>
+                              </p:par>
+                              <p:par>
+                                <p:cTn id="8" presetID="10" presetClass="entr" presetSubtype="0" fill="hold" grpId="0" nodeType="withEffect">
+                                  <p:stCondLst>
+                                    <p:cond delay="0"/>
+                                  </p:stCondLst>
+                                  <p:childTnLst>
+                                    <p:set>
+                                      <p:cBhvr>
+                                        <p:cTn id="9" dur="1" fill="hold">
+                                          <p:stCondLst>
+                                            <p:cond delay="0"/>
+                                          </p:stCondLst>
+                                        </p:cTn>
+                                        <p:tgtEl>
+                                          <p:spTgt spid="3">
+                                            <p:txEl>
+                                              <p:pRg st="1" end="1"/>
+                                            </p:txEl>
+                                          </p:spTgt>
+                                        </p:tgtEl>
+                                        <p:attrNameLst>
+                                          <p:attrName>style.visibility</p:attrName>
+                                        </p:attrNameLst>
+                                      </p:cBhvr>
+                                      <p:to>
+                                        <p:strVal val="visible"/>
+                                      </p:to>
+                                    </p:set>
+                                    <p:animEffect transition="in" filter="fade">
+                                      <p:cBhvr>
+                                        <p:cTn id="10" dur="500"/>
+                                        <p:tgtEl>
+                                          <p:spTgt spid="3">
+                                            <p:txEl>
+                                              <p:pRg st="1" end="1"/>
+                                            </p:txEl>
+                                          </p:spTgt>
+                                        </p:tgtEl>
+                                      </p:cBhvr>
+                                    </p:animEffect>
+                                  </p:childTnLst>
+                                </p:cTn>
+                              </p:par>
+                              <p:par>
+                                <p:cTn id="11" presetID="10" presetClass="entr" presetSubtype="0" fill="hold" grpId="0" nodeType="withEffect">
+                                  <p:stCondLst>
+                                    <p:cond delay="0"/>
+                                  </p:stCondLst>
+                                  <p:childTnLst>
+                                    <p:set>
+                                      <p:cBhvr>
+                                        <p:cTn id="12" dur="1" fill="hold">
+                                          <p:stCondLst>
+                                            <p:cond delay="0"/>
+                                          </p:stCondLst>
+                                        </p:cTn>
+                                        <p:tgtEl>
+                                          <p:spTgt spid="3">
+                                            <p:txEl>
+                                              <p:pRg st="2" end="2"/>
+                                            </p:txEl>
+                                          </p:spTgt>
+                                        </p:tgtEl>
+                                        <p:attrNameLst>
+                                          <p:attrName>style.visibility</p:attrName>
+                                        </p:attrNameLst>
+                                      </p:cBhvr>
+                                      <p:to>
+                                        <p:strVal val="visible"/>
+                                      </p:to>
+                                    </p:set>
+                                    <p:animEffect transition="in" filter="fade">
+                                      <p:cBhvr>
+                                        <p:cTn id="13" dur="500"/>
+                                        <p:tgtEl>
+                                          <p:spTgt spid="3">
+                                            <p:txEl>
+                                              <p:pRg st="2" end="2"/>
+                                            </p:txEl>
+                                          </p:spTgt>
+                                        </p:tgtEl>
+                                      </p:cBhvr>
+                                    </p:animEffect>
+                                  </p:childTnLst>
+                                </p:cTn>
+                              </p:par>
+                            </p:childTnLst>
+                          </p:cTn>
+                        </p:par>
+                      </p:childTnLst>
+                    </p:cTn>
+                  </p:par>
+                  <p:par>
+                    <p:cTn id="14" fill="hold">
+                      <p:stCondLst>
+                        <p:cond delay="indefinite"/>
+                      </p:stCondLst>
+                      <p:childTnLst>
+                        <p:par>
+                          <p:cTn id="15" fill="hold">
+                            <p:stCondLst>
+                              <p:cond delay="0"/>
+                            </p:stCondLst>
+                            <p:childTnLst>
+                              <p:par>
+                                <p:cTn id="16" presetID="10" presetClass="entr" presetSubtype="0" fill="hold" grpId="0" nodeType="clickEffect">
+                                  <p:stCondLst>
+                                    <p:cond delay="0"/>
+                                  </p:stCondLst>
+                                  <p:childTnLst>
+                                    <p:set>
+                                      <p:cBhvr>
+                                        <p:cTn id="17" dur="1" fill="hold">
+                                          <p:stCondLst>
+                                            <p:cond delay="0"/>
+                                          </p:stCondLst>
+                                        </p:cTn>
+                                        <p:tgtEl>
+                                          <p:spTgt spid="3">
+                                            <p:txEl>
+                                              <p:pRg st="3" end="3"/>
+                                            </p:txEl>
+                                          </p:spTgt>
+                                        </p:tgtEl>
+                                        <p:attrNameLst>
+                                          <p:attrName>style.visibility</p:attrName>
+                                        </p:attrNameLst>
+                                      </p:cBhvr>
+                                      <p:to>
+                                        <p:strVal val="visible"/>
+                                      </p:to>
+                                    </p:set>
+                                    <p:animEffect transition="in" filter="fade">
+                                      <p:cBhvr>
+                                        <p:cTn id="18" dur="500"/>
+                                        <p:tgtEl>
+                                          <p:spTgt spid="3">
+                                            <p:txEl>
+                                              <p:pRg st="3" end="3"/>
+                                            </p:txEl>
+                                          </p:spTgt>
+                                        </p:tgtEl>
+                                      </p:cBhvr>
+                                    </p:animEffect>
+                                  </p:childTnLst>
+                                </p:cTn>
+                              </p:par>
+                              <p:par>
+                                <p:cTn id="19" presetID="10" presetClass="entr" presetSubtype="0" fill="hold" grpId="0" nodeType="withEffect">
+                                  <p:stCondLst>
+                                    <p:cond delay="0"/>
+                                  </p:stCondLst>
+                                  <p:childTnLst>
+                                    <p:set>
+                                      <p:cBhvr>
+                                        <p:cTn id="20" dur="1" fill="hold">
+                                          <p:stCondLst>
+                                            <p:cond delay="0"/>
+                                          </p:stCondLst>
+                                        </p:cTn>
+                                        <p:tgtEl>
+                                          <p:spTgt spid="3">
+                                            <p:txEl>
+                                              <p:pRg st="4" end="4"/>
+                                            </p:txEl>
+                                          </p:spTgt>
+                                        </p:tgtEl>
+                                        <p:attrNameLst>
+                                          <p:attrName>style.visibility</p:attrName>
+                                        </p:attrNameLst>
+                                      </p:cBhvr>
+                                      <p:to>
+                                        <p:strVal val="visible"/>
+                                      </p:to>
+                                    </p:set>
+                                    <p:animEffect transition="in" filter="fade">
+                                      <p:cBhvr>
+                                        <p:cTn id="21" dur="500"/>
+                                        <p:tgtEl>
+                                          <p:spTgt spid="3">
+                                            <p:txEl>
+                                              <p:pRg st="4" end="4"/>
+                                            </p:txEl>
+                                          </p:spTgt>
+                                        </p:tgtEl>
+                                      </p:cBhvr>
+                                    </p:animEffect>
+                                  </p:childTnLst>
+                                </p:cTn>
+                              </p:par>
+                              <p:par>
+                                <p:cTn id="22" presetID="10" presetClass="entr" presetSubtype="0" fill="hold" grpId="0" nodeType="withEffect">
+                                  <p:stCondLst>
+                                    <p:cond delay="0"/>
+                                  </p:stCondLst>
+                                  <p:childTnLst>
+                                    <p:set>
+                                      <p:cBhvr>
+                                        <p:cTn id="23" dur="1" fill="hold">
+                                          <p:stCondLst>
+                                            <p:cond delay="0"/>
+                                          </p:stCondLst>
+                                        </p:cTn>
+                                        <p:tgtEl>
+                                          <p:spTgt spid="3">
+                                            <p:txEl>
+                                              <p:pRg st="5" end="5"/>
+                                            </p:txEl>
+                                          </p:spTgt>
+                                        </p:tgtEl>
+                                        <p:attrNameLst>
+                                          <p:attrName>style.visibility</p:attrName>
+                                        </p:attrNameLst>
+                                      </p:cBhvr>
+                                      <p:to>
+                                        <p:strVal val="visible"/>
+                                      </p:to>
+                                    </p:set>
+                                    <p:animEffect transition="in" filter="fade">
+                                      <p:cBhvr>
+                                        <p:cTn id="24" dur="500"/>
+                                        <p:tgtEl>
+                                          <p:spTgt spid="3">
+                                            <p:txEl>
+                                              <p:pRg st="5" end="5"/>
+                                            </p:txEl>
+                                          </p:spTgt>
+                                        </p:tgtEl>
+                                      </p:cBhvr>
+                                    </p:animEffect>
+                                  </p:childTnLst>
+                                </p:cTn>
+                              </p:par>
+                              <p:par>
+                                <p:cTn id="25" presetID="10" presetClass="entr" presetSubtype="0" fill="hold" grpId="0" nodeType="withEffect">
+                                  <p:stCondLst>
+                                    <p:cond delay="0"/>
+                                  </p:stCondLst>
+                                  <p:childTnLst>
+                                    <p:set>
+                                      <p:cBhvr>
+                                        <p:cTn id="26" dur="1" fill="hold">
+                                          <p:stCondLst>
+                                            <p:cond delay="0"/>
+                                          </p:stCondLst>
+                                        </p:cTn>
+                                        <p:tgtEl>
+                                          <p:spTgt spid="3">
+                                            <p:txEl>
+                                              <p:pRg st="6" end="6"/>
+                                            </p:txEl>
+                                          </p:spTgt>
+                                        </p:tgtEl>
+                                        <p:attrNameLst>
+                                          <p:attrName>style.visibility</p:attrName>
+                                        </p:attrNameLst>
+                                      </p:cBhvr>
+                                      <p:to>
+                                        <p:strVal val="visible"/>
+                                      </p:to>
+                                    </p:set>
+                                    <p:animEffect transition="in" filter="fade">
+                                      <p:cBhvr>
+                                        <p:cTn id="27" dur="500"/>
+                                        <p:tgtEl>
+                                          <p:spTgt spid="3">
+                                            <p:txEl>
+                                              <p:pRg st="6" end="6"/>
+                                            </p:txEl>
+                                          </p:spTgt>
+                                        </p:tgtEl>
+                                      </p:cBhvr>
+                                    </p:animEffect>
+                                  </p:childTnLst>
+                                </p:cTn>
+                              </p:par>
+                            </p:childTnLst>
+                          </p:cTn>
+                        </p:par>
+                      </p:childTnLst>
+                    </p:cTn>
+                  </p:par>
+                </p:childTnLst>
+              </p:cTn>
+              <p:prevCondLst>
+                <p:cond evt="onPrev" delay="0">
+                  <p:tgtEl>
+                    <p:sldTgt/>
+                  </p:tgtEl>
+                </p:cond>
+              </p:prevCondLst>
+              <p:nextCondLst>
+                <p:cond evt="onNext" delay="0">
+                  <p:tgtEl>
+                    <p:sldTgt/>
+                  </p:tgtEl>
+                </p:cond>
+              </p:nextCondLst>
+            </p:seq>
+          </p:childTnLst>
+        </p:cTn>
+      </p:par>
+    </p:tnLst>
+    <p:bldLst>
+      <p:bldP spid="3" grpId="0" build="p"/>
+    </p:bldLst>
+  </p:timing>
+</p:sld>
+</file>
+
+<file path=ppt/slides/slide9.xml><?xml version="1.0" encoding="utf-8"?>
+<p:sld xmlns:a="http://schemas.openxmlformats.org/drawingml/2006/main" xmlns:r="http://schemas.openxmlformats.org/officeDocument/2006/relationships" xmlns:p="http://schemas.openxmlformats.org/presentationml/2006/main">
+  <p:cSld>
+    <p:bg>
+      <p:bgPr>
+        <a:solidFill>
+          <a:schemeClr val="bg1"/>
+        </a:solidFill>
+        <a:effectLst/>
+      </p:bgPr>
+    </p:bg>
+    <p:spTree>
+      <p:nvGrpSpPr>
+        <p:cNvPr id="1" name=""/>
+        <p:cNvGrpSpPr/>
+        <p:nvPr/>
+      </p:nvGrpSpPr>
+      <p:grpSpPr>
+        <a:xfrm>
+          <a:off x="0" y="0"/>
+          <a:ext cx="0" cy="0"/>
+          <a:chOff x="0" y="0"/>
+          <a:chExt cx="0" cy="0"/>
+        </a:xfrm>
+      </p:grpSpPr>
+      <p:sp useBgFill="1">
+        <p:nvSpPr>
+          <p:cNvPr id="23" name="Rectangle 22">
+            <a:extLst>
+              <a:ext uri="{FF2B5EF4-FFF2-40B4-BE49-F238E27FC236}">
+                <a16:creationId xmlns:a16="http://schemas.microsoft.com/office/drawing/2014/main" id="{0671A8AE-40A1-4631-A6B8-581AFF065482}"/>
+              </a:ext>
+              <a:ext uri="{C183D7F6-B498-43B3-948B-1728B52AA6E4}">
+                <adec:decorative xmlns:adec="http://schemas.microsoft.com/office/drawing/2017/decorative" val="1"/>
+              </a:ext>
+            </a:extLst>
+          </p:cNvPr>
+          <p:cNvSpPr>
+            <a:spLocks noGrp="1" noRot="1" noChangeAspect="1" noMove="1" noResize="1" noEditPoints="1" noAdjustHandles="1" noChangeArrowheads="1" noChangeShapeType="1" noTextEdit="1"/>
+          </p:cNvSpPr>
+          <p:nvPr>
+            <p:extLst>
+              <p:ext uri="{386F3935-93C4-4BCD-93E2-E3B085C9AB24}">
+                <p16:designElem xmlns:p16="http://schemas.microsoft.com/office/powerpoint/2015/main" val="1"/>
+              </p:ext>
+            </p:extLst>
+          </p:nvPr>
+        </p:nvSpPr>
+        <p:spPr>
+          <a:xfrm>
+            <a:off x="0" y="0"/>
+            <a:ext cx="12192000" cy="6858000"/>
+          </a:xfrm>
+          <a:prstGeom prst="rect">
+            <a:avLst/>
+          </a:prstGeom>
+          <a:ln>
+            <a:noFill/>
+          </a:ln>
+        </p:spPr>
+        <p:style>
+          <a:lnRef idx="2">
+            <a:schemeClr val="accent1">
+              <a:shade val="50000"/>
+            </a:schemeClr>
+          </a:lnRef>
+          <a:fillRef idx="1">
+            <a:schemeClr val="accent1"/>
+          </a:fillRef>
+          <a:effectRef idx="0">
+            <a:schemeClr val="accent1"/>
+          </a:effectRef>
+          <a:fontRef idx="minor">
+            <a:schemeClr val="lt1"/>
+          </a:fontRef>
+        </p:style>
+        <p:txBody>
+          <a:bodyPr rtlCol="0" anchor="ctr"/>
+          <a:lstStyle/>
+          <a:p>
+            <a:pPr marL="0" marR="0" lvl="0" indent="0" algn="ctr" defTabSz="914400" rtl="0" eaLnBrk="1" fontAlgn="auto" latinLnBrk="0" hangingPunct="1">
+              <a:lnSpc>
+                <a:spcPct val="100000"/>
+              </a:lnSpc>
+              <a:spcBef>
+                <a:spcPts val="0"/>
+              </a:spcBef>
+              <a:spcAft>
+                <a:spcPts val="0"/>
+              </a:spcAft>
+              <a:buClrTx/>
+              <a:buSzTx/>
+              <a:buFontTx/>
+              <a:buNone/>
+              <a:tabLst/>
+              <a:defRPr/>
+            </a:pPr>
+            <a:endParaRPr kumimoji="0" lang="en-US" sz="1800" b="0" i="0" u="none" strike="noStrike" kern="1200" cap="none" spc="0" normalizeH="0" baseline="0" noProof="0">
+              <a:ln>
+                <a:noFill/>
+              </a:ln>
+              <a:solidFill>
+                <a:prstClr val="white"/>
+              </a:solidFill>
+              <a:effectLst/>
+              <a:uLnTx/>
+              <a:uFillTx/>
+              <a:latin typeface="Calibri" panose="020F0502020204030204"/>
+              <a:ea typeface="+mn-ea"/>
+              <a:cs typeface="+mn-cs"/>
+            </a:endParaRPr>
+          </a:p>
+        </p:txBody>
+      </p:sp>
+      <p:pic>
+        <p:nvPicPr>
+          <p:cNvPr id="13" name="Content Placeholder 12">
+            <a:extLst>
+              <a:ext uri="{FF2B5EF4-FFF2-40B4-BE49-F238E27FC236}">
+                <a16:creationId xmlns:a16="http://schemas.microsoft.com/office/drawing/2014/main" id="{E8BF60F7-15FC-45E3-8604-D310A778D8CD}"/>
+              </a:ext>
+            </a:extLst>
+          </p:cNvPr>
+          <p:cNvPicPr>
+            <a:picLocks noGrp="1" noChangeAspect="1"/>
+          </p:cNvPicPr>
+          <p:nvPr>
+            <p:ph idx="1"/>
+          </p:nvPr>
+        </p:nvPicPr>
+        <p:blipFill>
+          <a:blip r:embed="rId2">
+            <a:extLst>
+              <a:ext uri="{28A0092B-C50C-407E-A947-70E740481C1C}">
+                <a14:useLocalDpi xmlns:a14="http://schemas.microsoft.com/office/drawing/2010/main" val="0"/>
+              </a:ext>
+            </a:extLst>
+          </a:blip>
+          <a:srcRect l="7858" r="7858"/>
+          <a:stretch/>
+        </p:blipFill>
+        <p:spPr>
+          <a:xfrm>
+            <a:off x="3523488" y="10"/>
+            <a:ext cx="8668512" cy="6857990"/>
+          </a:xfrm>
+          <a:prstGeom prst="rect">
+            <a:avLst/>
+          </a:prstGeom>
+        </p:spPr>
+      </p:pic>
+      <p:sp>
+        <p:nvSpPr>
+          <p:cNvPr id="25" name="Rectangle 24">
+            <a:extLst>
+              <a:ext uri="{FF2B5EF4-FFF2-40B4-BE49-F238E27FC236}">
+                <a16:creationId xmlns:a16="http://schemas.microsoft.com/office/drawing/2014/main" id="{AB58EF07-17C2-48CF-ABB0-EEF1F17CB8F0}"/>
+              </a:ext>
+              <a:ext uri="{C183D7F6-B498-43B3-948B-1728B52AA6E4}">
+                <adec:decorative xmlns:adec="http://schemas.microsoft.com/office/drawing/2017/decorative" val="1"/>
+              </a:ext>
+            </a:extLst>
+          </p:cNvPr>
+          <p:cNvSpPr>
+            <a:spLocks noGrp="1" noRot="1" noChangeAspect="1" noMove="1" noResize="1" noEditPoints="1" noAdjustHandles="1" noChangeArrowheads="1" noChangeShapeType="1" noTextEdit="1"/>
+          </p:cNvSpPr>
+          <p:nvPr>
+            <p:extLst>
+              <p:ext uri="{386F3935-93C4-4BCD-93E2-E3B085C9AB24}">
+                <p16:designElem xmlns:p16="http://schemas.microsoft.com/office/powerpoint/2015/main" val="1"/>
+              </p:ext>
+            </p:extLst>
+          </p:nvPr>
+        </p:nvSpPr>
+        <p:spPr>
+          <a:xfrm>
+            <a:off x="3" y="0"/>
+            <a:ext cx="9339206" cy="6858000"/>
+          </a:xfrm>
+          <a:prstGeom prst="rect">
+            <a:avLst/>
+          </a:prstGeom>
+          <a:gradFill>
+            <a:gsLst>
+              <a:gs pos="58000">
+                <a:schemeClr val="bg1"/>
+              </a:gs>
+              <a:gs pos="33000">
+                <a:schemeClr val="bg1">
+                  <a:alpha val="64000"/>
+                </a:schemeClr>
+              </a:gs>
+              <a:gs pos="0">
+                <a:schemeClr val="bg1">
+                  <a:alpha val="0"/>
+                </a:schemeClr>
+              </a:gs>
+              <a:gs pos="100000">
+                <a:schemeClr val="bg1"/>
+              </a:gs>
+            </a:gsLst>
+            <a:lin ang="10800000" scaled="0"/>
+          </a:gradFill>
+          <a:ln>
+            <a:noFill/>
+          </a:ln>
+        </p:spPr>
+        <p:style>
+          <a:lnRef idx="2">
+            <a:schemeClr val="accent1">
+              <a:shade val="50000"/>
+            </a:schemeClr>
+          </a:lnRef>
+          <a:fillRef idx="1">
+            <a:schemeClr val="accent1"/>
+          </a:fillRef>
+          <a:effectRef idx="0">
+            <a:schemeClr val="accent1"/>
+          </a:effectRef>
+          <a:fontRef idx="minor">
+            <a:schemeClr val="lt1"/>
+          </a:fontRef>
+        </p:style>
+        <p:txBody>
+          <a:bodyPr rtlCol="0" anchor="ctr"/>
+          <a:lstStyle/>
+          <a:p>
+            <a:pPr marL="0" marR="0" lvl="0" indent="0" algn="ctr" defTabSz="914400" rtl="0" eaLnBrk="1" fontAlgn="auto" latinLnBrk="0" hangingPunct="1">
+              <a:lnSpc>
+                <a:spcPct val="100000"/>
+              </a:lnSpc>
+              <a:spcBef>
+                <a:spcPts val="0"/>
+              </a:spcBef>
+              <a:spcAft>
+                <a:spcPts val="0"/>
+              </a:spcAft>
+              <a:buClrTx/>
+              <a:buSzTx/>
+              <a:buFontTx/>
+              <a:buNone/>
+              <a:tabLst/>
+              <a:defRPr/>
+            </a:pPr>
+            <a:endParaRPr kumimoji="0" lang="en-US" sz="1800" b="0" i="0" u="none" strike="noStrike" kern="1200" cap="none" spc="0" normalizeH="0" baseline="0" noProof="0" dirty="0">
+              <a:ln>
+                <a:noFill/>
+              </a:ln>
+              <a:solidFill>
+                <a:prstClr val="white"/>
+              </a:solidFill>
+              <a:effectLst/>
+              <a:uLnTx/>
+              <a:uFillTx/>
+              <a:latin typeface="Calibri" panose="020F0502020204030204"/>
+              <a:ea typeface="+mn-ea"/>
+              <a:cs typeface="+mn-cs"/>
+            </a:endParaRPr>
+          </a:p>
+        </p:txBody>
+      </p:sp>
+      <p:sp>
+        <p:nvSpPr>
+          <p:cNvPr id="2" name="Titel 1">
+            <a:extLst>
+              <a:ext uri="{FF2B5EF4-FFF2-40B4-BE49-F238E27FC236}">
+                <a16:creationId xmlns:a16="http://schemas.microsoft.com/office/drawing/2014/main" id="{C5670A04-1F4B-4E8C-82B2-B446AF1D161A}"/>
+              </a:ext>
+            </a:extLst>
+          </p:cNvPr>
+          <p:cNvSpPr>
+            <a:spLocks noGrp="1"/>
+          </p:cNvSpPr>
+          <p:nvPr>
+            <p:ph type="title"/>
+          </p:nvPr>
+        </p:nvSpPr>
+        <p:spPr>
+          <a:xfrm>
+            <a:off x="477981" y="1122363"/>
+            <a:ext cx="4023360" cy="3204134"/>
+          </a:xfrm>
+        </p:spPr>
+        <p:txBody>
+          <a:bodyPr vert="horz" lIns="91440" tIns="45720" rIns="91440" bIns="45720" rtlCol="0" anchor="b">
+            <a:normAutofit/>
+          </a:bodyPr>
+          <a:lstStyle/>
+          <a:p>
+            <a:pPr algn="ctr"/>
+            <a:r>
+              <a:rPr lang="en-US" sz="4800" b="1" dirty="0"/>
+              <a:t>Agile</a:t>
+            </a:r>
+          </a:p>
+        </p:txBody>
+      </p:sp>
+      <p:sp>
+        <p:nvSpPr>
+          <p:cNvPr id="27" name="Rectangle 26">
+            <a:extLst>
+              <a:ext uri="{FF2B5EF4-FFF2-40B4-BE49-F238E27FC236}">
+                <a16:creationId xmlns:a16="http://schemas.microsoft.com/office/drawing/2014/main" id="{AF2F604E-43BE-4DC3-B983-E071523364F8}"/>
+              </a:ext>
+              <a:ext uri="{C183D7F6-B498-43B3-948B-1728B52AA6E4}">
+                <adec:decorative xmlns:adec="http://schemas.microsoft.com/office/drawing/2017/decorative" val="1"/>
+              </a:ext>
+            </a:extLst>
+          </p:cNvPr>
+          <p:cNvSpPr>
+            <a:spLocks noGrp="1" noRot="1" noChangeAspect="1" noMove="1" noResize="1" noEditPoints="1" noAdjustHandles="1" noChangeArrowheads="1" noChangeShapeType="1" noTextEdit="1"/>
+          </p:cNvSpPr>
+          <p:nvPr>
+            <p:extLst>
+              <p:ext uri="{386F3935-93C4-4BCD-93E2-E3B085C9AB24}">
+                <p16:designElem xmlns:p16="http://schemas.microsoft.com/office/powerpoint/2015/main" val="1"/>
+              </p:ext>
+            </p:extLst>
+          </p:nvPr>
+        </p:nvSpPr>
+        <p:spPr>
+          <a:xfrm rot="5400000">
+            <a:off x="759921" y="346791"/>
+            <a:ext cx="146304" cy="704088"/>
+          </a:xfrm>
+          <a:prstGeom prst="rect">
+            <a:avLst/>
+          </a:prstGeom>
+          <a:solidFill>
+            <a:schemeClr val="accent2"/>
+          </a:solidFill>
+          <a:ln>
+            <a:noFill/>
+          </a:ln>
+        </p:spPr>
+        <p:style>
+          <a:lnRef idx="2">
+            <a:schemeClr val="accent1">
+              <a:shade val="50000"/>
+            </a:schemeClr>
+          </a:lnRef>
+          <a:fillRef idx="1">
+            <a:schemeClr val="accent1"/>
+          </a:fillRef>
+          <a:effectRef idx="0">
+            <a:schemeClr val="accent1"/>
+          </a:effectRef>
+          <a:fontRef idx="minor">
+            <a:schemeClr val="lt1"/>
+          </a:fontRef>
+        </p:style>
+        <p:txBody>
+          <a:bodyPr rtlCol="0" anchor="ctr"/>
+          <a:lstStyle/>
+          <a:p>
+            <a:pPr marL="0" marR="0" lvl="0" indent="0" algn="ctr" defTabSz="914400" rtl="0" eaLnBrk="1" fontAlgn="auto" latinLnBrk="0" hangingPunct="1">
+              <a:lnSpc>
+                <a:spcPct val="100000"/>
+              </a:lnSpc>
+              <a:spcBef>
+                <a:spcPts val="0"/>
+              </a:spcBef>
+              <a:spcAft>
+                <a:spcPts val="0"/>
+              </a:spcAft>
+              <a:buClrTx/>
+              <a:buSzTx/>
+              <a:buFontTx/>
+              <a:buNone/>
+              <a:tabLst/>
+              <a:defRPr/>
+            </a:pPr>
+            <a:endParaRPr kumimoji="0" lang="en-US" sz="1800" b="0" i="0" u="none" strike="noStrike" kern="1200" cap="none" spc="0" normalizeH="0" baseline="0" noProof="0">
+              <a:ln>
+                <a:noFill/>
+              </a:ln>
+              <a:solidFill>
+                <a:prstClr val="white"/>
+              </a:solidFill>
+              <a:effectLst/>
+              <a:uLnTx/>
+              <a:uFillTx/>
+              <a:latin typeface="Calibri" panose="020F0502020204030204"/>
+              <a:ea typeface="+mn-ea"/>
+              <a:cs typeface="+mn-cs"/>
+            </a:endParaRPr>
+          </a:p>
+        </p:txBody>
+      </p:sp>
+      <p:sp>
+        <p:nvSpPr>
+          <p:cNvPr id="29" name="Rectangle 28">
+            <a:extLst>
+              <a:ext uri="{FF2B5EF4-FFF2-40B4-BE49-F238E27FC236}">
+                <a16:creationId xmlns:a16="http://schemas.microsoft.com/office/drawing/2014/main" id="{08C9B587-E65E-4B52-B37C-ABEBB6E87928}"/>
+              </a:ext>
+              <a:ext uri="{C183D7F6-B498-43B3-948B-1728B52AA6E4}">
+                <adec:decorative xmlns:adec="http://schemas.microsoft.com/office/drawing/2017/decorative" val="1"/>
+              </a:ext>
+            </a:extLst>
+          </p:cNvPr>
+          <p:cNvSpPr>
+            <a:spLocks noGrp="1" noRot="1" noChangeAspect="1" noMove="1" noResize="1" noEditPoints="1" noAdjustHandles="1" noChangeArrowheads="1" noChangeShapeType="1" noTextEdit="1"/>
+          </p:cNvSpPr>
+          <p:nvPr>
+            <p:extLst>
+              <p:ext uri="{386F3935-93C4-4BCD-93E2-E3B085C9AB24}">
+                <p16:designElem xmlns:p16="http://schemas.microsoft.com/office/powerpoint/2015/main" val="1"/>
+              </p:ext>
+            </p:extLst>
+          </p:nvPr>
+        </p:nvSpPr>
+        <p:spPr>
+          <a:xfrm>
+            <a:off x="481029" y="4546920"/>
+            <a:ext cx="3977640" cy="18288"/>
+          </a:xfrm>
+          <a:prstGeom prst="rect">
+            <a:avLst/>
+          </a:prstGeom>
+          <a:solidFill>
+            <a:schemeClr val="tx1"/>
+          </a:solidFill>
+          <a:ln w="3175">
+            <a:noFill/>
+          </a:ln>
+          <a:effectLst/>
+        </p:spPr>
+        <p:style>
+          <a:lnRef idx="2">
+            <a:schemeClr val="accent1">
+              <a:shade val="50000"/>
+            </a:schemeClr>
+          </a:lnRef>
+          <a:fillRef idx="1">
+            <a:schemeClr val="accent1"/>
+          </a:fillRef>
+          <a:effectRef idx="0">
+            <a:schemeClr val="accent1"/>
+          </a:effectRef>
+          <a:fontRef idx="minor">
+            <a:schemeClr val="lt1"/>
+          </a:fontRef>
+        </p:style>
+        <p:txBody>
+          <a:bodyPr rtlCol="0" anchor="ctr"/>
+          <a:lstStyle/>
+          <a:p>
+            <a:pPr marL="0" marR="0" lvl="0" indent="0" algn="ctr" defTabSz="914400" rtl="0" eaLnBrk="1" fontAlgn="auto" latinLnBrk="0" hangingPunct="1">
+              <a:lnSpc>
+                <a:spcPct val="100000"/>
+              </a:lnSpc>
+              <a:spcBef>
+                <a:spcPts val="0"/>
+              </a:spcBef>
+              <a:spcAft>
+                <a:spcPts val="0"/>
+              </a:spcAft>
+              <a:buClrTx/>
+              <a:buSzTx/>
+              <a:buFontTx/>
+              <a:buNone/>
+              <a:tabLst/>
+              <a:defRPr/>
+            </a:pPr>
+            <a:endParaRPr kumimoji="0" lang="en-US" sz="1800" b="0" i="0" u="none" strike="noStrike" kern="1200" cap="none" spc="0" normalizeH="0" baseline="0" noProof="0">
+              <a:ln>
+                <a:noFill/>
+              </a:ln>
+              <a:solidFill>
+                <a:prstClr val="white"/>
+              </a:solidFill>
+              <a:effectLst/>
+              <a:uLnTx/>
+              <a:uFillTx/>
+              <a:latin typeface="Calibri" panose="020F0502020204030204"/>
+              <a:ea typeface="+mn-ea"/>
+              <a:cs typeface="+mn-cs"/>
+            </a:endParaRPr>
+          </a:p>
+        </p:txBody>
+      </p:sp>
+    </p:spTree>
+    <p:extLst>
+      <p:ext uri="{BB962C8B-B14F-4D97-AF65-F5344CB8AC3E}">
+        <p14:creationId xmlns:p14="http://schemas.microsoft.com/office/powerpoint/2010/main" val="497257164"/>
+      </p:ext>
+    </p:extLst>
+  </p:cSld>
+  <p:clrMapOvr>
+    <a:overrideClrMapping bg1="dk1" tx1="lt1" bg2="dk2" tx2="lt2" accent1="accent1" accent2="accent2" accent3="accent3" accent4="accent4" accent5="accent5" accent6="accent6" hlink="hlink" folHlink="folHlink"/>
+  </p:clrMapOvr>
 </p:sld>
 </file>
 
@@ -12930,6 +17341,15 @@
 </file>
 
 <file path=customXml/item1.xml><?xml version="1.0" encoding="utf-8"?>
+<?mso-contentType ?>
+<FormTemplates xmlns="http://schemas.microsoft.com/sharepoint/v3/contenttype/forms">
+  <Display>DocumentLibraryForm</Display>
+  <Edit>DocumentLibraryForm</Edit>
+  <New>DocumentLibraryForm</New>
+</FormTemplates>
+</file>
+
+<file path=customXml/item2.xml><?xml version="1.0" encoding="utf-8"?>
 <ct:contentTypeSchema xmlns:ct="http://schemas.microsoft.com/office/2006/metadata/contentType" xmlns:ma="http://schemas.microsoft.com/office/2006/metadata/properties/metaAttributes" ct:_="" ma:_="" ma:contentTypeName="Document" ma:contentTypeID="0x01010061B81E3BA243CF4A868B0BEC9F975797" ma:contentTypeVersion="11" ma:contentTypeDescription="Create a new document." ma:contentTypeScope="" ma:versionID="d6987b30bf8e1530db28844b0e3c8f7c">
   <xsd:schema xmlns:xsd="http://www.w3.org/2001/XMLSchema" xmlns:xs="http://www.w3.org/2001/XMLSchema" xmlns:p="http://schemas.microsoft.com/office/2006/metadata/properties" xmlns:ns2="4af98d12-1551-4a02-9e0a-f0639a4d5771" xmlns:ns3="6fd23e11-32eb-4a0c-a866-7a24f41d8546" targetNamespace="http://schemas.microsoft.com/office/2006/metadata/properties" ma:root="true" ma:fieldsID="bbb24fe35e8cdef0f53ee6552c1907ed" ns2:_="" ns3:_="">
     <xsd:import namespace="4af98d12-1551-4a02-9e0a-f0639a4d5771"/>
@@ -13124,16 +17544,15 @@
 </ct:contentTypeSchema>
 </file>
 
-<file path=customXml/item2.xml><?xml version="1.0" encoding="utf-8"?>
-<?mso-contentType ?>
-<FormTemplates xmlns="http://schemas.microsoft.com/sharepoint/v3/contenttype/forms">
-  <Display>DocumentLibraryForm</Display>
-  <Edit>DocumentLibraryForm</Edit>
-  <New>DocumentLibraryForm</New>
-</FormTemplates>
+<file path=customXml/itemProps1.xml><?xml version="1.0" encoding="utf-8"?>
+<ds:datastoreItem xmlns:ds="http://schemas.openxmlformats.org/officeDocument/2006/customXml" ds:itemID="{9550681D-B0B6-49B5-828E-2328806F6AA0}">
+  <ds:schemaRefs>
+    <ds:schemaRef ds:uri="http://schemas.microsoft.com/sharepoint/v3/contenttype/forms"/>
+  </ds:schemaRefs>
+</ds:datastoreItem>
 </file>
 
-<file path=customXml/itemProps1.xml><?xml version="1.0" encoding="utf-8"?>
+<file path=customXml/itemProps2.xml><?xml version="1.0" encoding="utf-8"?>
 <ds:datastoreItem xmlns:ds="http://schemas.openxmlformats.org/officeDocument/2006/customXml" ds:itemID="{BA3EA5F8-B6C0-49DD-877A-A8059227E554}">
   <ds:schemaRefs>
     <ds:schemaRef ds:uri="http://schemas.microsoft.com/office/2006/metadata/contentType"/>
@@ -13150,12 +17569,4 @@
     <ds:schemaRef ds:uri="http://schemas.microsoft.com/internal/obd"/>
   </ds:schemaRefs>
 </ds:datastoreItem>
-</file>
-
-<file path=customXml/itemProps2.xml><?xml version="1.0" encoding="utf-8"?>
-<ds:datastoreItem xmlns:ds="http://schemas.openxmlformats.org/officeDocument/2006/customXml" ds:itemID="{9550681D-B0B6-49B5-828E-2328806F6AA0}">
-  <ds:schemaRefs>
-    <ds:schemaRef ds:uri="http://schemas.microsoft.com/sharepoint/v3/contenttype/forms"/>
-  </ds:schemaRefs>
-</ds:datastoreItem>
 </file>